--- a/slide/sansan.pptx
+++ b/slide/sansan.pptx
@@ -5,16 +5,22 @@
     <p:sldMasterId id="2147483648" r:id="rId1"/>
   </p:sldMasterIdLst>
   <p:notesMasterIdLst>
-    <p:notesMasterId r:id="rId9"/>
+    <p:notesMasterId r:id="rId15"/>
   </p:notesMasterIdLst>
   <p:sldIdLst>
     <p:sldId id="256" r:id="rId2"/>
-    <p:sldId id="264" r:id="rId3"/>
-    <p:sldId id="263" r:id="rId4"/>
-    <p:sldId id="259" r:id="rId5"/>
-    <p:sldId id="261" r:id="rId6"/>
-    <p:sldId id="262" r:id="rId7"/>
-    <p:sldId id="260" r:id="rId8"/>
+    <p:sldId id="263" r:id="rId3"/>
+    <p:sldId id="259" r:id="rId4"/>
+    <p:sldId id="261" r:id="rId5"/>
+    <p:sldId id="262" r:id="rId6"/>
+    <p:sldId id="260" r:id="rId7"/>
+    <p:sldId id="264" r:id="rId8"/>
+    <p:sldId id="265" r:id="rId9"/>
+    <p:sldId id="271" r:id="rId10"/>
+    <p:sldId id="266" r:id="rId11"/>
+    <p:sldId id="268" r:id="rId12"/>
+    <p:sldId id="267" r:id="rId13"/>
+    <p:sldId id="269" r:id="rId14"/>
   </p:sldIdLst>
   <p:sldSz cx="9144000" cy="6858000" type="screen4x3"/>
   <p:notesSz cx="6858000" cy="9144000"/>
@@ -198,7 +204,8 @@
           <a:p>
             <a:fld id="{B933A665-BE83-42CB-BA98-DDCBB3B2F224}" type="datetimeFigureOut">
               <a:rPr kumimoji="1" lang="ja-JP" altLang="en-US" smtClean="0"/>
-              <a:t>2013/3/10</a:t>
+              <a:pPr/>
+              <a:t>2013/3/17</a:t>
             </a:fld>
             <a:endParaRPr kumimoji="1" lang="ja-JP" altLang="en-US"/>
           </a:p>
@@ -391,6 +398,7 @@
           <a:p>
             <a:fld id="{C110A23C-77A9-4B2A-8ABB-99B63503A325}" type="slidenum">
               <a:rPr kumimoji="1" lang="ja-JP" altLang="en-US" smtClean="0"/>
+              <a:pPr/>
               <a:t>&lt;#&gt;</a:t>
             </a:fld>
             <a:endParaRPr kumimoji="1" lang="ja-JP" altLang="en-US"/>
@@ -541,10 +549,6 @@
           </a:bodyPr>
           <a:lstStyle/>
           <a:p>
-            <a:r>
-              <a:rPr lang="ja-JP" altLang="en-US" sz="2800" dirty="0" smtClean="0"/>
-              <a:t>名前の所を名刺に書いてあるみたいにしたらかっこいいかも</a:t>
-            </a:r>
             <a:endParaRPr kumimoji="1" lang="ja-JP" altLang="en-US" sz="2800" dirty="0"/>
           </a:p>
         </p:txBody>
@@ -566,6 +570,7 @@
           <a:p>
             <a:fld id="{C110A23C-77A9-4B2A-8ABB-99B63503A325}" type="slidenum">
               <a:rPr kumimoji="1" lang="ja-JP" altLang="en-US" smtClean="0"/>
+              <a:pPr/>
               <a:t>1</a:t>
             </a:fld>
             <a:endParaRPr kumimoji="1" lang="ja-JP" altLang="en-US"/>
@@ -626,13 +631,6 @@
           </a:bodyPr>
           <a:lstStyle/>
           <a:p>
-            <a:r>
-              <a:rPr kumimoji="1" lang="ja-JP" altLang="en-US" sz="2800" dirty="0" smtClean="0"/>
-              <a:t>目次</a:t>
-            </a:r>
-            <a:endParaRPr lang="en-US" altLang="ja-JP" sz="2800" dirty="0" smtClean="0"/>
-          </a:p>
-          <a:p>
             <a:endParaRPr kumimoji="1" lang="en-US" altLang="ja-JP" sz="2800" dirty="0" smtClean="0"/>
           </a:p>
         </p:txBody>
@@ -654,6 +652,7 @@
           <a:p>
             <a:fld id="{C110A23C-77A9-4B2A-8ABB-99B63503A325}" type="slidenum">
               <a:rPr kumimoji="1" lang="ja-JP" altLang="en-US" smtClean="0"/>
+              <a:pPr/>
               <a:t>2</a:t>
             </a:fld>
             <a:endParaRPr kumimoji="1" lang="ja-JP" altLang="en-US"/>
@@ -716,48 +715,6 @@
           <a:p>
             <a:endParaRPr kumimoji="1" lang="en-US" altLang="ja-JP" sz="2800" dirty="0" smtClean="0"/>
           </a:p>
-          <a:p>
-            <a:r>
-              <a:rPr kumimoji="1" lang="ja-JP" altLang="en-US" sz="2800" dirty="0" smtClean="0"/>
-              <a:t>会社の写真を貼る</a:t>
-            </a:r>
-            <a:r>
-              <a:rPr kumimoji="1" lang="en-US" altLang="ja-JP" sz="2800" dirty="0" smtClean="0"/>
-              <a:t>?</a:t>
-            </a:r>
-          </a:p>
-          <a:p>
-            <a:endParaRPr kumimoji="1" lang="en-US" altLang="ja-JP" sz="2800" dirty="0" smtClean="0"/>
-          </a:p>
-          <a:p>
-            <a:r>
-              <a:rPr kumimoji="1" lang="ja-JP" altLang="en-US" sz="2800" dirty="0" smtClean="0"/>
-              <a:t>サテライトオフィスの説明をするか、しないか</a:t>
-            </a:r>
-            <a:r>
-              <a:rPr kumimoji="1" lang="en-US" altLang="ja-JP" sz="2800" dirty="0" smtClean="0"/>
-              <a:t>(</a:t>
-            </a:r>
-            <a:r>
-              <a:rPr kumimoji="1" lang="ja-JP" altLang="en-US" sz="2800" dirty="0" smtClean="0"/>
-              <a:t>時間なさそう</a:t>
-            </a:r>
-            <a:r>
-              <a:rPr kumimoji="1" lang="en-US" altLang="ja-JP" sz="2800" dirty="0" smtClean="0"/>
-              <a:t>)</a:t>
-            </a:r>
-            <a:r>
-              <a:rPr kumimoji="1" lang="ja-JP" altLang="en-US" sz="2800" dirty="0" smtClean="0"/>
-              <a:t>→しないのだったら書かない方がいい</a:t>
-            </a:r>
-            <a:r>
-              <a:rPr kumimoji="1" lang="en-US" altLang="ja-JP" sz="2800" dirty="0" smtClean="0"/>
-              <a:t>?</a:t>
-            </a:r>
-          </a:p>
-          <a:p>
-            <a:endParaRPr kumimoji="1" lang="en-US" altLang="ja-JP" sz="2800" dirty="0" smtClean="0"/>
-          </a:p>
         </p:txBody>
       </p:sp>
       <p:sp>
@@ -777,6 +734,7 @@
           <a:p>
             <a:fld id="{C110A23C-77A9-4B2A-8ABB-99B63503A325}" type="slidenum">
               <a:rPr kumimoji="1" lang="ja-JP" altLang="en-US" smtClean="0"/>
+              <a:pPr/>
               <a:t>3</a:t>
             </a:fld>
             <a:endParaRPr kumimoji="1" lang="ja-JP" altLang="en-US"/>
@@ -838,10 +796,110 @@
           <a:lstStyle/>
           <a:p>
             <a:r>
-              <a:rPr kumimoji="1" lang="ja-JP" altLang="en-US" sz="2800" dirty="0" smtClean="0"/>
-              <a:t>サービス紹介</a:t>
-            </a:r>
-            <a:endParaRPr kumimoji="1" lang="en-US" altLang="ja-JP" sz="2800" dirty="0" smtClean="0"/>
+              <a:rPr lang="ja-JP" altLang="en-US" sz="1800" dirty="0" smtClean="0"/>
+              <a:t>世界初の法人向けクラウド名刺管理サービス</a:t>
+            </a:r>
+            <a:br>
+              <a:rPr lang="ja-JP" altLang="en-US" sz="1800" dirty="0" smtClean="0"/>
+            </a:br>
+            <a:r>
+              <a:rPr lang="ja-JP" altLang="en-US" sz="1800" dirty="0" smtClean="0"/>
+              <a:t/>
+            </a:r>
+            <a:br>
+              <a:rPr lang="ja-JP" altLang="en-US" sz="1800" dirty="0" smtClean="0"/>
+            </a:br>
+            <a:r>
+              <a:rPr lang="ja-JP" altLang="en-US" sz="1800" dirty="0" smtClean="0"/>
+              <a:t>国内･国外の多くの企業で幅広く導入</a:t>
+            </a:r>
+            <a:endParaRPr lang="en-US" altLang="ja-JP" sz="1800" dirty="0" smtClean="0"/>
+          </a:p>
+          <a:p>
+            <a:endParaRPr lang="ja-JP" altLang="en-US" sz="1800" dirty="0" smtClean="0"/>
+          </a:p>
+          <a:p>
+            <a:r>
+              <a:rPr lang="ja-JP" altLang="en-US" sz="1800" dirty="0"/>
+              <a:t>リンクナレッジの導入社数は</a:t>
+            </a:r>
+            <a:r>
+              <a:rPr lang="en-US" altLang="ja-JP" sz="1800" dirty="0"/>
+              <a:t>800</a:t>
+            </a:r>
+            <a:r>
+              <a:rPr lang="ja-JP" altLang="en-US" sz="1800" dirty="0"/>
+              <a:t>社を</a:t>
+            </a:r>
+            <a:r>
+              <a:rPr lang="ja-JP" altLang="en-US" sz="1800" dirty="0" smtClean="0"/>
+              <a:t>超え</a:t>
+            </a:r>
+            <a:endParaRPr lang="en-US" altLang="ja-JP" sz="1800" dirty="0" smtClean="0"/>
+          </a:p>
+          <a:p>
+            <a:r>
+              <a:rPr lang="ja-JP" altLang="en-US" sz="1800" dirty="0" smtClean="0"/>
+              <a:t>導入</a:t>
+            </a:r>
+            <a:r>
+              <a:rPr lang="ja-JP" altLang="en-US" sz="1800" dirty="0"/>
+              <a:t>シェア</a:t>
+            </a:r>
+            <a:r>
+              <a:rPr lang="en-US" altLang="ja-JP" sz="1800" dirty="0" smtClean="0"/>
+              <a:t>No.1</a:t>
+            </a:r>
+          </a:p>
+          <a:p>
+            <a:r>
+              <a:rPr lang="ja-JP" altLang="en-US" sz="1800" dirty="0" smtClean="0"/>
+              <a:t>導入</a:t>
+            </a:r>
+            <a:r>
+              <a:rPr lang="ja-JP" altLang="en-US" sz="1800" dirty="0"/>
+              <a:t>企業様の営業力を強化し、売上拡大に貢献しています</a:t>
+            </a:r>
+            <a:r>
+              <a:rPr lang="ja-JP" altLang="en-US" sz="1800" dirty="0" smtClean="0"/>
+              <a:t>。</a:t>
+            </a:r>
+            <a:endParaRPr lang="en-US" altLang="ja-JP" sz="1800" dirty="0" smtClean="0"/>
+          </a:p>
+          <a:p>
+            <a:r>
+              <a:rPr lang="ja-JP" altLang="en-US" sz="1800" dirty="0" smtClean="0"/>
+              <a:t>セキュリティ</a:t>
+            </a:r>
+            <a:endParaRPr lang="en-US" altLang="ja-JP" sz="1800" dirty="0" smtClean="0"/>
+          </a:p>
+          <a:p>
+            <a:r>
+              <a:rPr lang="ja-JP" altLang="en-US" sz="1800" dirty="0" smtClean="0"/>
+              <a:t>プライバシーマーク</a:t>
+            </a:r>
+            <a:r>
+              <a:rPr lang="ja-JP" altLang="en-US" sz="1800" dirty="0"/>
+              <a:t>の</a:t>
+            </a:r>
+            <a:r>
+              <a:rPr lang="ja-JP" altLang="en-US" sz="1800" dirty="0" smtClean="0"/>
+              <a:t>取得</a:t>
+            </a:r>
+            <a:endParaRPr lang="en-US" altLang="ja-JP" sz="1800" dirty="0" smtClean="0"/>
+          </a:p>
+          <a:p>
+            <a:r>
+              <a:rPr lang="ja-JP" altLang="en-US" sz="1800" b="1" dirty="0" smtClean="0"/>
+              <a:t>名刺をクラウドで管理・活用して、収益最大化を支援するサービス</a:t>
+            </a:r>
+            <a:endParaRPr lang="en-US" altLang="ja-JP" sz="1800" b="1" dirty="0" smtClean="0"/>
+          </a:p>
+          <a:p>
+            <a:endParaRPr kumimoji="1" lang="en-US" altLang="ja-JP" sz="1800" dirty="0" smtClean="0"/>
+          </a:p>
+          <a:p>
+            <a:endParaRPr kumimoji="1" lang="ja-JP" altLang="en-US" sz="1800" dirty="0"/>
           </a:p>
         </p:txBody>
       </p:sp>
@@ -862,6 +920,7 @@
           <a:p>
             <a:fld id="{C110A23C-77A9-4B2A-8ABB-99B63503A325}" type="slidenum">
               <a:rPr kumimoji="1" lang="ja-JP" altLang="en-US" smtClean="0"/>
+              <a:pPr/>
               <a:t>4</a:t>
             </a:fld>
             <a:endParaRPr kumimoji="1" lang="ja-JP" altLang="en-US"/>
@@ -923,110 +982,60 @@
           <a:lstStyle/>
           <a:p>
             <a:r>
+              <a:rPr lang="en-US" altLang="ja-JP" sz="1800" dirty="0" smtClean="0"/>
+              <a:t>2012</a:t>
+            </a:r>
+            <a:r>
+              <a:rPr lang="ja-JP" altLang="en-US" sz="1800" dirty="0"/>
+              <a:t>年よりスタートした、個人向けの名刺管理アプリ／</a:t>
+            </a:r>
+            <a:r>
               <a:rPr lang="ja-JP" altLang="en-US" sz="1800" dirty="0" smtClean="0"/>
-              <a:t>世界初の法人向けクラウド名刺管理サービス</a:t>
-            </a:r>
-            <a:br>
+              <a:t>クラウドサービス</a:t>
+            </a:r>
+            <a:endParaRPr lang="en-US" altLang="ja-JP" sz="1800" dirty="0"/>
+          </a:p>
+          <a:p>
+            <a:endParaRPr lang="ja-JP" altLang="en-US" dirty="0" smtClean="0"/>
+          </a:p>
+          <a:p>
+            <a:r>
+              <a:rPr lang="en-US" altLang="ja-JP" sz="1800" dirty="0" smtClean="0"/>
+              <a:t>2012</a:t>
+            </a:r>
+            <a:r>
               <a:rPr lang="ja-JP" altLang="en-US" sz="1800" dirty="0" smtClean="0"/>
-            </a:br>
+              <a:t>年リリース以降、ユーザー数</a:t>
+            </a:r>
+            <a:r>
+              <a:rPr lang="en-US" altLang="ja-JP" sz="1800" dirty="0" smtClean="0"/>
+              <a:t>10</a:t>
+            </a:r>
             <a:r>
               <a:rPr lang="ja-JP" altLang="en-US" sz="1800" dirty="0" smtClean="0"/>
-              <a:t/>
-            </a:r>
-            <a:br>
+              <a:t>万人突破</a:t>
+            </a:r>
+          </a:p>
+          <a:p>
+            <a:r>
+              <a:rPr lang="en-US" altLang="ja-JP" sz="1800" dirty="0" smtClean="0"/>
+              <a:t>2012</a:t>
+            </a:r>
+            <a:r>
               <a:rPr lang="ja-JP" altLang="en-US" sz="1800" dirty="0" smtClean="0"/>
-            </a:br>
+              <a:t>年ベストアプリランキング、ビジネスアプリ部門第</a:t>
+            </a:r>
+            <a:r>
+              <a:rPr lang="en-US" altLang="ja-JP" sz="1800" dirty="0" smtClean="0"/>
+              <a:t>1</a:t>
+            </a:r>
             <a:r>
               <a:rPr lang="ja-JP" altLang="en-US" sz="1800" dirty="0" smtClean="0"/>
-              <a:t>国内･国外の多くの企業で幅広く導入</a:t>
-            </a:r>
-            <a:endParaRPr lang="en-US" altLang="ja-JP" sz="1800" dirty="0" smtClean="0"/>
-          </a:p>
-          <a:p>
-            <a:endParaRPr lang="ja-JP" altLang="en-US" sz="1800" dirty="0" smtClean="0"/>
-          </a:p>
-          <a:p>
-            <a:r>
-              <a:rPr lang="ja-JP" altLang="en-US" sz="1800" dirty="0"/>
-              <a:t>リンクナレッジの導入社数は</a:t>
-            </a:r>
-            <a:r>
-              <a:rPr lang="en-US" altLang="ja-JP" sz="1800" dirty="0"/>
-              <a:t>800</a:t>
-            </a:r>
-            <a:r>
-              <a:rPr lang="ja-JP" altLang="en-US" sz="1800" dirty="0"/>
-              <a:t>社を</a:t>
-            </a:r>
-            <a:r>
-              <a:rPr lang="ja-JP" altLang="en-US" sz="1800" dirty="0" smtClean="0"/>
-              <a:t>超え</a:t>
-            </a:r>
-            <a:endParaRPr lang="en-US" altLang="ja-JP" sz="1800" dirty="0" smtClean="0"/>
-          </a:p>
-          <a:p>
-            <a:r>
-              <a:rPr lang="ja-JP" altLang="en-US" sz="1800" dirty="0" smtClean="0"/>
-              <a:t>導入</a:t>
-            </a:r>
-            <a:r>
-              <a:rPr lang="ja-JP" altLang="en-US" sz="1800" dirty="0"/>
-              <a:t>シェア</a:t>
-            </a:r>
-            <a:r>
-              <a:rPr lang="en-US" altLang="ja-JP" sz="1800" dirty="0" smtClean="0"/>
-              <a:t>No.1</a:t>
-            </a:r>
-          </a:p>
-          <a:p>
-            <a:r>
-              <a:rPr lang="ja-JP" altLang="en-US" sz="1800" dirty="0" smtClean="0"/>
-              <a:t>導入</a:t>
-            </a:r>
-            <a:r>
-              <a:rPr lang="ja-JP" altLang="en-US" sz="1800" dirty="0"/>
-              <a:t>企業様の営業力を強化し、売上拡大に貢献しています</a:t>
-            </a:r>
-            <a:r>
-              <a:rPr lang="ja-JP" altLang="en-US" sz="1800" dirty="0" smtClean="0"/>
-              <a:t>。</a:t>
-            </a:r>
-            <a:endParaRPr lang="en-US" altLang="ja-JP" sz="1800" dirty="0" smtClean="0"/>
-          </a:p>
-          <a:p>
-            <a:r>
-              <a:rPr lang="ja-JP" altLang="en-US" sz="1800" dirty="0" smtClean="0"/>
-              <a:t>セキュリティ</a:t>
-            </a:r>
-            <a:endParaRPr lang="en-US" altLang="ja-JP" sz="1800" dirty="0" smtClean="0"/>
-          </a:p>
-          <a:p>
-            <a:r>
-              <a:rPr lang="ja-JP" altLang="en-US" sz="1800" dirty="0" smtClean="0"/>
-              <a:t>プライバシーマーク</a:t>
-            </a:r>
-            <a:r>
-              <a:rPr lang="ja-JP" altLang="en-US" sz="1800" dirty="0"/>
-              <a:t>の</a:t>
-            </a:r>
-            <a:r>
-              <a:rPr lang="ja-JP" altLang="en-US" sz="1800" dirty="0" smtClean="0"/>
-              <a:t>取得</a:t>
-            </a:r>
-            <a:endParaRPr lang="en-US" altLang="ja-JP" sz="1800" dirty="0" smtClean="0"/>
-          </a:p>
-          <a:p>
-            <a:r>
-              <a:rPr lang="ja-JP" altLang="en-US" sz="1800" b="1" dirty="0" smtClean="0"/>
-              <a:t>名刺をクラウドで管理・活用して、収益最大化を支援するサービス</a:t>
-            </a:r>
-            <a:endParaRPr lang="en-US" altLang="ja-JP" sz="1800" b="1" dirty="0" smtClean="0"/>
-          </a:p>
-          <a:p>
-            <a:endParaRPr kumimoji="1" lang="en-US" altLang="ja-JP" sz="1800" dirty="0" smtClean="0"/>
-          </a:p>
-          <a:p>
-            <a:endParaRPr kumimoji="1" lang="ja-JP" altLang="en-US" sz="1800" dirty="0"/>
+              <a:t>位</a:t>
+            </a:r>
+          </a:p>
+          <a:p>
+            <a:endParaRPr kumimoji="1" lang="ja-JP" altLang="en-US" dirty="0"/>
           </a:p>
         </p:txBody>
       </p:sp>
@@ -1047,6 +1056,7 @@
           <a:p>
             <a:fld id="{C110A23C-77A9-4B2A-8ABB-99B63503A325}" type="slidenum">
               <a:rPr kumimoji="1" lang="ja-JP" altLang="en-US" smtClean="0"/>
+              <a:pPr/>
               <a:t>5</a:t>
             </a:fld>
             <a:endParaRPr kumimoji="1" lang="ja-JP" altLang="en-US"/>
@@ -1107,68 +1117,7 @@
           </a:bodyPr>
           <a:lstStyle/>
           <a:p>
-            <a:r>
-              <a:rPr lang="ja-JP" altLang="en-US" sz="1800" dirty="0" smtClean="0"/>
-              <a:t/>
-            </a:r>
-            <a:br>
-              <a:rPr lang="ja-JP" altLang="en-US" sz="1800" dirty="0" smtClean="0"/>
-            </a:br>
-            <a:r>
-              <a:rPr lang="en-US" altLang="ja-JP" sz="1800" dirty="0"/>
-              <a:t>2012</a:t>
-            </a:r>
-            <a:r>
-              <a:rPr lang="ja-JP" altLang="en-US" sz="1800" dirty="0"/>
-              <a:t>年よりスタートした、個人向けの名刺管理アプリ／</a:t>
-            </a:r>
-            <a:r>
-              <a:rPr lang="ja-JP" altLang="en-US" sz="1800" dirty="0" smtClean="0"/>
-              <a:t>クラウドサービス</a:t>
-            </a:r>
-            <a:endParaRPr lang="en-US" altLang="ja-JP" sz="1800" dirty="0"/>
-          </a:p>
-          <a:p>
-            <a:endParaRPr lang="ja-JP" altLang="en-US" dirty="0" smtClean="0"/>
-          </a:p>
-          <a:p>
-            <a:r>
-              <a:rPr lang="en-US" altLang="ja-JP" sz="1800" dirty="0" smtClean="0"/>
-              <a:t>2012</a:t>
-            </a:r>
-            <a:r>
-              <a:rPr lang="ja-JP" altLang="en-US" sz="1800" dirty="0" smtClean="0"/>
-              <a:t>年リリース以降、ユーザー数</a:t>
-            </a:r>
-            <a:r>
-              <a:rPr lang="en-US" altLang="ja-JP" sz="1800" dirty="0" smtClean="0"/>
-              <a:t>10</a:t>
-            </a:r>
-            <a:r>
-              <a:rPr lang="ja-JP" altLang="en-US" sz="1800" dirty="0" smtClean="0"/>
-              <a:t>万人突破</a:t>
-            </a:r>
-          </a:p>
-          <a:p>
-            <a:r>
-              <a:rPr lang="en-US" altLang="ja-JP" sz="1800" dirty="0" smtClean="0"/>
-              <a:t>2012</a:t>
-            </a:r>
-            <a:r>
-              <a:rPr lang="ja-JP" altLang="en-US" sz="1800" dirty="0" smtClean="0"/>
-              <a:t>年ベストアプリランキング、ビジネスアプリ部門第</a:t>
-            </a:r>
-            <a:r>
-              <a:rPr lang="en-US" altLang="ja-JP" sz="1800" dirty="0" smtClean="0"/>
-              <a:t>1</a:t>
-            </a:r>
-            <a:r>
-              <a:rPr lang="ja-JP" altLang="en-US" sz="1800" dirty="0" smtClean="0"/>
-              <a:t>位</a:t>
-            </a:r>
-          </a:p>
-          <a:p>
-            <a:endParaRPr kumimoji="1" lang="ja-JP" altLang="en-US" dirty="0"/>
+            <a:endParaRPr kumimoji="1" lang="ja-JP" altLang="en-US"/>
           </a:p>
         </p:txBody>
       </p:sp>
@@ -1189,6 +1138,7 @@
           <a:p>
             <a:fld id="{C110A23C-77A9-4B2A-8ABB-99B63503A325}" type="slidenum">
               <a:rPr kumimoji="1" lang="ja-JP" altLang="en-US" smtClean="0"/>
+              <a:pPr/>
               <a:t>6</a:t>
             </a:fld>
             <a:endParaRPr kumimoji="1" lang="ja-JP" altLang="en-US"/>
@@ -1249,10 +1199,114 @@
           </a:bodyPr>
           <a:lstStyle/>
           <a:p>
+            <a:r>
+              <a:rPr kumimoji="1" lang="ja-JP" altLang="en-US" dirty="0" smtClean="0"/>
+              <a:t>印象</a:t>
+            </a:r>
+            <a:endParaRPr kumimoji="1" lang="en-US" altLang="ja-JP" dirty="0" smtClean="0"/>
+          </a:p>
+          <a:p>
+            <a:r>
+              <a:rPr kumimoji="1" lang="ja-JP" altLang="en-US" dirty="0" smtClean="0"/>
+              <a:t>会話が続かない</a:t>
+            </a:r>
+            <a:endParaRPr kumimoji="1" lang="en-US" altLang="ja-JP" dirty="0" smtClean="0"/>
+          </a:p>
+          <a:p>
+            <a:endParaRPr kumimoji="1" lang="ja-JP" altLang="en-US" dirty="0"/>
+          </a:p>
+        </p:txBody>
+      </p:sp>
+      <p:sp>
+        <p:nvSpPr>
+          <p:cNvPr id="4" name="スライド番号プレースホルダ 3"/>
+          <p:cNvSpPr>
+            <a:spLocks noGrp="1"/>
+          </p:cNvSpPr>
+          <p:nvPr>
+            <p:ph type="sldNum" sz="quarter" idx="10"/>
+          </p:nvPr>
+        </p:nvSpPr>
+        <p:spPr/>
+        <p:txBody>
+          <a:bodyPr/>
+          <a:lstStyle/>
+          <a:p>
+            <a:fld id="{C110A23C-77A9-4B2A-8ABB-99B63503A325}" type="slidenum">
+              <a:rPr kumimoji="1" lang="ja-JP" altLang="en-US" smtClean="0"/>
+              <a:pPr/>
+              <a:t>8</a:t>
+            </a:fld>
             <a:endParaRPr kumimoji="1" lang="ja-JP" altLang="en-US"/>
           </a:p>
         </p:txBody>
       </p:sp>
+    </p:spTree>
+  </p:cSld>
+  <p:clrMapOvr>
+    <a:masterClrMapping/>
+  </p:clrMapOvr>
+</p:notes>
+</file>
+
+<file path=ppt/notesSlides/notesSlide8.xml><?xml version="1.0" encoding="utf-8"?>
+<p:notes xmlns:a="http://schemas.openxmlformats.org/drawingml/2006/main" xmlns:r="http://schemas.openxmlformats.org/officeDocument/2006/relationships" xmlns:p="http://schemas.openxmlformats.org/presentationml/2006/main">
+  <p:cSld>
+    <p:spTree>
+      <p:nvGrpSpPr>
+        <p:cNvPr id="1" name=""/>
+        <p:cNvGrpSpPr/>
+        <p:nvPr/>
+      </p:nvGrpSpPr>
+      <p:grpSpPr>
+        <a:xfrm>
+          <a:off x="0" y="0"/>
+          <a:ext cx="0" cy="0"/>
+          <a:chOff x="0" y="0"/>
+          <a:chExt cx="0" cy="0"/>
+        </a:xfrm>
+      </p:grpSpPr>
+      <p:sp>
+        <p:nvSpPr>
+          <p:cNvPr id="2" name="スライド イメージ プレースホルダ 1"/>
+          <p:cNvSpPr>
+            <a:spLocks noGrp="1" noRot="1" noChangeAspect="1"/>
+          </p:cNvSpPr>
+          <p:nvPr>
+            <p:ph type="sldImg"/>
+          </p:nvPr>
+        </p:nvSpPr>
+        <p:spPr/>
+      </p:sp>
+      <p:sp>
+        <p:nvSpPr>
+          <p:cNvPr id="3" name="ノート プレースホルダ 2"/>
+          <p:cNvSpPr>
+            <a:spLocks noGrp="1"/>
+          </p:cNvSpPr>
+          <p:nvPr>
+            <p:ph type="body" idx="1"/>
+          </p:nvPr>
+        </p:nvSpPr>
+        <p:spPr/>
+        <p:txBody>
+          <a:bodyPr>
+            <a:normAutofit/>
+          </a:bodyPr>
+          <a:lstStyle/>
+          <a:p>
+            <a:r>
+              <a:rPr kumimoji="1" lang="en-US" altLang="ja-JP" dirty="0" smtClean="0"/>
+              <a:t>Android</a:t>
+            </a:r>
+            <a:r>
+              <a:rPr kumimoji="1" lang="ja-JP" altLang="en-US" dirty="0" smtClean="0"/>
+              <a:t>の素材が見つからなかった･･･</a:t>
+            </a:r>
+            <a:endParaRPr kumimoji="1" lang="ja-JP" altLang="en-US" dirty="0"/>
+          </a:p>
+        </p:txBody>
+      </p:sp>
       <p:sp>
         <p:nvSpPr>
           <p:cNvPr id="4" name="スライド番号プレースホルダ 3"/>
@@ -1270,7 +1324,8 @@
           <a:p>
             <a:fld id="{C110A23C-77A9-4B2A-8ABB-99B63503A325}" type="slidenum">
               <a:rPr kumimoji="1" lang="ja-JP" altLang="en-US" smtClean="0"/>
-              <a:t>7</a:t>
+              <a:pPr/>
+              <a:t>9</a:t>
             </a:fld>
             <a:endParaRPr kumimoji="1" lang="ja-JP" altLang="en-US"/>
           </a:p>
@@ -1466,7 +1521,7 @@
             <a:fld id="{C2E6BA9C-D01F-4665-A7DD-1D8B8337740E}" type="datetimeFigureOut">
               <a:rPr kumimoji="1" lang="ja-JP" altLang="en-US" smtClean="0"/>
               <a:pPr/>
-              <a:t>2013/3/10</a:t>
+              <a:t>2013/3/17</a:t>
             </a:fld>
             <a:endParaRPr kumimoji="1" lang="ja-JP" altLang="en-US"/>
           </a:p>
@@ -1676,7 +1731,7 @@
             <a:fld id="{C2E6BA9C-D01F-4665-A7DD-1D8B8337740E}" type="datetimeFigureOut">
               <a:rPr kumimoji="1" lang="ja-JP" altLang="en-US" smtClean="0"/>
               <a:pPr/>
-              <a:t>2013/3/10</a:t>
+              <a:t>2013/3/17</a:t>
             </a:fld>
             <a:endParaRPr kumimoji="1" lang="ja-JP" altLang="en-US"/>
           </a:p>
@@ -1896,7 +1951,7 @@
             <a:fld id="{C2E6BA9C-D01F-4665-A7DD-1D8B8337740E}" type="datetimeFigureOut">
               <a:rPr kumimoji="1" lang="ja-JP" altLang="en-US" smtClean="0"/>
               <a:pPr/>
-              <a:t>2013/3/10</a:t>
+              <a:t>2013/3/17</a:t>
             </a:fld>
             <a:endParaRPr kumimoji="1" lang="ja-JP" altLang="en-US"/>
           </a:p>
@@ -2106,7 +2161,7 @@
             <a:fld id="{C2E6BA9C-D01F-4665-A7DD-1D8B8337740E}" type="datetimeFigureOut">
               <a:rPr kumimoji="1" lang="ja-JP" altLang="en-US" smtClean="0"/>
               <a:pPr/>
-              <a:t>2013/3/10</a:t>
+              <a:t>2013/3/17</a:t>
             </a:fld>
             <a:endParaRPr kumimoji="1" lang="ja-JP" altLang="en-US"/>
           </a:p>
@@ -2360,7 +2415,7 @@
             <a:fld id="{C2E6BA9C-D01F-4665-A7DD-1D8B8337740E}" type="datetimeFigureOut">
               <a:rPr kumimoji="1" lang="ja-JP" altLang="en-US" smtClean="0"/>
               <a:pPr/>
-              <a:t>2013/3/10</a:t>
+              <a:t>2013/3/17</a:t>
             </a:fld>
             <a:endParaRPr kumimoji="1" lang="ja-JP" altLang="en-US"/>
           </a:p>
@@ -2720,7 +2775,7 @@
             <a:fld id="{C2E6BA9C-D01F-4665-A7DD-1D8B8337740E}" type="datetimeFigureOut">
               <a:rPr kumimoji="1" lang="ja-JP" altLang="en-US" smtClean="0"/>
               <a:pPr/>
-              <a:t>2013/3/10</a:t>
+              <a:t>2013/3/17</a:t>
             </a:fld>
             <a:endParaRPr kumimoji="1" lang="ja-JP" altLang="en-US"/>
           </a:p>
@@ -3214,7 +3269,7 @@
             <a:fld id="{C2E6BA9C-D01F-4665-A7DD-1D8B8337740E}" type="datetimeFigureOut">
               <a:rPr kumimoji="1" lang="ja-JP" altLang="en-US" smtClean="0"/>
               <a:pPr/>
-              <a:t>2013/3/10</a:t>
+              <a:t>2013/3/17</a:t>
             </a:fld>
             <a:endParaRPr kumimoji="1" lang="ja-JP" altLang="en-US"/>
           </a:p>
@@ -3340,7 +3395,7 @@
             <a:fld id="{C2E6BA9C-D01F-4665-A7DD-1D8B8337740E}" type="datetimeFigureOut">
               <a:rPr kumimoji="1" lang="ja-JP" altLang="en-US" smtClean="0"/>
               <a:pPr/>
-              <a:t>2013/3/10</a:t>
+              <a:t>2013/3/17</a:t>
             </a:fld>
             <a:endParaRPr kumimoji="1" lang="ja-JP" altLang="en-US"/>
           </a:p>
@@ -3443,7 +3498,7 @@
             <a:fld id="{C2E6BA9C-D01F-4665-A7DD-1D8B8337740E}" type="datetimeFigureOut">
               <a:rPr kumimoji="1" lang="ja-JP" altLang="en-US" smtClean="0"/>
               <a:pPr/>
-              <a:t>2013/3/10</a:t>
+              <a:t>2013/3/17</a:t>
             </a:fld>
             <a:endParaRPr kumimoji="1" lang="ja-JP" altLang="en-US"/>
           </a:p>
@@ -3836,7 +3891,7 @@
             <a:fld id="{C2E6BA9C-D01F-4665-A7DD-1D8B8337740E}" type="datetimeFigureOut">
               <a:rPr kumimoji="1" lang="ja-JP" altLang="en-US" smtClean="0"/>
               <a:pPr/>
-              <a:t>2013/3/10</a:t>
+              <a:t>2013/3/17</a:t>
             </a:fld>
             <a:endParaRPr kumimoji="1" lang="ja-JP" altLang="en-US"/>
           </a:p>
@@ -4097,7 +4152,7 @@
             <a:fld id="{C2E6BA9C-D01F-4665-A7DD-1D8B8337740E}" type="datetimeFigureOut">
               <a:rPr kumimoji="1" lang="ja-JP" altLang="en-US" smtClean="0"/>
               <a:pPr/>
-              <a:t>2013/3/10</a:t>
+              <a:t>2013/3/17</a:t>
             </a:fld>
             <a:endParaRPr kumimoji="1" lang="ja-JP" altLang="en-US"/>
           </a:p>
@@ -4360,7 +4415,7 @@
             <a:fld id="{C2E6BA9C-D01F-4665-A7DD-1D8B8337740E}" type="datetimeFigureOut">
               <a:rPr kumimoji="1" lang="ja-JP" altLang="en-US" smtClean="0"/>
               <a:pPr/>
-              <a:t>2013/3/10</a:t>
+              <a:t>2013/3/17</a:t>
             </a:fld>
             <a:endParaRPr kumimoji="1" lang="ja-JP" altLang="en-US"/>
           </a:p>
@@ -4704,38 +4759,44 @@
         </p:nvSpPr>
         <p:spPr>
           <a:xfrm>
-            <a:off x="611560" y="1772816"/>
-            <a:ext cx="7772400" cy="1470025"/>
+            <a:off x="-144016" y="2247007"/>
+            <a:ext cx="9468544" cy="1470025"/>
           </a:xfrm>
         </p:spPr>
         <p:txBody>
-          <a:bodyPr/>
-          <a:lstStyle/>
-          <a:p>
-            <a:r>
-              <a:rPr lang="ja-JP" altLang="en-US" sz="6600" dirty="0">
-                <a:latin typeface="HGP行書体" pitchFamily="66" charset="-128"/>
-                <a:ea typeface="HGP行書体" pitchFamily="66" charset="-128"/>
+          <a:bodyPr anchor="ctr">
+            <a:noAutofit/>
+          </a:bodyPr>
+          <a:lstStyle/>
+          <a:p>
+            <a:r>
+              <a:rPr lang="ja-JP" altLang="en-US" sz="6600" dirty="0" smtClean="0">
+                <a:latin typeface="MigMix 1P" pitchFamily="50" charset="-128"/>
+                <a:ea typeface="MigMix 1P" pitchFamily="50" charset="-128"/>
+                <a:cs typeface="MigMix 1P" pitchFamily="50" charset="-128"/>
               </a:rPr>
               <a:t>チーム</a:t>
             </a:r>
             <a:r>
-              <a:rPr kumimoji="1" lang="ja-JP" altLang="en-US" sz="8000" dirty="0" smtClean="0">
-                <a:latin typeface="HGP行書体" pitchFamily="66" charset="-128"/>
-                <a:ea typeface="HGP行書体" pitchFamily="66" charset="-128"/>
+              <a:rPr kumimoji="1" lang="ja-JP" altLang="en-US" sz="13800" b="1" dirty="0" smtClean="0">
+                <a:latin typeface="MigMix 1P" pitchFamily="50" charset="-128"/>
+                <a:ea typeface="MigMix 1P" pitchFamily="50" charset="-128"/>
+                <a:cs typeface="MigMix 1P" pitchFamily="50" charset="-128"/>
               </a:rPr>
               <a:t>三三</a:t>
             </a:r>
             <a:r>
-              <a:rPr kumimoji="1" lang="en-US" altLang="ja-JP" sz="7200" dirty="0" smtClean="0">
-                <a:latin typeface="HGP行書体" pitchFamily="66" charset="-128"/>
-                <a:ea typeface="HGP行書体" pitchFamily="66" charset="-128"/>
+              <a:rPr kumimoji="1" lang="en-US" altLang="ja-JP" sz="13800" b="1" dirty="0" smtClean="0">
+                <a:latin typeface="MigMix 1P" pitchFamily="50" charset="-128"/>
+                <a:ea typeface="MigMix 1P" pitchFamily="50" charset="-128"/>
+                <a:cs typeface="MigMix 1P" pitchFamily="50" charset="-128"/>
               </a:rPr>
               <a:t>++</a:t>
             </a:r>
-            <a:endParaRPr kumimoji="1" lang="ja-JP" altLang="en-US" sz="8000" dirty="0">
-              <a:latin typeface="HGP行書体" pitchFamily="66" charset="-128"/>
-              <a:ea typeface="HGP行書体" pitchFamily="66" charset="-128"/>
+            <a:endParaRPr kumimoji="1" lang="ja-JP" altLang="en-US" sz="11500" b="1" dirty="0">
+              <a:latin typeface="MigMix 1P" pitchFamily="50" charset="-128"/>
+              <a:ea typeface="MigMix 1P" pitchFamily="50" charset="-128"/>
+              <a:cs typeface="MigMix 1P" pitchFamily="50" charset="-128"/>
             </a:endParaRPr>
           </a:p>
         </p:txBody>
@@ -4752,7 +4813,7 @@
         </p:nvSpPr>
         <p:spPr>
           <a:xfrm>
-            <a:off x="971600" y="3886200"/>
+            <a:off x="755576" y="4916760"/>
             <a:ext cx="7560840" cy="1752600"/>
           </a:xfrm>
         </p:spPr>
@@ -4769,34 +4830,11 @@
                     <a:lumMod val="75000"/>
                   </a:schemeClr>
                 </a:solidFill>
-                <a:latin typeface="HGS明朝E" pitchFamily="18" charset="-128"/>
-                <a:ea typeface="HGS明朝E" pitchFamily="18" charset="-128"/>
-              </a:rPr>
-              <a:t>桐山</a:t>
-            </a:r>
-            <a:r>
-              <a:rPr lang="ja-JP" altLang="en-US" dirty="0">
-                <a:solidFill>
-                  <a:schemeClr val="accent1">
-                    <a:lumMod val="75000"/>
-                  </a:schemeClr>
-                </a:solidFill>
-                <a:latin typeface="HGS明朝E" pitchFamily="18" charset="-128"/>
-                <a:ea typeface="HGS明朝E" pitchFamily="18" charset="-128"/>
-              </a:rPr>
-              <a:t>裕平</a:t>
-            </a:r>
-            <a:r>
-              <a:rPr lang="ja-JP" altLang="en-US" dirty="0" smtClean="0">
-                <a:solidFill>
-                  <a:schemeClr val="accent1">
-                    <a:lumMod val="75000"/>
-                  </a:schemeClr>
-                </a:solidFill>
-                <a:latin typeface="HGS明朝E" pitchFamily="18" charset="-128"/>
-                <a:ea typeface="HGS明朝E" pitchFamily="18" charset="-128"/>
-              </a:rPr>
-              <a:t> </a:t>
+                <a:latin typeface="MigMix 1P" pitchFamily="50" charset="-128"/>
+                <a:ea typeface="MigMix 1P" pitchFamily="50" charset="-128"/>
+                <a:cs typeface="MigMix 1P" pitchFamily="50" charset="-128"/>
+              </a:rPr>
+              <a:t>桐山裕平 </a:t>
             </a:r>
             <a:r>
               <a:rPr kumimoji="1" lang="ja-JP" altLang="en-US" dirty="0" smtClean="0">
@@ -4805,22 +4843,11 @@
                     <a:lumMod val="75000"/>
                   </a:schemeClr>
                 </a:solidFill>
-                <a:latin typeface="HGS明朝E" pitchFamily="18" charset="-128"/>
-                <a:ea typeface="HGS明朝E" pitchFamily="18" charset="-128"/>
-              </a:rPr>
-              <a:t>、索手一平、須磨</a:t>
-            </a:r>
-            <a:r>
-              <a:rPr kumimoji="1" lang="ja-JP" altLang="en-US" dirty="0" smtClean="0">
-                <a:solidFill>
-                  <a:schemeClr val="accent1">
-                    <a:lumMod val="75000"/>
-                  </a:schemeClr>
-                </a:solidFill>
-                <a:latin typeface="HGS明朝E" pitchFamily="18" charset="-128"/>
-                <a:ea typeface="HGS明朝E" pitchFamily="18" charset="-128"/>
-              </a:rPr>
-              <a:t>菜穂子</a:t>
+                <a:latin typeface="MigMix 1P" pitchFamily="50" charset="-128"/>
+                <a:ea typeface="MigMix 1P" pitchFamily="50" charset="-128"/>
+                <a:cs typeface="MigMix 1P" pitchFamily="50" charset="-128"/>
+              </a:rPr>
+              <a:t>、索手一平、須磨菜穂子</a:t>
             </a:r>
             <a:endParaRPr kumimoji="1" lang="ja-JP" altLang="en-US" dirty="0">
               <a:solidFill>
@@ -4828,8 +4855,9 @@
                   <a:lumMod val="75000"/>
                 </a:schemeClr>
               </a:solidFill>
-              <a:latin typeface="HGS明朝E" pitchFamily="18" charset="-128"/>
-              <a:ea typeface="HGS明朝E" pitchFamily="18" charset="-128"/>
+              <a:latin typeface="MigMix 1P" pitchFamily="50" charset="-128"/>
+              <a:ea typeface="MigMix 1P" pitchFamily="50" charset="-128"/>
+              <a:cs typeface="MigMix 1P" pitchFamily="50" charset="-128"/>
             </a:endParaRPr>
           </a:p>
         </p:txBody>
@@ -4842,8 +4870,8 @@
         </p:nvSpPr>
         <p:spPr>
           <a:xfrm>
-            <a:off x="2483768" y="1052736"/>
-            <a:ext cx="4032448" cy="769441"/>
+            <a:off x="2267744" y="685145"/>
+            <a:ext cx="4608512" cy="1015663"/>
           </a:xfrm>
           <a:prstGeom prst="rect">
             <a:avLst/>
@@ -4857,13 +4885,949 @@
           <a:lstStyle/>
           <a:p>
             <a:r>
-              <a:rPr lang="en-US" altLang="ja-JP" sz="4400" dirty="0" err="1" smtClean="0">
-                <a:latin typeface="Century" pitchFamily="18" charset="0"/>
+              <a:rPr lang="en-US" altLang="ja-JP" sz="6000" dirty="0" err="1" smtClean="0">
+                <a:latin typeface="MigMix 1P" pitchFamily="50" charset="-128"/>
+                <a:ea typeface="MigMix 1P" pitchFamily="50" charset="-128"/>
+                <a:cs typeface="MigMix 1P" pitchFamily="50" charset="-128"/>
               </a:rPr>
               <a:t>Sansan.Inc</a:t>
             </a:r>
-            <a:endParaRPr lang="en-US" altLang="ja-JP" sz="4400" dirty="0" smtClean="0">
-              <a:latin typeface="Century" pitchFamily="18" charset="0"/>
+            <a:endParaRPr lang="en-US" altLang="ja-JP" sz="6000" dirty="0" smtClean="0">
+              <a:latin typeface="MigMix 1P" pitchFamily="50" charset="-128"/>
+              <a:ea typeface="MigMix 1P" pitchFamily="50" charset="-128"/>
+              <a:cs typeface="MigMix 1P" pitchFamily="50" charset="-128"/>
+            </a:endParaRPr>
+          </a:p>
+        </p:txBody>
+      </p:sp>
+    </p:spTree>
+  </p:cSld>
+  <p:clrMapOvr>
+    <a:masterClrMapping/>
+  </p:clrMapOvr>
+  <p:transition>
+    <p:fade/>
+  </p:transition>
+  <p:timing>
+    <p:tnLst>
+      <p:par>
+        <p:cTn id="1" dur="indefinite" restart="never" nodeType="tmRoot"/>
+      </p:par>
+    </p:tnLst>
+  </p:timing>
+</p:sld>
+</file>
+
+<file path=ppt/slides/slide10.xml><?xml version="1.0" encoding="utf-8"?>
+<p:sld xmlns:a="http://schemas.openxmlformats.org/drawingml/2006/main" xmlns:r="http://schemas.openxmlformats.org/officeDocument/2006/relationships" xmlns:p="http://schemas.openxmlformats.org/presentationml/2006/main">
+  <p:cSld>
+    <p:spTree>
+      <p:nvGrpSpPr>
+        <p:cNvPr id="1" name=""/>
+        <p:cNvGrpSpPr/>
+        <p:nvPr/>
+      </p:nvGrpSpPr>
+      <p:grpSpPr>
+        <a:xfrm>
+          <a:off x="0" y="0"/>
+          <a:ext cx="0" cy="0"/>
+          <a:chOff x="0" y="0"/>
+          <a:chExt cx="0" cy="0"/>
+        </a:xfrm>
+      </p:grpSpPr>
+      <p:sp>
+        <p:nvSpPr>
+          <p:cNvPr id="2" name="テキスト ボックス 1"/>
+          <p:cNvSpPr txBox="1"/>
+          <p:nvPr/>
+        </p:nvSpPr>
+        <p:spPr>
+          <a:xfrm>
+            <a:off x="-468560" y="116632"/>
+            <a:ext cx="9721080" cy="707886"/>
+          </a:xfrm>
+          <a:prstGeom prst="rect">
+            <a:avLst/>
+          </a:prstGeom>
+          <a:noFill/>
+          <a:ln w="57150" cmpd="thickThin">
+            <a:solidFill>
+              <a:schemeClr val="accent1">
+                <a:lumMod val="75000"/>
+              </a:schemeClr>
+            </a:solidFill>
+          </a:ln>
+        </p:spPr>
+        <p:txBody>
+          <a:bodyPr wrap="square" rtlCol="0">
+            <a:spAutoFit/>
+          </a:bodyPr>
+          <a:lstStyle/>
+          <a:p>
+            <a:pPr algn="ctr"/>
+            <a:r>
+              <a:rPr lang="en-US" altLang="ja-JP" sz="4000" b="1" dirty="0" err="1" smtClean="0">
+                <a:solidFill>
+                  <a:schemeClr val="accent1">
+                    <a:lumMod val="75000"/>
+                  </a:schemeClr>
+                </a:solidFill>
+                <a:latin typeface="MigMix 1P" pitchFamily="50" charset="-128"/>
+                <a:ea typeface="MigMix 1P" pitchFamily="50" charset="-128"/>
+                <a:cs typeface="MigMix 1P" pitchFamily="50" charset="-128"/>
+              </a:rPr>
+              <a:t>Topick</a:t>
+            </a:r>
+            <a:endParaRPr lang="en-US" altLang="ja-JP" sz="4000" b="1" dirty="0" smtClean="0">
+              <a:solidFill>
+                <a:schemeClr val="accent1">
+                  <a:lumMod val="75000"/>
+                </a:schemeClr>
+              </a:solidFill>
+              <a:latin typeface="MigMix 1P" pitchFamily="50" charset="-128"/>
+              <a:ea typeface="MigMix 1P" pitchFamily="50" charset="-128"/>
+              <a:cs typeface="MigMix 1P" pitchFamily="50" charset="-128"/>
+            </a:endParaRPr>
+          </a:p>
+        </p:txBody>
+      </p:sp>
+      <p:sp>
+        <p:nvSpPr>
+          <p:cNvPr id="4" name="正方形/長方形 3"/>
+          <p:cNvSpPr/>
+          <p:nvPr/>
+        </p:nvSpPr>
+        <p:spPr>
+          <a:xfrm>
+            <a:off x="251520" y="1052736"/>
+            <a:ext cx="3168352" cy="5544616"/>
+          </a:xfrm>
+          <a:prstGeom prst="rect">
+            <a:avLst/>
+          </a:prstGeom>
+        </p:spPr>
+        <p:style>
+          <a:lnRef idx="2">
+            <a:schemeClr val="accent1">
+              <a:shade val="50000"/>
+            </a:schemeClr>
+          </a:lnRef>
+          <a:fillRef idx="1">
+            <a:schemeClr val="accent1"/>
+          </a:fillRef>
+          <a:effectRef idx="0">
+            <a:schemeClr val="accent1"/>
+          </a:effectRef>
+          <a:fontRef idx="minor">
+            <a:schemeClr val="lt1"/>
+          </a:fontRef>
+        </p:style>
+        <p:txBody>
+          <a:bodyPr rtlCol="0" anchor="ctr"/>
+          <a:lstStyle/>
+          <a:p>
+            <a:pPr algn="ctr"/>
+            <a:r>
+              <a:rPr kumimoji="1" lang="ja-JP" altLang="en-US" dirty="0" smtClean="0"/>
+              <a:t>最初の画面のスクショ</a:t>
+            </a:r>
+            <a:endParaRPr kumimoji="1" lang="ja-JP" altLang="en-US" dirty="0"/>
+          </a:p>
+        </p:txBody>
+      </p:sp>
+      <p:sp>
+        <p:nvSpPr>
+          <p:cNvPr id="5" name="テキスト ボックス 4"/>
+          <p:cNvSpPr txBox="1"/>
+          <p:nvPr/>
+        </p:nvSpPr>
+        <p:spPr>
+          <a:xfrm>
+            <a:off x="3491880" y="2132856"/>
+            <a:ext cx="6264696" cy="1815882"/>
+          </a:xfrm>
+          <a:prstGeom prst="rect">
+            <a:avLst/>
+          </a:prstGeom>
+          <a:noFill/>
+        </p:spPr>
+        <p:txBody>
+          <a:bodyPr wrap="square" rtlCol="0">
+            <a:spAutoFit/>
+          </a:bodyPr>
+          <a:lstStyle/>
+          <a:p>
+            <a:pPr>
+              <a:lnSpc>
+                <a:spcPct val="150000"/>
+              </a:lnSpc>
+            </a:pPr>
+            <a:r>
+              <a:rPr kumimoji="1" lang="ja-JP" altLang="en-US" sz="3200" dirty="0" smtClean="0">
+                <a:latin typeface="MigMix 1P" pitchFamily="50" charset="-128"/>
+                <a:ea typeface="MigMix 1P" pitchFamily="50" charset="-128"/>
+                <a:cs typeface="MigMix 1P" pitchFamily="50" charset="-128"/>
+              </a:rPr>
+              <a:t>簡単な情報を入力するだけで</a:t>
+            </a:r>
+            <a:endParaRPr kumimoji="1" lang="en-US" altLang="ja-JP" sz="3200" dirty="0" smtClean="0">
+              <a:latin typeface="MigMix 1P" pitchFamily="50" charset="-128"/>
+              <a:ea typeface="MigMix 1P" pitchFamily="50" charset="-128"/>
+              <a:cs typeface="MigMix 1P" pitchFamily="50" charset="-128"/>
+            </a:endParaRPr>
+          </a:p>
+          <a:p>
+            <a:endParaRPr lang="en-US" altLang="ja-JP" sz="3200" dirty="0" smtClean="0">
+              <a:latin typeface="MigMix 1P" pitchFamily="50" charset="-128"/>
+              <a:ea typeface="MigMix 1P" pitchFamily="50" charset="-128"/>
+              <a:cs typeface="MigMix 1P" pitchFamily="50" charset="-128"/>
+            </a:endParaRPr>
+          </a:p>
+          <a:p>
+            <a:endParaRPr lang="en-US" altLang="ja-JP" sz="3200" dirty="0" smtClean="0">
+              <a:latin typeface="MigMix 1P" pitchFamily="50" charset="-128"/>
+              <a:ea typeface="MigMix 1P" pitchFamily="50" charset="-128"/>
+              <a:cs typeface="MigMix 1P" pitchFamily="50" charset="-128"/>
+            </a:endParaRPr>
+          </a:p>
+        </p:txBody>
+      </p:sp>
+      <p:sp>
+        <p:nvSpPr>
+          <p:cNvPr id="8" name="正方形/長方形 7"/>
+          <p:cNvSpPr/>
+          <p:nvPr/>
+        </p:nvSpPr>
+        <p:spPr>
+          <a:xfrm>
+            <a:off x="3491880" y="3068960"/>
+            <a:ext cx="5652120" cy="584775"/>
+          </a:xfrm>
+          <a:prstGeom prst="rect">
+            <a:avLst/>
+          </a:prstGeom>
+        </p:spPr>
+        <p:txBody>
+          <a:bodyPr wrap="square">
+            <a:spAutoFit/>
+          </a:bodyPr>
+          <a:lstStyle/>
+          <a:p>
+            <a:r>
+              <a:rPr lang="ja-JP" altLang="en-US" sz="3200" dirty="0" smtClean="0">
+                <a:latin typeface="MigMix 1P" pitchFamily="50" charset="-128"/>
+                <a:ea typeface="MigMix 1P" pitchFamily="50" charset="-128"/>
+                <a:cs typeface="MigMix 1P" pitchFamily="50" charset="-128"/>
+              </a:rPr>
+              <a:t>相手の</a:t>
+            </a:r>
+            <a:r>
+              <a:rPr lang="en-US" altLang="ja-JP" sz="3200" dirty="0" smtClean="0">
+                <a:latin typeface="MigMix 1P" pitchFamily="50" charset="-128"/>
+                <a:ea typeface="MigMix 1P" pitchFamily="50" charset="-128"/>
+                <a:cs typeface="MigMix 1P" pitchFamily="50" charset="-128"/>
+              </a:rPr>
+              <a:t>SNS</a:t>
+            </a:r>
+            <a:r>
+              <a:rPr lang="ja-JP" altLang="en-US" sz="3200" dirty="0" smtClean="0">
+                <a:latin typeface="MigMix 1P" pitchFamily="50" charset="-128"/>
+                <a:ea typeface="MigMix 1P" pitchFamily="50" charset="-128"/>
+                <a:cs typeface="MigMix 1P" pitchFamily="50" charset="-128"/>
+              </a:rPr>
+              <a:t>アカウントを検索</a:t>
+            </a:r>
+            <a:endParaRPr lang="en-US" altLang="ja-JP" sz="3200" dirty="0" smtClean="0">
+              <a:latin typeface="MigMix 1P" pitchFamily="50" charset="-128"/>
+              <a:ea typeface="MigMix 1P" pitchFamily="50" charset="-128"/>
+              <a:cs typeface="MigMix 1P" pitchFamily="50" charset="-128"/>
+            </a:endParaRPr>
+          </a:p>
+        </p:txBody>
+      </p:sp>
+    </p:spTree>
+  </p:cSld>
+  <p:clrMapOvr>
+    <a:masterClrMapping/>
+  </p:clrMapOvr>
+  <p:transition>
+    <p:fade/>
+  </p:transition>
+  <p:timing>
+    <p:tnLst>
+      <p:par>
+        <p:cTn id="1" dur="indefinite" restart="never" nodeType="tmRoot"/>
+      </p:par>
+    </p:tnLst>
+  </p:timing>
+</p:sld>
+</file>
+
+<file path=ppt/slides/slide11.xml><?xml version="1.0" encoding="utf-8"?>
+<p:sld xmlns:a="http://schemas.openxmlformats.org/drawingml/2006/main" xmlns:r="http://schemas.openxmlformats.org/officeDocument/2006/relationships" xmlns:p="http://schemas.openxmlformats.org/presentationml/2006/main">
+  <p:cSld>
+    <p:spTree>
+      <p:nvGrpSpPr>
+        <p:cNvPr id="1" name=""/>
+        <p:cNvGrpSpPr/>
+        <p:nvPr/>
+      </p:nvGrpSpPr>
+      <p:grpSpPr>
+        <a:xfrm>
+          <a:off x="0" y="0"/>
+          <a:ext cx="0" cy="0"/>
+          <a:chOff x="0" y="0"/>
+          <a:chExt cx="0" cy="0"/>
+        </a:xfrm>
+      </p:grpSpPr>
+      <p:sp>
+        <p:nvSpPr>
+          <p:cNvPr id="2" name="テキスト ボックス 1"/>
+          <p:cNvSpPr txBox="1"/>
+          <p:nvPr/>
+        </p:nvSpPr>
+        <p:spPr>
+          <a:xfrm>
+            <a:off x="-468560" y="116632"/>
+            <a:ext cx="9721080" cy="707886"/>
+          </a:xfrm>
+          <a:prstGeom prst="rect">
+            <a:avLst/>
+          </a:prstGeom>
+          <a:noFill/>
+          <a:ln w="57150" cmpd="thickThin">
+            <a:solidFill>
+              <a:schemeClr val="accent1">
+                <a:lumMod val="75000"/>
+              </a:schemeClr>
+            </a:solidFill>
+          </a:ln>
+        </p:spPr>
+        <p:txBody>
+          <a:bodyPr wrap="square" rtlCol="0">
+            <a:spAutoFit/>
+          </a:bodyPr>
+          <a:lstStyle/>
+          <a:p>
+            <a:pPr algn="ctr"/>
+            <a:r>
+              <a:rPr lang="en-US" altLang="ja-JP" sz="4000" b="1" dirty="0" err="1" smtClean="0">
+                <a:solidFill>
+                  <a:schemeClr val="accent1">
+                    <a:lumMod val="75000"/>
+                  </a:schemeClr>
+                </a:solidFill>
+                <a:latin typeface="MigMix 1P" pitchFamily="50" charset="-128"/>
+                <a:ea typeface="MigMix 1P" pitchFamily="50" charset="-128"/>
+                <a:cs typeface="MigMix 1P" pitchFamily="50" charset="-128"/>
+              </a:rPr>
+              <a:t>Topick</a:t>
+            </a:r>
+            <a:endParaRPr lang="en-US" altLang="ja-JP" sz="4000" b="1" dirty="0" smtClean="0">
+              <a:solidFill>
+                <a:schemeClr val="accent1">
+                  <a:lumMod val="75000"/>
+                </a:schemeClr>
+              </a:solidFill>
+              <a:latin typeface="MigMix 1P" pitchFamily="50" charset="-128"/>
+              <a:ea typeface="MigMix 1P" pitchFamily="50" charset="-128"/>
+              <a:cs typeface="MigMix 1P" pitchFamily="50" charset="-128"/>
+            </a:endParaRPr>
+          </a:p>
+        </p:txBody>
+      </p:sp>
+      <p:sp>
+        <p:nvSpPr>
+          <p:cNvPr id="4" name="正方形/長方形 3"/>
+          <p:cNvSpPr/>
+          <p:nvPr/>
+        </p:nvSpPr>
+        <p:spPr>
+          <a:xfrm>
+            <a:off x="179512" y="980728"/>
+            <a:ext cx="3312368" cy="5616624"/>
+          </a:xfrm>
+          <a:prstGeom prst="rect">
+            <a:avLst/>
+          </a:prstGeom>
+        </p:spPr>
+        <p:style>
+          <a:lnRef idx="2">
+            <a:schemeClr val="accent1">
+              <a:shade val="50000"/>
+            </a:schemeClr>
+          </a:lnRef>
+          <a:fillRef idx="1">
+            <a:schemeClr val="accent1"/>
+          </a:fillRef>
+          <a:effectRef idx="0">
+            <a:schemeClr val="accent1"/>
+          </a:effectRef>
+          <a:fontRef idx="minor">
+            <a:schemeClr val="lt1"/>
+          </a:fontRef>
+        </p:style>
+        <p:txBody>
+          <a:bodyPr rtlCol="0" anchor="ctr"/>
+          <a:lstStyle/>
+          <a:p>
+            <a:pPr algn="ctr"/>
+            <a:r>
+              <a:rPr lang="ja-JP" altLang="en-US" dirty="0" smtClean="0"/>
+              <a:t>話題検索結果画面</a:t>
+            </a:r>
+            <a:endParaRPr kumimoji="1" lang="ja-JP" altLang="en-US" dirty="0"/>
+          </a:p>
+        </p:txBody>
+      </p:sp>
+      <p:sp>
+        <p:nvSpPr>
+          <p:cNvPr id="5" name="テキスト ボックス 4"/>
+          <p:cNvSpPr txBox="1"/>
+          <p:nvPr/>
+        </p:nvSpPr>
+        <p:spPr>
+          <a:xfrm>
+            <a:off x="3563888" y="1844824"/>
+            <a:ext cx="5760640" cy="1815882"/>
+          </a:xfrm>
+          <a:prstGeom prst="rect">
+            <a:avLst/>
+          </a:prstGeom>
+          <a:noFill/>
+        </p:spPr>
+        <p:txBody>
+          <a:bodyPr wrap="square" rtlCol="0">
+            <a:spAutoFit/>
+          </a:bodyPr>
+          <a:lstStyle/>
+          <a:p>
+            <a:r>
+              <a:rPr lang="ja-JP" altLang="en-US" sz="2800" dirty="0" smtClean="0">
+                <a:latin typeface="MigMix 1P" pitchFamily="50" charset="-128"/>
+                <a:ea typeface="MigMix 1P" pitchFamily="50" charset="-128"/>
+                <a:cs typeface="MigMix 1P" pitchFamily="50" charset="-128"/>
+              </a:rPr>
+              <a:t>自分の関心のあるキーフレーズが</a:t>
+            </a:r>
+            <a:endParaRPr lang="en-US" altLang="ja-JP" sz="2800" dirty="0" smtClean="0">
+              <a:latin typeface="MigMix 1P" pitchFamily="50" charset="-128"/>
+              <a:ea typeface="MigMix 1P" pitchFamily="50" charset="-128"/>
+              <a:cs typeface="MigMix 1P" pitchFamily="50" charset="-128"/>
+            </a:endParaRPr>
+          </a:p>
+          <a:p>
+            <a:r>
+              <a:rPr lang="ja-JP" altLang="en-US" sz="2800" dirty="0" smtClean="0">
+                <a:latin typeface="MigMix 1P" pitchFamily="50" charset="-128"/>
+                <a:ea typeface="MigMix 1P" pitchFamily="50" charset="-128"/>
+                <a:cs typeface="MigMix 1P" pitchFamily="50" charset="-128"/>
+              </a:rPr>
+              <a:t>含まれている記事を検索</a:t>
+            </a:r>
+            <a:endParaRPr lang="en-US" altLang="ja-JP" sz="2800" dirty="0" smtClean="0">
+              <a:latin typeface="MigMix 1P" pitchFamily="50" charset="-128"/>
+              <a:ea typeface="MigMix 1P" pitchFamily="50" charset="-128"/>
+              <a:cs typeface="MigMix 1P" pitchFamily="50" charset="-128"/>
+            </a:endParaRPr>
+          </a:p>
+          <a:p>
+            <a:endParaRPr lang="en-US" altLang="ja-JP" sz="2800" dirty="0" smtClean="0">
+              <a:latin typeface="MigMix 1P" pitchFamily="50" charset="-128"/>
+              <a:ea typeface="MigMix 1P" pitchFamily="50" charset="-128"/>
+              <a:cs typeface="MigMix 1P" pitchFamily="50" charset="-128"/>
+            </a:endParaRPr>
+          </a:p>
+          <a:p>
+            <a:r>
+              <a:rPr lang="ja-JP" altLang="en-US" sz="2800" dirty="0" smtClean="0">
+                <a:latin typeface="MigMix 1P" pitchFamily="50" charset="-128"/>
+                <a:ea typeface="MigMix 1P" pitchFamily="50" charset="-128"/>
+                <a:cs typeface="MigMix 1P" pitchFamily="50" charset="-128"/>
+              </a:rPr>
+              <a:t>←一覧で表示</a:t>
+            </a:r>
+            <a:endParaRPr lang="en-US" altLang="ja-JP" sz="2800" dirty="0" smtClean="0">
+              <a:latin typeface="MigMix 1P" pitchFamily="50" charset="-128"/>
+              <a:ea typeface="MigMix 1P" pitchFamily="50" charset="-128"/>
+              <a:cs typeface="MigMix 1P" pitchFamily="50" charset="-128"/>
+            </a:endParaRPr>
+          </a:p>
+        </p:txBody>
+      </p:sp>
+      <p:sp>
+        <p:nvSpPr>
+          <p:cNvPr id="17" name="円形吹き出し 16"/>
+          <p:cNvSpPr/>
+          <p:nvPr/>
+        </p:nvSpPr>
+        <p:spPr>
+          <a:xfrm>
+            <a:off x="3635896" y="4077072"/>
+            <a:ext cx="5472608" cy="1656184"/>
+          </a:xfrm>
+          <a:prstGeom prst="wedgeEllipseCallout">
+            <a:avLst>
+              <a:gd name="adj1" fmla="val 12838"/>
+              <a:gd name="adj2" fmla="val 20178"/>
+            </a:avLst>
+          </a:prstGeom>
+          <a:solidFill>
+            <a:schemeClr val="accent5">
+              <a:lumMod val="20000"/>
+              <a:lumOff val="80000"/>
+            </a:schemeClr>
+          </a:solidFill>
+          <a:effectLst>
+            <a:softEdge rad="31750"/>
+          </a:effectLst>
+        </p:spPr>
+        <p:txBody>
+          <a:bodyPr wrap="square">
+            <a:noAutofit/>
+          </a:bodyPr>
+          <a:lstStyle/>
+          <a:p>
+            <a:pPr algn="ctr">
+              <a:lnSpc>
+                <a:spcPct val="200000"/>
+              </a:lnSpc>
+            </a:pPr>
+            <a:r>
+              <a:rPr lang="ja-JP" altLang="en-US" sz="3200" dirty="0" smtClean="0">
+                <a:latin typeface="MigMix 1P" pitchFamily="50" charset="-128"/>
+                <a:ea typeface="MigMix 1P" pitchFamily="50" charset="-128"/>
+                <a:cs typeface="MigMix 1P" pitchFamily="50" charset="-128"/>
+              </a:rPr>
+              <a:t>名刺から話が広がる</a:t>
+            </a:r>
+          </a:p>
+        </p:txBody>
+      </p:sp>
+    </p:spTree>
+  </p:cSld>
+  <p:clrMapOvr>
+    <a:masterClrMapping/>
+  </p:clrMapOvr>
+  <p:transition>
+    <p:fade/>
+  </p:transition>
+  <p:timing>
+    <p:tnLst>
+      <p:par>
+        <p:cTn id="1" dur="indefinite" restart="never" nodeType="tmRoot"/>
+      </p:par>
+    </p:tnLst>
+  </p:timing>
+</p:sld>
+</file>
+
+<file path=ppt/slides/slide12.xml><?xml version="1.0" encoding="utf-8"?>
+<p:sld xmlns:a="http://schemas.openxmlformats.org/drawingml/2006/main" xmlns:r="http://schemas.openxmlformats.org/officeDocument/2006/relationships" xmlns:p="http://schemas.openxmlformats.org/presentationml/2006/main">
+  <p:cSld>
+    <p:spTree>
+      <p:nvGrpSpPr>
+        <p:cNvPr id="1" name=""/>
+        <p:cNvGrpSpPr/>
+        <p:nvPr/>
+      </p:nvGrpSpPr>
+      <p:grpSpPr>
+        <a:xfrm>
+          <a:off x="0" y="0"/>
+          <a:ext cx="0" cy="0"/>
+          <a:chOff x="0" y="0"/>
+          <a:chExt cx="0" cy="0"/>
+        </a:xfrm>
+      </p:grpSpPr>
+      <p:sp>
+        <p:nvSpPr>
+          <p:cNvPr id="2" name="テキスト ボックス 1"/>
+          <p:cNvSpPr txBox="1"/>
+          <p:nvPr/>
+        </p:nvSpPr>
+        <p:spPr>
+          <a:xfrm>
+            <a:off x="-468560" y="116632"/>
+            <a:ext cx="9721080" cy="707886"/>
+          </a:xfrm>
+          <a:prstGeom prst="rect">
+            <a:avLst/>
+          </a:prstGeom>
+          <a:noFill/>
+          <a:ln w="57150" cmpd="thickThin">
+            <a:solidFill>
+              <a:schemeClr val="accent1">
+                <a:lumMod val="75000"/>
+              </a:schemeClr>
+            </a:solidFill>
+          </a:ln>
+        </p:spPr>
+        <p:txBody>
+          <a:bodyPr wrap="square" rtlCol="0">
+            <a:spAutoFit/>
+          </a:bodyPr>
+          <a:lstStyle/>
+          <a:p>
+            <a:pPr algn="ctr"/>
+            <a:r>
+              <a:rPr lang="en-US" altLang="ja-JP" sz="4000" b="1" dirty="0" err="1" smtClean="0">
+                <a:solidFill>
+                  <a:schemeClr val="accent1">
+                    <a:lumMod val="75000"/>
+                  </a:schemeClr>
+                </a:solidFill>
+                <a:latin typeface="MigMix 1P" pitchFamily="50" charset="-128"/>
+                <a:ea typeface="MigMix 1P" pitchFamily="50" charset="-128"/>
+                <a:cs typeface="MigMix 1P" pitchFamily="50" charset="-128"/>
+              </a:rPr>
+              <a:t>Topick</a:t>
+            </a:r>
+            <a:endParaRPr lang="en-US" altLang="ja-JP" sz="4000" b="1" dirty="0" smtClean="0">
+              <a:solidFill>
+                <a:schemeClr val="accent1">
+                  <a:lumMod val="75000"/>
+                </a:schemeClr>
+              </a:solidFill>
+              <a:latin typeface="MigMix 1P" pitchFamily="50" charset="-128"/>
+              <a:ea typeface="MigMix 1P" pitchFamily="50" charset="-128"/>
+              <a:cs typeface="MigMix 1P" pitchFamily="50" charset="-128"/>
+            </a:endParaRPr>
+          </a:p>
+        </p:txBody>
+      </p:sp>
+      <p:sp>
+        <p:nvSpPr>
+          <p:cNvPr id="4" name="テキスト ボックス 3"/>
+          <p:cNvSpPr txBox="1"/>
+          <p:nvPr/>
+        </p:nvSpPr>
+        <p:spPr>
+          <a:xfrm>
+            <a:off x="360040" y="1076831"/>
+            <a:ext cx="8388424" cy="3216265"/>
+          </a:xfrm>
+          <a:prstGeom prst="rect">
+            <a:avLst/>
+          </a:prstGeom>
+          <a:noFill/>
+        </p:spPr>
+        <p:txBody>
+          <a:bodyPr wrap="square" rtlCol="0">
+            <a:spAutoFit/>
+          </a:bodyPr>
+          <a:lstStyle/>
+          <a:p>
+            <a:r>
+              <a:rPr kumimoji="1" lang="ja-JP" altLang="en-US" sz="3200" dirty="0" smtClean="0">
+                <a:latin typeface="MigMix 1P" pitchFamily="50" charset="-128"/>
+                <a:ea typeface="MigMix 1P" pitchFamily="50" charset="-128"/>
+                <a:cs typeface="MigMix 1P" pitchFamily="50" charset="-128"/>
+              </a:rPr>
+              <a:t>その他機能</a:t>
+            </a:r>
+            <a:endParaRPr lang="en-US" altLang="ja-JP" sz="3200" dirty="0" smtClean="0">
+              <a:latin typeface="MigMix 1P" pitchFamily="50" charset="-128"/>
+              <a:ea typeface="MigMix 1P" pitchFamily="50" charset="-128"/>
+              <a:cs typeface="MigMix 1P" pitchFamily="50" charset="-128"/>
+            </a:endParaRPr>
+          </a:p>
+          <a:p>
+            <a:pPr algn="ctr"/>
+            <a:endParaRPr kumimoji="1" lang="en-US" altLang="ja-JP" sz="1100" dirty="0" smtClean="0">
+              <a:latin typeface="MigMix 1P" pitchFamily="50" charset="-128"/>
+              <a:ea typeface="MigMix 1P" pitchFamily="50" charset="-128"/>
+              <a:cs typeface="MigMix 1P" pitchFamily="50" charset="-128"/>
+            </a:endParaRPr>
+          </a:p>
+          <a:p>
+            <a:pPr>
+              <a:buFont typeface="Arial" pitchFamily="34" charset="0"/>
+              <a:buChar char="•"/>
+            </a:pPr>
+            <a:r>
+              <a:rPr lang="en-US" altLang="ja-JP" sz="3200" dirty="0" smtClean="0">
+                <a:latin typeface="MigMix 1P" pitchFamily="50" charset="-128"/>
+                <a:ea typeface="MigMix 1P" pitchFamily="50" charset="-128"/>
+                <a:cs typeface="MigMix 1P" pitchFamily="50" charset="-128"/>
+              </a:rPr>
+              <a:t>OCR</a:t>
+            </a:r>
+            <a:r>
+              <a:rPr lang="ja-JP" altLang="en-US" sz="3200" dirty="0" smtClean="0">
+                <a:latin typeface="MigMix 1P" pitchFamily="50" charset="-128"/>
+                <a:ea typeface="MigMix 1P" pitchFamily="50" charset="-128"/>
+                <a:cs typeface="MigMix 1P" pitchFamily="50" charset="-128"/>
+              </a:rPr>
+              <a:t>により名刺などの写真から文字列認識　</a:t>
+            </a:r>
+            <a:r>
+              <a:rPr lang="en-US" altLang="ja-JP" sz="3200" dirty="0" smtClean="0">
+                <a:latin typeface="MigMix 1P" pitchFamily="50" charset="-128"/>
+                <a:ea typeface="MigMix 1P" pitchFamily="50" charset="-128"/>
+                <a:cs typeface="MigMix 1P" pitchFamily="50" charset="-128"/>
+              </a:rPr>
+              <a:t>		</a:t>
+            </a:r>
+            <a:r>
+              <a:rPr lang="ja-JP" altLang="en-US" sz="3200" dirty="0" smtClean="0">
+                <a:latin typeface="MigMix 1P" pitchFamily="50" charset="-128"/>
+                <a:ea typeface="MigMix 1P" pitchFamily="50" charset="-128"/>
+                <a:cs typeface="MigMix 1P" pitchFamily="50" charset="-128"/>
+              </a:rPr>
+              <a:t>　　→入力作業の負担を減らす</a:t>
+            </a:r>
+            <a:endParaRPr lang="en-US" altLang="ja-JP" sz="3200" dirty="0" smtClean="0">
+              <a:latin typeface="MigMix 1P" pitchFamily="50" charset="-128"/>
+              <a:ea typeface="MigMix 1P" pitchFamily="50" charset="-128"/>
+              <a:cs typeface="MigMix 1P" pitchFamily="50" charset="-128"/>
+            </a:endParaRPr>
+          </a:p>
+          <a:p>
+            <a:pPr>
+              <a:buFont typeface="Arial" pitchFamily="34" charset="0"/>
+              <a:buChar char="•"/>
+            </a:pPr>
+            <a:endParaRPr lang="en-US" altLang="ja-JP" sz="3200" dirty="0" smtClean="0">
+              <a:latin typeface="MigMix 1P" pitchFamily="50" charset="-128"/>
+              <a:ea typeface="MigMix 1P" pitchFamily="50" charset="-128"/>
+              <a:cs typeface="MigMix 1P" pitchFamily="50" charset="-128"/>
+            </a:endParaRPr>
+          </a:p>
+          <a:p>
+            <a:pPr>
+              <a:buFont typeface="Arial" pitchFamily="34" charset="0"/>
+              <a:buChar char="•"/>
+            </a:pPr>
+            <a:r>
+              <a:rPr lang="ja-JP" altLang="en-US" sz="3200" dirty="0" smtClean="0">
+                <a:latin typeface="MigMix 1P" pitchFamily="50" charset="-128"/>
+                <a:ea typeface="MigMix 1P" pitchFamily="50" charset="-128"/>
+                <a:cs typeface="MigMix 1P" pitchFamily="50" charset="-128"/>
+              </a:rPr>
+              <a:t>自分の</a:t>
+            </a:r>
+            <a:r>
+              <a:rPr lang="en-US" altLang="ja-JP" sz="3200" dirty="0" smtClean="0">
+                <a:latin typeface="MigMix 1P" pitchFamily="50" charset="-128"/>
+                <a:ea typeface="MigMix 1P" pitchFamily="50" charset="-128"/>
+                <a:cs typeface="MigMix 1P" pitchFamily="50" charset="-128"/>
+              </a:rPr>
+              <a:t>SNS</a:t>
+            </a:r>
+            <a:r>
+              <a:rPr lang="ja-JP" altLang="en-US" sz="3200" dirty="0" smtClean="0">
+                <a:latin typeface="MigMix 1P" pitchFamily="50" charset="-128"/>
+                <a:ea typeface="MigMix 1P" pitchFamily="50" charset="-128"/>
+                <a:cs typeface="MigMix 1P" pitchFamily="50" charset="-128"/>
+              </a:rPr>
+              <a:t>アカウントからキーフレーズを</a:t>
+            </a:r>
+            <a:endParaRPr lang="en-US" altLang="ja-JP" sz="3200" dirty="0" smtClean="0">
+              <a:latin typeface="MigMix 1P" pitchFamily="50" charset="-128"/>
+              <a:ea typeface="MigMix 1P" pitchFamily="50" charset="-128"/>
+              <a:cs typeface="MigMix 1P" pitchFamily="50" charset="-128"/>
+            </a:endParaRPr>
+          </a:p>
+          <a:p>
+            <a:r>
+              <a:rPr lang="en-US" altLang="ja-JP" sz="3200" dirty="0" smtClean="0">
+                <a:latin typeface="MigMix 1P" pitchFamily="50" charset="-128"/>
+                <a:ea typeface="MigMix 1P" pitchFamily="50" charset="-128"/>
+                <a:cs typeface="MigMix 1P" pitchFamily="50" charset="-128"/>
+              </a:rPr>
+              <a:t>  </a:t>
+            </a:r>
+            <a:r>
+              <a:rPr lang="ja-JP" altLang="en-US" sz="3200" dirty="0" smtClean="0">
+                <a:latin typeface="MigMix 1P" pitchFamily="50" charset="-128"/>
+                <a:ea typeface="MigMix 1P" pitchFamily="50" charset="-128"/>
+                <a:cs typeface="MigMix 1P" pitchFamily="50" charset="-128"/>
+              </a:rPr>
+              <a:t>抽出し登録</a:t>
+            </a:r>
+            <a:r>
+              <a:rPr lang="en-US" altLang="ja-JP" sz="3200" dirty="0" smtClean="0">
+                <a:latin typeface="MigMix 1P" pitchFamily="50" charset="-128"/>
+                <a:ea typeface="MigMix 1P" pitchFamily="50" charset="-128"/>
+                <a:cs typeface="MigMix 1P" pitchFamily="50" charset="-128"/>
+              </a:rPr>
+              <a:t>(</a:t>
+            </a:r>
+            <a:r>
+              <a:rPr lang="en-US" altLang="ja-JP" sz="3200" dirty="0" err="1" smtClean="0">
+                <a:latin typeface="MigMix 1P" pitchFamily="50" charset="-128"/>
+                <a:ea typeface="MigMix 1P" pitchFamily="50" charset="-128"/>
+                <a:cs typeface="MigMix 1P" pitchFamily="50" charset="-128"/>
+              </a:rPr>
+              <a:t>Twitter,Facebook</a:t>
+            </a:r>
+            <a:r>
+              <a:rPr lang="ja-JP" altLang="en-US" sz="3200" dirty="0" smtClean="0">
+                <a:latin typeface="MigMix 1P" pitchFamily="50" charset="-128"/>
+                <a:ea typeface="MigMix 1P" pitchFamily="50" charset="-128"/>
+                <a:cs typeface="MigMix 1P" pitchFamily="50" charset="-128"/>
+              </a:rPr>
+              <a:t>対応</a:t>
+            </a:r>
+            <a:r>
+              <a:rPr lang="en-US" altLang="ja-JP" sz="3200" dirty="0" smtClean="0">
+                <a:latin typeface="MigMix 1P" pitchFamily="50" charset="-128"/>
+                <a:ea typeface="MigMix 1P" pitchFamily="50" charset="-128"/>
+                <a:cs typeface="MigMix 1P" pitchFamily="50" charset="-128"/>
+              </a:rPr>
+              <a:t>)</a:t>
+            </a:r>
+            <a:endParaRPr lang="ja-JP" altLang="en-US" sz="3200" dirty="0" smtClean="0">
+              <a:latin typeface="MigMix 1P" pitchFamily="50" charset="-128"/>
+              <a:ea typeface="MigMix 1P" pitchFamily="50" charset="-128"/>
+              <a:cs typeface="MigMix 1P" pitchFamily="50" charset="-128"/>
+            </a:endParaRPr>
+          </a:p>
+        </p:txBody>
+      </p:sp>
+      <p:sp>
+        <p:nvSpPr>
+          <p:cNvPr id="8" name="円形吹き出し 7"/>
+          <p:cNvSpPr/>
+          <p:nvPr/>
+        </p:nvSpPr>
+        <p:spPr>
+          <a:xfrm>
+            <a:off x="1547664" y="4725144"/>
+            <a:ext cx="5472608" cy="1656184"/>
+          </a:xfrm>
+          <a:prstGeom prst="wedgeEllipseCallout">
+            <a:avLst>
+              <a:gd name="adj1" fmla="val 57129"/>
+              <a:gd name="adj2" fmla="val 62244"/>
+            </a:avLst>
+          </a:prstGeom>
+          <a:solidFill>
+            <a:schemeClr val="accent5">
+              <a:lumMod val="20000"/>
+              <a:lumOff val="80000"/>
+            </a:schemeClr>
+          </a:solidFill>
+          <a:effectLst>
+            <a:softEdge rad="31750"/>
+          </a:effectLst>
+        </p:spPr>
+        <p:txBody>
+          <a:bodyPr wrap="square">
+            <a:noAutofit/>
+          </a:bodyPr>
+          <a:lstStyle/>
+          <a:p>
+            <a:pPr algn="ctr">
+              <a:lnSpc>
+                <a:spcPct val="200000"/>
+              </a:lnSpc>
+            </a:pPr>
+            <a:r>
+              <a:rPr lang="ja-JP" altLang="en-US" sz="3200" dirty="0" smtClean="0">
+                <a:latin typeface="MigMix 1P" pitchFamily="50" charset="-128"/>
+                <a:ea typeface="MigMix 1P" pitchFamily="50" charset="-128"/>
+                <a:cs typeface="MigMix 1P" pitchFamily="50" charset="-128"/>
+              </a:rPr>
+              <a:t>実際に使ってみる</a:t>
+            </a:r>
+          </a:p>
+        </p:txBody>
+      </p:sp>
+    </p:spTree>
+  </p:cSld>
+  <p:clrMapOvr>
+    <a:masterClrMapping/>
+  </p:clrMapOvr>
+  <p:transition>
+    <p:fade/>
+  </p:transition>
+  <p:timing>
+    <p:tnLst>
+      <p:par>
+        <p:cTn id="1" dur="indefinite" restart="never" nodeType="tmRoot"/>
+      </p:par>
+    </p:tnLst>
+  </p:timing>
+</p:sld>
+</file>
+
+<file path=ppt/slides/slide13.xml><?xml version="1.0" encoding="utf-8"?>
+<p:sld xmlns:a="http://schemas.openxmlformats.org/drawingml/2006/main" xmlns:r="http://schemas.openxmlformats.org/officeDocument/2006/relationships" xmlns:p="http://schemas.openxmlformats.org/presentationml/2006/main">
+  <p:cSld>
+    <p:spTree>
+      <p:nvGrpSpPr>
+        <p:cNvPr id="1" name=""/>
+        <p:cNvGrpSpPr/>
+        <p:nvPr/>
+      </p:nvGrpSpPr>
+      <p:grpSpPr>
+        <a:xfrm>
+          <a:off x="0" y="0"/>
+          <a:ext cx="0" cy="0"/>
+          <a:chOff x="0" y="0"/>
+          <a:chExt cx="0" cy="0"/>
+        </a:xfrm>
+      </p:grpSpPr>
+      <p:sp>
+        <p:nvSpPr>
+          <p:cNvPr id="2" name="テキスト ボックス 1"/>
+          <p:cNvSpPr txBox="1"/>
+          <p:nvPr/>
+        </p:nvSpPr>
+        <p:spPr>
+          <a:xfrm>
+            <a:off x="144016" y="2204864"/>
+            <a:ext cx="8892480" cy="1938992"/>
+          </a:xfrm>
+          <a:prstGeom prst="rect">
+            <a:avLst/>
+          </a:prstGeom>
+          <a:noFill/>
+        </p:spPr>
+        <p:txBody>
+          <a:bodyPr wrap="square" rtlCol="0">
+            <a:spAutoFit/>
+          </a:bodyPr>
+          <a:lstStyle/>
+          <a:p>
+            <a:pPr algn="ctr"/>
+            <a:r>
+              <a:rPr kumimoji="1" lang="ja-JP" altLang="en-US" sz="6000" dirty="0" smtClean="0">
+                <a:latin typeface="MigMix 1P" pitchFamily="50" charset="-128"/>
+                <a:ea typeface="MigMix 1P" pitchFamily="50" charset="-128"/>
+                <a:cs typeface="MigMix 1P" pitchFamily="50" charset="-128"/>
+              </a:rPr>
+              <a:t>ありがとうございました</a:t>
+            </a:r>
+            <a:endParaRPr kumimoji="1" lang="en-US" altLang="ja-JP" sz="6000" dirty="0" smtClean="0">
+              <a:latin typeface="MigMix 1P" pitchFamily="50" charset="-128"/>
+              <a:ea typeface="MigMix 1P" pitchFamily="50" charset="-128"/>
+              <a:cs typeface="MigMix 1P" pitchFamily="50" charset="-128"/>
+            </a:endParaRPr>
+          </a:p>
+          <a:p>
+            <a:pPr algn="ctr"/>
+            <a:r>
+              <a:rPr lang="en-US" altLang="ja-JP" sz="6000" dirty="0" smtClean="0">
+                <a:latin typeface="MigMix 1P" pitchFamily="50" charset="-128"/>
+                <a:ea typeface="MigMix 1P" pitchFamily="50" charset="-128"/>
+                <a:cs typeface="MigMix 1P" pitchFamily="50" charset="-128"/>
+              </a:rPr>
+              <a:t>by  </a:t>
+            </a:r>
+            <a:r>
+              <a:rPr lang="ja-JP" altLang="en-US" sz="6000" dirty="0" smtClean="0">
+                <a:latin typeface="MigMix 1P" pitchFamily="50" charset="-128"/>
+                <a:ea typeface="MigMix 1P" pitchFamily="50" charset="-128"/>
+                <a:cs typeface="MigMix 1P" pitchFamily="50" charset="-128"/>
+              </a:rPr>
+              <a:t>三三＋＋</a:t>
+            </a:r>
+            <a:endParaRPr kumimoji="1" lang="ja-JP" altLang="en-US" sz="6000" dirty="0">
+              <a:latin typeface="MigMix 1P" pitchFamily="50" charset="-128"/>
+              <a:ea typeface="MigMix 1P" pitchFamily="50" charset="-128"/>
+              <a:cs typeface="MigMix 1P" pitchFamily="50" charset="-128"/>
             </a:endParaRPr>
           </a:p>
         </p:txBody>
@@ -4905,14 +5869,618 @@
       </p:grpSpPr>
       <p:sp>
         <p:nvSpPr>
-          <p:cNvPr id="2" name="テキスト ボックス 1"/>
+          <p:cNvPr id="3" name="テキスト ボックス 2"/>
           <p:cNvSpPr txBox="1"/>
           <p:nvPr/>
         </p:nvSpPr>
         <p:spPr>
           <a:xfrm>
-            <a:off x="1259632" y="836712"/>
-            <a:ext cx="4320480" cy="369332"/>
+            <a:off x="467544" y="1340768"/>
+            <a:ext cx="8424936" cy="4678204"/>
+          </a:xfrm>
+          <a:prstGeom prst="rect">
+            <a:avLst/>
+          </a:prstGeom>
+          <a:solidFill>
+            <a:schemeClr val="bg1">
+              <a:alpha val="55000"/>
+            </a:schemeClr>
+          </a:solidFill>
+        </p:spPr>
+        <p:txBody>
+          <a:bodyPr wrap="square" rtlCol="0">
+            <a:spAutoFit/>
+          </a:bodyPr>
+          <a:lstStyle/>
+          <a:p>
+            <a:endParaRPr lang="en-US" altLang="zh-CN" sz="2000" b="1" dirty="0" smtClean="0">
+              <a:latin typeface="MigMix 1P" pitchFamily="50" charset="-128"/>
+              <a:ea typeface="MigMix 1P" pitchFamily="50" charset="-128"/>
+              <a:cs typeface="MigMix 1P" pitchFamily="50" charset="-128"/>
+            </a:endParaRPr>
+          </a:p>
+          <a:p>
+            <a:r>
+              <a:rPr lang="zh-CN" altLang="en-US" sz="2000" b="1" dirty="0" smtClean="0">
+                <a:latin typeface="MigMix 1P" pitchFamily="50" charset="-128"/>
+                <a:ea typeface="MigMix 1P" pitchFamily="50" charset="-128"/>
+                <a:cs typeface="MigMix 1P" pitchFamily="50" charset="-128"/>
+              </a:rPr>
+              <a:t>商　号</a:t>
+            </a:r>
+            <a:r>
+              <a:rPr lang="en-US" altLang="zh-CN" sz="2000" b="1" dirty="0" smtClean="0">
+                <a:latin typeface="MigMix 1P" pitchFamily="50" charset="-128"/>
+                <a:ea typeface="MigMix 1P" pitchFamily="50" charset="-128"/>
+                <a:cs typeface="MigMix 1P" pitchFamily="50" charset="-128"/>
+              </a:rPr>
+              <a:t>		</a:t>
+            </a:r>
+            <a:r>
+              <a:rPr lang="en-US" altLang="zh-CN" sz="2000" b="1" dirty="0" err="1" smtClean="0">
+                <a:latin typeface="MigMix 1P" pitchFamily="50" charset="-128"/>
+                <a:ea typeface="MigMix 1P" pitchFamily="50" charset="-128"/>
+                <a:cs typeface="MigMix 1P" pitchFamily="50" charset="-128"/>
+              </a:rPr>
+              <a:t>Sansan</a:t>
+            </a:r>
+            <a:r>
+              <a:rPr lang="zh-CN" altLang="en-US" sz="2000" b="1" dirty="0" smtClean="0">
+                <a:latin typeface="MigMix 1P" pitchFamily="50" charset="-128"/>
+                <a:ea typeface="MigMix 1P" pitchFamily="50" charset="-128"/>
+                <a:cs typeface="MigMix 1P" pitchFamily="50" charset="-128"/>
+              </a:rPr>
+              <a:t>株式会社（登記名：三三株式会社）</a:t>
+            </a:r>
+            <a:r>
+              <a:rPr lang="en-US" altLang="zh-CN" sz="2000" b="1" dirty="0" smtClean="0">
+                <a:latin typeface="MigMix 1P" pitchFamily="50" charset="-128"/>
+                <a:ea typeface="MigMix 1P" pitchFamily="50" charset="-128"/>
+                <a:cs typeface="MigMix 1P" pitchFamily="50" charset="-128"/>
+              </a:rPr>
+              <a:t/>
+            </a:r>
+            <a:br>
+              <a:rPr lang="en-US" altLang="zh-CN" sz="2000" b="1" dirty="0" smtClean="0">
+                <a:latin typeface="MigMix 1P" pitchFamily="50" charset="-128"/>
+                <a:ea typeface="MigMix 1P" pitchFamily="50" charset="-128"/>
+                <a:cs typeface="MigMix 1P" pitchFamily="50" charset="-128"/>
+              </a:rPr>
+            </a:br>
+            <a:endParaRPr lang="ja-JP" altLang="en-US" sz="2000" b="1" dirty="0" smtClean="0">
+              <a:latin typeface="MigMix 1P" pitchFamily="50" charset="-128"/>
+              <a:ea typeface="MigMix 1P" pitchFamily="50" charset="-128"/>
+              <a:cs typeface="MigMix 1P" pitchFamily="50" charset="-128"/>
+            </a:endParaRPr>
+          </a:p>
+          <a:p>
+            <a:r>
+              <a:rPr lang="ja-JP" altLang="en-US" sz="2000" b="1" dirty="0" smtClean="0">
+                <a:latin typeface="MigMix 1P" pitchFamily="50" charset="-128"/>
+                <a:ea typeface="MigMix 1P" pitchFamily="50" charset="-128"/>
+                <a:cs typeface="MigMix 1P" pitchFamily="50" charset="-128"/>
+              </a:rPr>
+              <a:t>代表者</a:t>
+            </a:r>
+            <a:r>
+              <a:rPr lang="en-US" altLang="ja-JP" sz="2000" b="1" dirty="0" smtClean="0">
+                <a:latin typeface="MigMix 1P" pitchFamily="50" charset="-128"/>
+                <a:ea typeface="MigMix 1P" pitchFamily="50" charset="-128"/>
+                <a:cs typeface="MigMix 1P" pitchFamily="50" charset="-128"/>
+              </a:rPr>
+              <a:t>		</a:t>
+            </a:r>
+            <a:r>
+              <a:rPr lang="ja-JP" altLang="en-US" sz="2000" b="1" dirty="0" smtClean="0">
+                <a:latin typeface="MigMix 1P" pitchFamily="50" charset="-128"/>
+                <a:ea typeface="MigMix 1P" pitchFamily="50" charset="-128"/>
+                <a:cs typeface="MigMix 1P" pitchFamily="50" charset="-128"/>
+              </a:rPr>
+              <a:t>代表取締役社長</a:t>
+            </a:r>
+            <a:r>
+              <a:rPr lang="en-US" altLang="ja-JP" sz="2000" b="1" dirty="0" smtClean="0">
+                <a:latin typeface="MigMix 1P" pitchFamily="50" charset="-128"/>
+                <a:ea typeface="MigMix 1P" pitchFamily="50" charset="-128"/>
+                <a:cs typeface="MigMix 1P" pitchFamily="50" charset="-128"/>
+              </a:rPr>
+              <a:t>	</a:t>
+            </a:r>
+            <a:r>
+              <a:rPr lang="ja-JP" altLang="en-US" sz="2000" b="1" dirty="0" smtClean="0">
+                <a:latin typeface="MigMix 1P" pitchFamily="50" charset="-128"/>
+                <a:ea typeface="MigMix 1P" pitchFamily="50" charset="-128"/>
+                <a:cs typeface="MigMix 1P" pitchFamily="50" charset="-128"/>
+              </a:rPr>
+              <a:t>寺田親弘</a:t>
+            </a:r>
+            <a:endParaRPr lang="en-US" altLang="zh-CN" sz="2000" b="1" dirty="0">
+              <a:latin typeface="MigMix 1P" pitchFamily="50" charset="-128"/>
+              <a:ea typeface="MigMix 1P" pitchFamily="50" charset="-128"/>
+              <a:cs typeface="MigMix 1P" pitchFamily="50" charset="-128"/>
+            </a:endParaRPr>
+          </a:p>
+          <a:p>
+            <a:r>
+              <a:rPr lang="en-US" altLang="zh-CN" sz="2000" b="1" dirty="0" smtClean="0">
+                <a:latin typeface="MigMix 1P" pitchFamily="50" charset="-128"/>
+                <a:ea typeface="MigMix 1P" pitchFamily="50" charset="-128"/>
+                <a:cs typeface="MigMix 1P" pitchFamily="50" charset="-128"/>
+              </a:rPr>
+              <a:t>	</a:t>
+            </a:r>
+            <a:br>
+              <a:rPr lang="en-US" altLang="zh-CN" sz="2000" b="1" dirty="0" smtClean="0">
+                <a:latin typeface="MigMix 1P" pitchFamily="50" charset="-128"/>
+                <a:ea typeface="MigMix 1P" pitchFamily="50" charset="-128"/>
+                <a:cs typeface="MigMix 1P" pitchFamily="50" charset="-128"/>
+              </a:rPr>
+            </a:br>
+            <a:r>
+              <a:rPr lang="ja-JP" altLang="en-US" sz="2000" b="1" dirty="0" smtClean="0">
+                <a:latin typeface="MigMix 1P" pitchFamily="50" charset="-128"/>
+                <a:ea typeface="MigMix 1P" pitchFamily="50" charset="-128"/>
+                <a:cs typeface="MigMix 1P" pitchFamily="50" charset="-128"/>
+              </a:rPr>
+              <a:t>本社</a:t>
+            </a:r>
+            <a:r>
+              <a:rPr lang="en-US" altLang="ja-JP" sz="2000" b="1" dirty="0">
+                <a:latin typeface="MigMix 1P" pitchFamily="50" charset="-128"/>
+                <a:ea typeface="MigMix 1P" pitchFamily="50" charset="-128"/>
+                <a:cs typeface="MigMix 1P" pitchFamily="50" charset="-128"/>
+              </a:rPr>
+              <a:t>	</a:t>
+            </a:r>
+            <a:r>
+              <a:rPr lang="en-US" altLang="ja-JP" sz="2000" b="1" dirty="0" smtClean="0">
+                <a:latin typeface="MigMix 1P" pitchFamily="50" charset="-128"/>
+                <a:ea typeface="MigMix 1P" pitchFamily="50" charset="-128"/>
+                <a:cs typeface="MigMix 1P" pitchFamily="50" charset="-128"/>
+              </a:rPr>
+              <a:t>	</a:t>
+            </a:r>
+            <a:r>
+              <a:rPr lang="ja-JP" altLang="en-US" sz="2000" b="1" dirty="0" smtClean="0">
+                <a:latin typeface="MigMix 1P" pitchFamily="50" charset="-128"/>
+                <a:ea typeface="MigMix 1P" pitchFamily="50" charset="-128"/>
+                <a:cs typeface="MigMix 1P" pitchFamily="50" charset="-128"/>
+              </a:rPr>
+              <a:t>〒</a:t>
+            </a:r>
+            <a:r>
+              <a:rPr lang="en-US" altLang="ja-JP" sz="2000" b="1" dirty="0">
+                <a:latin typeface="MigMix 1P" pitchFamily="50" charset="-128"/>
+                <a:ea typeface="MigMix 1P" pitchFamily="50" charset="-128"/>
+                <a:cs typeface="MigMix 1P" pitchFamily="50" charset="-128"/>
+              </a:rPr>
+              <a:t>102-0074 </a:t>
+            </a:r>
+            <a:endParaRPr lang="en-US" altLang="ja-JP" sz="2000" b="1" dirty="0" smtClean="0">
+              <a:latin typeface="MigMix 1P" pitchFamily="50" charset="-128"/>
+              <a:ea typeface="MigMix 1P" pitchFamily="50" charset="-128"/>
+              <a:cs typeface="MigMix 1P" pitchFamily="50" charset="-128"/>
+            </a:endParaRPr>
+          </a:p>
+          <a:p>
+            <a:r>
+              <a:rPr lang="en-US" altLang="ja-JP" sz="2000" b="1" dirty="0">
+                <a:latin typeface="MigMix 1P" pitchFamily="50" charset="-128"/>
+                <a:ea typeface="MigMix 1P" pitchFamily="50" charset="-128"/>
+                <a:cs typeface="MigMix 1P" pitchFamily="50" charset="-128"/>
+              </a:rPr>
+              <a:t>	</a:t>
+            </a:r>
+            <a:r>
+              <a:rPr lang="en-US" altLang="ja-JP" sz="2000" b="1" dirty="0" smtClean="0">
+                <a:latin typeface="MigMix 1P" pitchFamily="50" charset="-128"/>
+                <a:ea typeface="MigMix 1P" pitchFamily="50" charset="-128"/>
+                <a:cs typeface="MigMix 1P" pitchFamily="50" charset="-128"/>
+              </a:rPr>
+              <a:t>	</a:t>
+            </a:r>
+            <a:r>
+              <a:rPr lang="ja-JP" altLang="en-US" sz="2000" b="1" dirty="0" smtClean="0">
+                <a:latin typeface="MigMix 1P" pitchFamily="50" charset="-128"/>
+                <a:ea typeface="MigMix 1P" pitchFamily="50" charset="-128"/>
+                <a:cs typeface="MigMix 1P" pitchFamily="50" charset="-128"/>
+              </a:rPr>
+              <a:t>東京都</a:t>
+            </a:r>
+            <a:r>
+              <a:rPr lang="ja-JP" altLang="en-US" sz="2000" b="1" dirty="0">
+                <a:latin typeface="MigMix 1P" pitchFamily="50" charset="-128"/>
+                <a:ea typeface="MigMix 1P" pitchFamily="50" charset="-128"/>
+                <a:cs typeface="MigMix 1P" pitchFamily="50" charset="-128"/>
+              </a:rPr>
+              <a:t>千代田区九段南</a:t>
+            </a:r>
+            <a:r>
+              <a:rPr lang="en-US" altLang="ja-JP" sz="2000" b="1" dirty="0">
+                <a:latin typeface="MigMix 1P" pitchFamily="50" charset="-128"/>
+                <a:ea typeface="MigMix 1P" pitchFamily="50" charset="-128"/>
+                <a:cs typeface="MigMix 1P" pitchFamily="50" charset="-128"/>
+              </a:rPr>
+              <a:t>4-7-15 JPR</a:t>
+            </a:r>
+            <a:r>
+              <a:rPr lang="ja-JP" altLang="en-US" sz="2000" b="1" dirty="0">
+                <a:latin typeface="MigMix 1P" pitchFamily="50" charset="-128"/>
+                <a:ea typeface="MigMix 1P" pitchFamily="50" charset="-128"/>
+                <a:cs typeface="MigMix 1P" pitchFamily="50" charset="-128"/>
+              </a:rPr>
+              <a:t>市ヶ谷ビル</a:t>
+            </a:r>
+            <a:r>
+              <a:rPr lang="en-US" altLang="ja-JP" sz="2000" b="1" dirty="0" smtClean="0">
+                <a:latin typeface="MigMix 1P" pitchFamily="50" charset="-128"/>
+                <a:ea typeface="MigMix 1P" pitchFamily="50" charset="-128"/>
+                <a:cs typeface="MigMix 1P" pitchFamily="50" charset="-128"/>
+              </a:rPr>
+              <a:t>6F</a:t>
+            </a:r>
+            <a:endParaRPr lang="ja-JP" altLang="en-US" sz="2000" b="1" dirty="0">
+              <a:latin typeface="MigMix 1P" pitchFamily="50" charset="-128"/>
+              <a:ea typeface="MigMix 1P" pitchFamily="50" charset="-128"/>
+              <a:cs typeface="MigMix 1P" pitchFamily="50" charset="-128"/>
+            </a:endParaRPr>
+          </a:p>
+          <a:p>
+            <a:r>
+              <a:rPr lang="en-US" altLang="ja-JP" sz="2000" b="1" dirty="0" smtClean="0">
+                <a:latin typeface="MigMix 1P" pitchFamily="50" charset="-128"/>
+                <a:ea typeface="MigMix 1P" pitchFamily="50" charset="-128"/>
+                <a:cs typeface="MigMix 1P" pitchFamily="50" charset="-128"/>
+              </a:rPr>
+              <a:t>		(</a:t>
+            </a:r>
+            <a:r>
+              <a:rPr lang="ja-JP" altLang="en-US" sz="2000" b="1" dirty="0" smtClean="0">
+                <a:latin typeface="MigMix 1P" pitchFamily="50" charset="-128"/>
+                <a:ea typeface="MigMix 1P" pitchFamily="50" charset="-128"/>
+                <a:cs typeface="MigMix 1P" pitchFamily="50" charset="-128"/>
+              </a:rPr>
+              <a:t>サテライトオフィス</a:t>
+            </a:r>
+            <a:r>
+              <a:rPr lang="en-US" altLang="ja-JP" sz="2000" b="1" dirty="0" smtClean="0">
+                <a:latin typeface="MigMix 1P" pitchFamily="50" charset="-128"/>
+                <a:ea typeface="MigMix 1P" pitchFamily="50" charset="-128"/>
+                <a:cs typeface="MigMix 1P" pitchFamily="50" charset="-128"/>
+              </a:rPr>
+              <a:t>)</a:t>
+            </a:r>
+            <a:r>
+              <a:rPr lang="ja-JP" altLang="en-US" sz="2000" b="1" dirty="0">
+                <a:latin typeface="MigMix 1P" pitchFamily="50" charset="-128"/>
+                <a:ea typeface="MigMix 1P" pitchFamily="50" charset="-128"/>
+                <a:cs typeface="MigMix 1P" pitchFamily="50" charset="-128"/>
+              </a:rPr>
+              <a:t>　徳島県　神山</a:t>
+            </a:r>
+            <a:r>
+              <a:rPr lang="ja-JP" altLang="en-US" sz="2000" b="1" dirty="0" smtClean="0">
+                <a:latin typeface="MigMix 1P" pitchFamily="50" charset="-128"/>
+                <a:ea typeface="MigMix 1P" pitchFamily="50" charset="-128"/>
+                <a:cs typeface="MigMix 1P" pitchFamily="50" charset="-128"/>
+              </a:rPr>
+              <a:t>ラボ</a:t>
+            </a:r>
+            <a:endParaRPr lang="en-US" altLang="ja-JP" sz="2000" b="1" dirty="0" smtClean="0">
+              <a:latin typeface="MigMix 1P" pitchFamily="50" charset="-128"/>
+              <a:ea typeface="MigMix 1P" pitchFamily="50" charset="-128"/>
+              <a:cs typeface="MigMix 1P" pitchFamily="50" charset="-128"/>
+            </a:endParaRPr>
+          </a:p>
+          <a:p>
+            <a:endParaRPr kumimoji="1" lang="en-US" altLang="ja-JP" sz="2000" b="1" dirty="0">
+              <a:latin typeface="MigMix 1P" pitchFamily="50" charset="-128"/>
+              <a:ea typeface="MigMix 1P" pitchFamily="50" charset="-128"/>
+              <a:cs typeface="MigMix 1P" pitchFamily="50" charset="-128"/>
+            </a:endParaRPr>
+          </a:p>
+          <a:p>
+            <a:r>
+              <a:rPr lang="ja-JP" altLang="en-US" sz="2000" b="1" dirty="0" smtClean="0">
+                <a:latin typeface="MigMix 1P" pitchFamily="50" charset="-128"/>
+                <a:ea typeface="MigMix 1P" pitchFamily="50" charset="-128"/>
+                <a:cs typeface="MigMix 1P" pitchFamily="50" charset="-128"/>
+              </a:rPr>
+              <a:t>設立</a:t>
+            </a:r>
+            <a:r>
+              <a:rPr lang="en-US" altLang="ja-JP" sz="2000" b="1" dirty="0" smtClean="0">
+                <a:latin typeface="MigMix 1P" pitchFamily="50" charset="-128"/>
+                <a:ea typeface="MigMix 1P" pitchFamily="50" charset="-128"/>
+                <a:cs typeface="MigMix 1P" pitchFamily="50" charset="-128"/>
+              </a:rPr>
+              <a:t>		2007</a:t>
+            </a:r>
+            <a:r>
+              <a:rPr lang="ja-JP" altLang="en-US" sz="2000" b="1" dirty="0">
+                <a:latin typeface="MigMix 1P" pitchFamily="50" charset="-128"/>
+                <a:ea typeface="MigMix 1P" pitchFamily="50" charset="-128"/>
+                <a:cs typeface="MigMix 1P" pitchFamily="50" charset="-128"/>
+              </a:rPr>
+              <a:t>年</a:t>
+            </a:r>
+            <a:r>
+              <a:rPr lang="en-US" altLang="ja-JP" sz="2000" b="1" dirty="0">
+                <a:latin typeface="MigMix 1P" pitchFamily="50" charset="-128"/>
+                <a:ea typeface="MigMix 1P" pitchFamily="50" charset="-128"/>
+                <a:cs typeface="MigMix 1P" pitchFamily="50" charset="-128"/>
+              </a:rPr>
+              <a:t>6</a:t>
+            </a:r>
+            <a:r>
+              <a:rPr lang="ja-JP" altLang="en-US" sz="2000" b="1" dirty="0">
+                <a:latin typeface="MigMix 1P" pitchFamily="50" charset="-128"/>
+                <a:ea typeface="MigMix 1P" pitchFamily="50" charset="-128"/>
+                <a:cs typeface="MigMix 1P" pitchFamily="50" charset="-128"/>
+              </a:rPr>
+              <a:t>月</a:t>
+            </a:r>
+            <a:r>
+              <a:rPr lang="en-US" altLang="ja-JP" sz="2000" b="1" dirty="0">
+                <a:latin typeface="MigMix 1P" pitchFamily="50" charset="-128"/>
+                <a:ea typeface="MigMix 1P" pitchFamily="50" charset="-128"/>
+                <a:cs typeface="MigMix 1P" pitchFamily="50" charset="-128"/>
+              </a:rPr>
+              <a:t>11</a:t>
+            </a:r>
+            <a:r>
+              <a:rPr lang="ja-JP" altLang="en-US" sz="2000" b="1" dirty="0">
+                <a:latin typeface="MigMix 1P" pitchFamily="50" charset="-128"/>
+                <a:ea typeface="MigMix 1P" pitchFamily="50" charset="-128"/>
+                <a:cs typeface="MigMix 1P" pitchFamily="50" charset="-128"/>
+              </a:rPr>
+              <a:t>日</a:t>
+            </a:r>
+          </a:p>
+          <a:p>
+            <a:endParaRPr lang="ja-JP" altLang="en-US" sz="2000" b="1" dirty="0">
+              <a:latin typeface="MigMix 1P" pitchFamily="50" charset="-128"/>
+              <a:ea typeface="MigMix 1P" pitchFamily="50" charset="-128"/>
+              <a:cs typeface="MigMix 1P" pitchFamily="50" charset="-128"/>
+            </a:endParaRPr>
+          </a:p>
+          <a:p>
+            <a:r>
+              <a:rPr lang="ja-JP" altLang="en-US" sz="2000" b="1" dirty="0">
+                <a:latin typeface="MigMix 1P" pitchFamily="50" charset="-128"/>
+                <a:ea typeface="MigMix 1P" pitchFamily="50" charset="-128"/>
+                <a:cs typeface="MigMix 1P" pitchFamily="50" charset="-128"/>
+              </a:rPr>
+              <a:t>資本</a:t>
+            </a:r>
+            <a:r>
+              <a:rPr lang="ja-JP" altLang="en-US" sz="2000" b="1" dirty="0" smtClean="0">
+                <a:latin typeface="MigMix 1P" pitchFamily="50" charset="-128"/>
+                <a:ea typeface="MigMix 1P" pitchFamily="50" charset="-128"/>
+                <a:cs typeface="MigMix 1P" pitchFamily="50" charset="-128"/>
+              </a:rPr>
+              <a:t>金等</a:t>
+            </a:r>
+            <a:r>
+              <a:rPr lang="en-US" altLang="ja-JP" sz="2000" b="1" dirty="0" smtClean="0">
+                <a:latin typeface="MigMix 1P" pitchFamily="50" charset="-128"/>
+                <a:ea typeface="MigMix 1P" pitchFamily="50" charset="-128"/>
+                <a:cs typeface="MigMix 1P" pitchFamily="50" charset="-128"/>
+              </a:rPr>
+              <a:t>	</a:t>
+            </a:r>
+            <a:r>
+              <a:rPr lang="en-US" altLang="zh-TW" sz="2000" b="1" dirty="0" smtClean="0">
+                <a:latin typeface="MigMix 1P" pitchFamily="50" charset="-128"/>
+                <a:ea typeface="MigMix 1P" pitchFamily="50" charset="-128"/>
+                <a:cs typeface="MigMix 1P" pitchFamily="50" charset="-128"/>
+              </a:rPr>
+              <a:t>1</a:t>
+            </a:r>
+            <a:r>
+              <a:rPr lang="zh-TW" altLang="en-US" sz="2000" b="1" dirty="0" smtClean="0">
+                <a:latin typeface="MigMix 1P" pitchFamily="50" charset="-128"/>
+                <a:ea typeface="MigMix 1P" pitchFamily="50" charset="-128"/>
+                <a:cs typeface="MigMix 1P" pitchFamily="50" charset="-128"/>
+              </a:rPr>
+              <a:t>億</a:t>
+            </a:r>
+            <a:r>
+              <a:rPr lang="en-US" altLang="zh-TW" sz="2000" b="1" dirty="0" smtClean="0">
+                <a:latin typeface="MigMix 1P" pitchFamily="50" charset="-128"/>
+                <a:ea typeface="MigMix 1P" pitchFamily="50" charset="-128"/>
+                <a:cs typeface="MigMix 1P" pitchFamily="50" charset="-128"/>
+              </a:rPr>
+              <a:t>6,460</a:t>
+            </a:r>
+            <a:r>
+              <a:rPr lang="zh-TW" altLang="en-US" sz="2000" b="1" dirty="0" smtClean="0">
+                <a:latin typeface="MigMix 1P" pitchFamily="50" charset="-128"/>
+                <a:ea typeface="MigMix 1P" pitchFamily="50" charset="-128"/>
+                <a:cs typeface="MigMix 1P" pitchFamily="50" charset="-128"/>
+              </a:rPr>
+              <a:t>万円</a:t>
+            </a:r>
+            <a:r>
+              <a:rPr lang="en-US" altLang="zh-TW" sz="2000" b="1" dirty="0" smtClean="0">
+                <a:latin typeface="MigMix 1P" pitchFamily="50" charset="-128"/>
+                <a:ea typeface="MigMix 1P" pitchFamily="50" charset="-128"/>
+                <a:cs typeface="MigMix 1P" pitchFamily="50" charset="-128"/>
+              </a:rPr>
+              <a:t>(</a:t>
+            </a:r>
+            <a:r>
+              <a:rPr lang="zh-TW" altLang="en-US" sz="2000" b="1" dirty="0" smtClean="0">
+                <a:latin typeface="MigMix 1P" pitchFamily="50" charset="-128"/>
+                <a:ea typeface="MigMix 1P" pitchFamily="50" charset="-128"/>
+                <a:cs typeface="MigMix 1P" pitchFamily="50" charset="-128"/>
+              </a:rPr>
+              <a:t>内資本準備金</a:t>
+            </a:r>
+            <a:r>
+              <a:rPr lang="en-US" altLang="zh-TW" sz="2000" b="1" dirty="0" smtClean="0">
+                <a:latin typeface="MigMix 1P" pitchFamily="50" charset="-128"/>
+                <a:ea typeface="MigMix 1P" pitchFamily="50" charset="-128"/>
+                <a:cs typeface="MigMix 1P" pitchFamily="50" charset="-128"/>
+              </a:rPr>
+              <a:t>8,230</a:t>
+            </a:r>
+            <a:r>
+              <a:rPr lang="zh-TW" altLang="en-US" sz="2000" b="1" dirty="0" smtClean="0">
+                <a:latin typeface="MigMix 1P" pitchFamily="50" charset="-128"/>
+                <a:ea typeface="MigMix 1P" pitchFamily="50" charset="-128"/>
+                <a:cs typeface="MigMix 1P" pitchFamily="50" charset="-128"/>
+              </a:rPr>
+              <a:t>万円</a:t>
+            </a:r>
+            <a:r>
+              <a:rPr lang="en-US" altLang="zh-TW" sz="2000" b="1" dirty="0" smtClean="0">
+                <a:latin typeface="MigMix 1P" pitchFamily="50" charset="-128"/>
+                <a:ea typeface="MigMix 1P" pitchFamily="50" charset="-128"/>
+                <a:cs typeface="MigMix 1P" pitchFamily="50" charset="-128"/>
+              </a:rPr>
+              <a:t>)</a:t>
+            </a:r>
+            <a:br>
+              <a:rPr lang="en-US" altLang="zh-TW" sz="2000" b="1" dirty="0" smtClean="0">
+                <a:latin typeface="MigMix 1P" pitchFamily="50" charset="-128"/>
+                <a:ea typeface="MigMix 1P" pitchFamily="50" charset="-128"/>
+                <a:cs typeface="MigMix 1P" pitchFamily="50" charset="-128"/>
+              </a:rPr>
+            </a:br>
+            <a:endParaRPr lang="ja-JP" altLang="en-US" sz="2000" b="1" dirty="0">
+              <a:latin typeface="MigMix 1P" pitchFamily="50" charset="-128"/>
+              <a:ea typeface="MigMix 1P" pitchFamily="50" charset="-128"/>
+              <a:cs typeface="MigMix 1P" pitchFamily="50" charset="-128"/>
+            </a:endParaRPr>
+          </a:p>
+          <a:p>
+            <a:r>
+              <a:rPr lang="ja-JP" altLang="en-US" sz="2000" b="1" dirty="0" smtClean="0">
+                <a:latin typeface="MigMix 1P" pitchFamily="50" charset="-128"/>
+                <a:ea typeface="MigMix 1P" pitchFamily="50" charset="-128"/>
+                <a:cs typeface="MigMix 1P" pitchFamily="50" charset="-128"/>
+              </a:rPr>
+              <a:t>事業内容　</a:t>
+            </a:r>
+            <a:r>
+              <a:rPr lang="en-US" altLang="ja-JP" sz="2000" b="1" dirty="0" smtClean="0">
+                <a:latin typeface="MigMix 1P" pitchFamily="50" charset="-128"/>
+                <a:ea typeface="MigMix 1P" pitchFamily="50" charset="-128"/>
+                <a:cs typeface="MigMix 1P" pitchFamily="50" charset="-128"/>
+              </a:rPr>
+              <a:t>	</a:t>
+            </a:r>
+            <a:r>
+              <a:rPr lang="ja-JP" altLang="en-US" sz="2000" b="1" dirty="0" smtClean="0">
+                <a:latin typeface="MigMix 1P" pitchFamily="50" charset="-128"/>
+                <a:ea typeface="MigMix 1P" pitchFamily="50" charset="-128"/>
+                <a:cs typeface="MigMix 1P" pitchFamily="50" charset="-128"/>
+              </a:rPr>
+              <a:t>名刺</a:t>
+            </a:r>
+            <a:r>
+              <a:rPr lang="ja-JP" altLang="en-US" sz="2000" b="1" dirty="0">
+                <a:latin typeface="MigMix 1P" pitchFamily="50" charset="-128"/>
+                <a:ea typeface="MigMix 1P" pitchFamily="50" charset="-128"/>
+                <a:cs typeface="MigMix 1P" pitchFamily="50" charset="-128"/>
+              </a:rPr>
+              <a:t>管理クラウドサービスの企画・開発・</a:t>
+            </a:r>
+            <a:r>
+              <a:rPr lang="ja-JP" altLang="en-US" sz="2000" b="1" dirty="0" smtClean="0">
+                <a:latin typeface="MigMix 1P" pitchFamily="50" charset="-128"/>
+                <a:ea typeface="MigMix 1P" pitchFamily="50" charset="-128"/>
+                <a:cs typeface="MigMix 1P" pitchFamily="50" charset="-128"/>
+              </a:rPr>
+              <a:t>販売</a:t>
+            </a:r>
+            <a:endParaRPr lang="en-US" altLang="ja-JP" sz="2000" b="1" dirty="0" smtClean="0">
+              <a:latin typeface="MigMix 1P" pitchFamily="50" charset="-128"/>
+              <a:ea typeface="MigMix 1P" pitchFamily="50" charset="-128"/>
+              <a:cs typeface="MigMix 1P" pitchFamily="50" charset="-128"/>
+            </a:endParaRPr>
+          </a:p>
+          <a:p>
+            <a:endParaRPr lang="ja-JP" altLang="en-US" dirty="0">
+              <a:latin typeface="MigMix 1P" pitchFamily="50" charset="-128"/>
+              <a:ea typeface="MigMix 1P" pitchFamily="50" charset="-128"/>
+              <a:cs typeface="MigMix 1P" pitchFamily="50" charset="-128"/>
+            </a:endParaRPr>
+          </a:p>
+        </p:txBody>
+      </p:sp>
+      <p:sp>
+        <p:nvSpPr>
+          <p:cNvPr id="5" name="テキスト ボックス 4"/>
+          <p:cNvSpPr txBox="1"/>
+          <p:nvPr/>
+        </p:nvSpPr>
+        <p:spPr>
+          <a:xfrm>
+            <a:off x="-468560" y="116632"/>
+            <a:ext cx="9721080" cy="707886"/>
+          </a:xfrm>
+          <a:prstGeom prst="rect">
+            <a:avLst/>
+          </a:prstGeom>
+          <a:noFill/>
+          <a:ln w="57150" cmpd="thickThin">
+            <a:solidFill>
+              <a:schemeClr val="accent1">
+                <a:lumMod val="75000"/>
+              </a:schemeClr>
+            </a:solidFill>
+          </a:ln>
+        </p:spPr>
+        <p:txBody>
+          <a:bodyPr wrap="square" rtlCol="0" anchor="ctr">
+            <a:spAutoFit/>
+          </a:bodyPr>
+          <a:lstStyle/>
+          <a:p>
+            <a:pPr algn="ctr"/>
+            <a:r>
+              <a:rPr lang="en-US" altLang="ja-JP" sz="4000" b="1" dirty="0" err="1">
+                <a:solidFill>
+                  <a:schemeClr val="accent1">
+                    <a:lumMod val="75000"/>
+                  </a:schemeClr>
+                </a:solidFill>
+                <a:latin typeface="MigMix 1P" pitchFamily="50" charset="-128"/>
+                <a:ea typeface="MigMix 1P" pitchFamily="50" charset="-128"/>
+                <a:cs typeface="MigMix 1P" pitchFamily="50" charset="-128"/>
+              </a:rPr>
+              <a:t>Sansan.Inc</a:t>
+            </a:r>
+            <a:endParaRPr lang="en-US" altLang="ja-JP" sz="4000" dirty="0" smtClean="0">
+              <a:solidFill>
+                <a:schemeClr val="accent1">
+                  <a:lumMod val="75000"/>
+                </a:schemeClr>
+              </a:solidFill>
+              <a:uFill>
+                <a:solidFill>
+                  <a:srgbClr val="A388C4"/>
+                </a:solidFill>
+              </a:uFill>
+              <a:latin typeface="MigMix 1P" pitchFamily="50" charset="-128"/>
+              <a:ea typeface="MigMix 1P" pitchFamily="50" charset="-128"/>
+              <a:cs typeface="MigMix 1P" pitchFamily="50" charset="-128"/>
+            </a:endParaRPr>
+          </a:p>
+        </p:txBody>
+      </p:sp>
+      <p:sp>
+        <p:nvSpPr>
+          <p:cNvPr id="6" name="テキスト ボックス 5"/>
+          <p:cNvSpPr txBox="1"/>
+          <p:nvPr/>
+        </p:nvSpPr>
+        <p:spPr>
+          <a:xfrm>
+            <a:off x="6660232" y="188640"/>
+            <a:ext cx="1944216" cy="584775"/>
           </a:xfrm>
           <a:prstGeom prst="rect">
             <a:avLst/>
@@ -4926,98 +6494,18 @@
           <a:lstStyle/>
           <a:p>
             <a:r>
-              <a:rPr kumimoji="1" lang="ja-JP" altLang="en-US" dirty="0" smtClean="0"/>
-              <a:t>１．</a:t>
-            </a:r>
-            <a:r>
-              <a:rPr kumimoji="1" lang="en-US" altLang="ja-JP" dirty="0" err="1" smtClean="0"/>
-              <a:t>Sansan</a:t>
-            </a:r>
-            <a:r>
-              <a:rPr lang="ja-JP" altLang="en-US" dirty="0" smtClean="0"/>
-              <a:t>について</a:t>
-            </a:r>
-            <a:endParaRPr kumimoji="1" lang="en-US" altLang="ja-JP" dirty="0" smtClean="0"/>
-          </a:p>
-        </p:txBody>
-      </p:sp>
-      <p:sp>
-        <p:nvSpPr>
-          <p:cNvPr id="3" name="テキスト ボックス 2"/>
-          <p:cNvSpPr txBox="1"/>
-          <p:nvPr/>
-        </p:nvSpPr>
-        <p:spPr>
-          <a:xfrm>
-            <a:off x="1259632" y="1268760"/>
-            <a:ext cx="4176464" cy="369332"/>
-          </a:xfrm>
-          <a:prstGeom prst="rect">
-            <a:avLst/>
-          </a:prstGeom>
-          <a:noFill/>
-        </p:spPr>
-        <p:txBody>
-          <a:bodyPr wrap="square" rtlCol="0">
-            <a:spAutoFit/>
-          </a:bodyPr>
-          <a:lstStyle/>
-          <a:p>
-            <a:r>
-              <a:rPr kumimoji="1" lang="ja-JP" altLang="en-US" dirty="0" smtClean="0"/>
-              <a:t>２</a:t>
-            </a:r>
-            <a:r>
-              <a:rPr kumimoji="1" lang="ja-JP" altLang="en-US" smtClean="0"/>
-              <a:t>．開発</a:t>
-            </a:r>
-            <a:r>
-              <a:rPr lang="ja-JP" altLang="en-US" smtClean="0"/>
-              <a:t>サービス</a:t>
-            </a:r>
-            <a:r>
-              <a:rPr kumimoji="1" lang="ja-JP" altLang="en-US" smtClean="0"/>
-              <a:t>紹介</a:t>
-            </a:r>
-            <a:endParaRPr kumimoji="1" lang="ja-JP" altLang="en-US" dirty="0"/>
-          </a:p>
-        </p:txBody>
-      </p:sp>
-      <p:sp>
-        <p:nvSpPr>
-          <p:cNvPr id="4" name="テキスト ボックス 3"/>
-          <p:cNvSpPr txBox="1"/>
-          <p:nvPr/>
-        </p:nvSpPr>
-        <p:spPr>
-          <a:xfrm>
-            <a:off x="1763688" y="260648"/>
-            <a:ext cx="3600400" cy="369332"/>
-          </a:xfrm>
-          <a:prstGeom prst="rect">
-            <a:avLst/>
-          </a:prstGeom>
-          <a:noFill/>
-        </p:spPr>
-        <p:txBody>
-          <a:bodyPr wrap="square" rtlCol="0">
-            <a:spAutoFit/>
-          </a:bodyPr>
-          <a:lstStyle/>
-          <a:p>
-            <a:r>
-              <a:rPr kumimoji="1" lang="en-US" altLang="ja-JP" dirty="0" smtClean="0"/>
-              <a:t>(</a:t>
-            </a:r>
-            <a:r>
-              <a:rPr kumimoji="1" lang="ja-JP" altLang="en-US" dirty="0" smtClean="0"/>
-              <a:t>目次</a:t>
-            </a:r>
-            <a:r>
-              <a:rPr kumimoji="1" lang="en-US" altLang="ja-JP" dirty="0" smtClean="0"/>
-              <a:t>)</a:t>
-            </a:r>
-            <a:endParaRPr kumimoji="1" lang="ja-JP" altLang="en-US" dirty="0"/>
+              <a:rPr lang="ja-JP" altLang="en-US" sz="3200" b="1" dirty="0" smtClean="0">
+                <a:latin typeface="MigMix 1P" pitchFamily="50" charset="-128"/>
+                <a:ea typeface="MigMix 1P" pitchFamily="50" charset="-128"/>
+                <a:cs typeface="MigMix 1P" pitchFamily="50" charset="-128"/>
+              </a:rPr>
+              <a:t>会社概要</a:t>
+            </a:r>
+            <a:endParaRPr lang="ja-JP" altLang="en-US" sz="3200" b="1" dirty="0">
+              <a:latin typeface="MigMix 1P" pitchFamily="50" charset="-128"/>
+              <a:ea typeface="MigMix 1P" pitchFamily="50" charset="-128"/>
+              <a:cs typeface="MigMix 1P" pitchFamily="50" charset="-128"/>
+            </a:endParaRPr>
           </a:p>
         </p:txBody>
       </p:sp>
@@ -5064,17 +6552,13 @@
         </p:nvSpPr>
         <p:spPr>
           <a:xfrm>
-            <a:off x="467544" y="1340768"/>
-            <a:ext cx="8424936" cy="4678204"/>
+            <a:off x="0" y="1700808"/>
+            <a:ext cx="9540552" cy="1446550"/>
           </a:xfrm>
           <a:prstGeom prst="rect">
             <a:avLst/>
           </a:prstGeom>
-          <a:solidFill>
-            <a:schemeClr val="bg1">
-              <a:alpha val="55000"/>
-            </a:schemeClr>
-          </a:solidFill>
+          <a:noFill/>
         </p:spPr>
         <p:txBody>
           <a:bodyPr wrap="square" rtlCol="0">
@@ -5082,464 +6566,74 @@
           </a:bodyPr>
           <a:lstStyle/>
           <a:p>
-            <a:endParaRPr lang="en-US" altLang="zh-CN" sz="2000" b="1" dirty="0" smtClean="0">
-              <a:latin typeface="HG丸ｺﾞｼｯｸM-PRO" pitchFamily="50" charset="-128"/>
-              <a:ea typeface="HG丸ｺﾞｼｯｸM-PRO" pitchFamily="50" charset="-128"/>
+            <a:pPr algn="ctr"/>
+            <a:r>
+              <a:rPr lang="en-US" altLang="ja-JP" sz="4400" b="1" dirty="0" smtClean="0">
+                <a:latin typeface="MigMix 1P" pitchFamily="50" charset="-128"/>
+                <a:ea typeface="MigMix 1P" pitchFamily="50" charset="-128"/>
+                <a:cs typeface="MigMix 1P" pitchFamily="50" charset="-128"/>
+              </a:rPr>
+              <a:t>｢</a:t>
+            </a:r>
+            <a:r>
+              <a:rPr lang="ja-JP" altLang="en-US" sz="4400" b="1" dirty="0">
+                <a:latin typeface="MigMix 1P" pitchFamily="50" charset="-128"/>
+                <a:ea typeface="MigMix 1P" pitchFamily="50" charset="-128"/>
+                <a:cs typeface="MigMix 1P" pitchFamily="50" charset="-128"/>
+              </a:rPr>
+              <a:t>ビジネスの出会い</a:t>
+            </a:r>
+            <a:r>
+              <a:rPr lang="ja-JP" altLang="en-US" sz="4400" b="1" dirty="0" smtClean="0">
+                <a:latin typeface="MigMix 1P" pitchFamily="50" charset="-128"/>
+                <a:ea typeface="MigMix 1P" pitchFamily="50" charset="-128"/>
+                <a:cs typeface="MigMix 1P" pitchFamily="50" charset="-128"/>
+              </a:rPr>
+              <a:t>を資産</a:t>
+            </a:r>
+            <a:r>
+              <a:rPr lang="ja-JP" altLang="en-US" sz="4400" b="1" dirty="0">
+                <a:latin typeface="MigMix 1P" pitchFamily="50" charset="-128"/>
+                <a:ea typeface="MigMix 1P" pitchFamily="50" charset="-128"/>
+                <a:cs typeface="MigMix 1P" pitchFamily="50" charset="-128"/>
+              </a:rPr>
+              <a:t>に変え</a:t>
+            </a:r>
+            <a:r>
+              <a:rPr lang="ja-JP" altLang="en-US" sz="4400" b="1" dirty="0" smtClean="0">
+                <a:latin typeface="MigMix 1P" pitchFamily="50" charset="-128"/>
+                <a:ea typeface="MigMix 1P" pitchFamily="50" charset="-128"/>
+                <a:cs typeface="MigMix 1P" pitchFamily="50" charset="-128"/>
+              </a:rPr>
+              <a:t>、</a:t>
+            </a:r>
+            <a:r>
+              <a:rPr lang="en-US" altLang="ja-JP" sz="4400" b="1" dirty="0" smtClean="0">
+                <a:latin typeface="MigMix 1P" pitchFamily="50" charset="-128"/>
+                <a:ea typeface="MigMix 1P" pitchFamily="50" charset="-128"/>
+                <a:cs typeface="MigMix 1P" pitchFamily="50" charset="-128"/>
+              </a:rPr>
+              <a:t>	</a:t>
+            </a:r>
+            <a:r>
+              <a:rPr lang="ja-JP" altLang="en-US" sz="4400" b="1" dirty="0" smtClean="0">
+                <a:latin typeface="MigMix 1P" pitchFamily="50" charset="-128"/>
+                <a:ea typeface="MigMix 1P" pitchFamily="50" charset="-128"/>
+                <a:cs typeface="MigMix 1P" pitchFamily="50" charset="-128"/>
+              </a:rPr>
+              <a:t>働き方を革新する」</a:t>
+            </a:r>
+            <a:endParaRPr kumimoji="1" lang="ja-JP" altLang="en-US" sz="4400" b="1" dirty="0">
+              <a:latin typeface="MigMix 1P" pitchFamily="50" charset="-128"/>
+              <a:ea typeface="MigMix 1P" pitchFamily="50" charset="-128"/>
+              <a:cs typeface="MigMix 1P" pitchFamily="50" charset="-128"/>
             </a:endParaRPr>
           </a:p>
-          <a:p>
-            <a:r>
-              <a:rPr lang="zh-CN" altLang="en-US" sz="2000" b="1" dirty="0" smtClean="0">
-                <a:latin typeface="HG丸ｺﾞｼｯｸM-PRO" pitchFamily="50" charset="-128"/>
-                <a:ea typeface="HG丸ｺﾞｼｯｸM-PRO" pitchFamily="50" charset="-128"/>
-              </a:rPr>
-              <a:t>商</a:t>
-            </a:r>
-            <a:r>
-              <a:rPr lang="zh-CN" altLang="en-US" sz="2000" b="1" dirty="0" smtClean="0">
-                <a:latin typeface="HG丸ｺﾞｼｯｸM-PRO" pitchFamily="50" charset="-128"/>
-                <a:ea typeface="HG丸ｺﾞｼｯｸM-PRO" pitchFamily="50" charset="-128"/>
-              </a:rPr>
-              <a:t>　号</a:t>
-            </a:r>
-            <a:r>
-              <a:rPr lang="en-US" altLang="zh-CN" sz="2000" b="1" dirty="0" smtClean="0">
-                <a:latin typeface="HG丸ｺﾞｼｯｸM-PRO" pitchFamily="50" charset="-128"/>
-                <a:ea typeface="HG丸ｺﾞｼｯｸM-PRO" pitchFamily="50" charset="-128"/>
-              </a:rPr>
-              <a:t>		</a:t>
-            </a:r>
-            <a:r>
-              <a:rPr lang="en-US" altLang="zh-CN" sz="2000" b="1" dirty="0" err="1" smtClean="0">
-                <a:latin typeface="HG丸ｺﾞｼｯｸM-PRO" pitchFamily="50" charset="-128"/>
-                <a:ea typeface="HG丸ｺﾞｼｯｸM-PRO" pitchFamily="50" charset="-128"/>
-              </a:rPr>
-              <a:t>Sansan</a:t>
-            </a:r>
-            <a:r>
-              <a:rPr lang="zh-CN" altLang="en-US" sz="2000" b="1" dirty="0" smtClean="0">
-                <a:latin typeface="HG丸ｺﾞｼｯｸM-PRO" pitchFamily="50" charset="-128"/>
-                <a:ea typeface="HG丸ｺﾞｼｯｸM-PRO" pitchFamily="50" charset="-128"/>
-              </a:rPr>
-              <a:t>株式会社（登記名：三三株式会社）</a:t>
-            </a:r>
-            <a:r>
-              <a:rPr lang="en-US" altLang="zh-CN" sz="2000" b="1" dirty="0" smtClean="0">
-                <a:latin typeface="HG丸ｺﾞｼｯｸM-PRO" pitchFamily="50" charset="-128"/>
-                <a:ea typeface="HG丸ｺﾞｼｯｸM-PRO" pitchFamily="50" charset="-128"/>
-              </a:rPr>
-              <a:t/>
-            </a:r>
-            <a:br>
-              <a:rPr lang="en-US" altLang="zh-CN" sz="2000" b="1" dirty="0" smtClean="0">
-                <a:latin typeface="HG丸ｺﾞｼｯｸM-PRO" pitchFamily="50" charset="-128"/>
-                <a:ea typeface="HG丸ｺﾞｼｯｸM-PRO" pitchFamily="50" charset="-128"/>
-              </a:rPr>
-            </a:br>
-            <a:endParaRPr lang="ja-JP" altLang="en-US" sz="2000" b="1" dirty="0" smtClean="0">
-              <a:latin typeface="HG丸ｺﾞｼｯｸM-PRO" pitchFamily="50" charset="-128"/>
-              <a:ea typeface="HG丸ｺﾞｼｯｸM-PRO" pitchFamily="50" charset="-128"/>
-            </a:endParaRPr>
-          </a:p>
-          <a:p>
-            <a:r>
-              <a:rPr lang="ja-JP" altLang="en-US" sz="2000" b="1" dirty="0" smtClean="0">
-                <a:latin typeface="HG丸ｺﾞｼｯｸM-PRO" pitchFamily="50" charset="-128"/>
-                <a:ea typeface="HG丸ｺﾞｼｯｸM-PRO" pitchFamily="50" charset="-128"/>
-              </a:rPr>
-              <a:t>代表者</a:t>
-            </a:r>
-            <a:r>
-              <a:rPr lang="en-US" altLang="ja-JP" sz="2000" b="1" dirty="0" smtClean="0">
-                <a:latin typeface="HG丸ｺﾞｼｯｸM-PRO" pitchFamily="50" charset="-128"/>
-                <a:ea typeface="HG丸ｺﾞｼｯｸM-PRO" pitchFamily="50" charset="-128"/>
-              </a:rPr>
-              <a:t>		</a:t>
-            </a:r>
-            <a:r>
-              <a:rPr lang="ja-JP" altLang="en-US" sz="2000" b="1" dirty="0" smtClean="0">
-                <a:latin typeface="HG丸ｺﾞｼｯｸM-PRO" pitchFamily="50" charset="-128"/>
-                <a:ea typeface="HG丸ｺﾞｼｯｸM-PRO" pitchFamily="50" charset="-128"/>
-              </a:rPr>
-              <a:t>代表取締役社長</a:t>
-            </a:r>
-            <a:r>
-              <a:rPr lang="en-US" altLang="ja-JP" sz="2000" b="1" dirty="0" smtClean="0">
-                <a:latin typeface="HG丸ｺﾞｼｯｸM-PRO" pitchFamily="50" charset="-128"/>
-                <a:ea typeface="HG丸ｺﾞｼｯｸM-PRO" pitchFamily="50" charset="-128"/>
-              </a:rPr>
-              <a:t>	</a:t>
-            </a:r>
-            <a:r>
-              <a:rPr lang="ja-JP" altLang="en-US" sz="2000" b="1" dirty="0" smtClean="0">
-                <a:latin typeface="HG丸ｺﾞｼｯｸM-PRO" pitchFamily="50" charset="-128"/>
-                <a:ea typeface="HG丸ｺﾞｼｯｸM-PRO" pitchFamily="50" charset="-128"/>
-              </a:rPr>
-              <a:t>寺田親弘</a:t>
-            </a:r>
-            <a:endParaRPr lang="en-US" altLang="zh-CN" sz="2000" b="1" dirty="0">
-              <a:latin typeface="HG丸ｺﾞｼｯｸM-PRO" pitchFamily="50" charset="-128"/>
-              <a:ea typeface="HG丸ｺﾞｼｯｸM-PRO" pitchFamily="50" charset="-128"/>
-            </a:endParaRPr>
-          </a:p>
-          <a:p>
-            <a:r>
-              <a:rPr lang="en-US" altLang="zh-CN" sz="2000" b="1" dirty="0" smtClean="0">
-                <a:latin typeface="HG丸ｺﾞｼｯｸM-PRO" pitchFamily="50" charset="-128"/>
-                <a:ea typeface="HG丸ｺﾞｼｯｸM-PRO" pitchFamily="50" charset="-128"/>
-              </a:rPr>
-              <a:t>	</a:t>
-            </a:r>
-            <a:br>
-              <a:rPr lang="en-US" altLang="zh-CN" sz="2000" b="1" dirty="0" smtClean="0">
-                <a:latin typeface="HG丸ｺﾞｼｯｸM-PRO" pitchFamily="50" charset="-128"/>
-                <a:ea typeface="HG丸ｺﾞｼｯｸM-PRO" pitchFamily="50" charset="-128"/>
-              </a:rPr>
-            </a:br>
-            <a:r>
-              <a:rPr lang="ja-JP" altLang="en-US" sz="2000" b="1" dirty="0" smtClean="0">
-                <a:latin typeface="HG丸ｺﾞｼｯｸM-PRO" pitchFamily="50" charset="-128"/>
-                <a:ea typeface="HG丸ｺﾞｼｯｸM-PRO" pitchFamily="50" charset="-128"/>
-              </a:rPr>
-              <a:t>本社</a:t>
-            </a:r>
-            <a:r>
-              <a:rPr lang="en-US" altLang="ja-JP" sz="2000" b="1" dirty="0">
-                <a:latin typeface="HG丸ｺﾞｼｯｸM-PRO" pitchFamily="50" charset="-128"/>
-                <a:ea typeface="HG丸ｺﾞｼｯｸM-PRO" pitchFamily="50" charset="-128"/>
-              </a:rPr>
-              <a:t>	</a:t>
-            </a:r>
-            <a:r>
-              <a:rPr lang="en-US" altLang="ja-JP" sz="2000" b="1" dirty="0" smtClean="0">
-                <a:latin typeface="HG丸ｺﾞｼｯｸM-PRO" pitchFamily="50" charset="-128"/>
-                <a:ea typeface="HG丸ｺﾞｼｯｸM-PRO" pitchFamily="50" charset="-128"/>
-              </a:rPr>
-              <a:t>	</a:t>
-            </a:r>
-            <a:r>
-              <a:rPr lang="ja-JP" altLang="en-US" sz="2000" b="1" dirty="0" smtClean="0">
-                <a:latin typeface="HG丸ｺﾞｼｯｸM-PRO" pitchFamily="50" charset="-128"/>
-                <a:ea typeface="HG丸ｺﾞｼｯｸM-PRO" pitchFamily="50" charset="-128"/>
-              </a:rPr>
-              <a:t>〒</a:t>
-            </a:r>
-            <a:r>
-              <a:rPr lang="en-US" altLang="ja-JP" sz="2000" b="1" dirty="0">
-                <a:latin typeface="HG丸ｺﾞｼｯｸM-PRO" pitchFamily="50" charset="-128"/>
-                <a:ea typeface="HG丸ｺﾞｼｯｸM-PRO" pitchFamily="50" charset="-128"/>
-              </a:rPr>
-              <a:t>102-0074 </a:t>
-            </a:r>
-            <a:endParaRPr lang="en-US" altLang="ja-JP" sz="2000" b="1" dirty="0" smtClean="0">
-              <a:latin typeface="HG丸ｺﾞｼｯｸM-PRO" pitchFamily="50" charset="-128"/>
-              <a:ea typeface="HG丸ｺﾞｼｯｸM-PRO" pitchFamily="50" charset="-128"/>
-            </a:endParaRPr>
-          </a:p>
-          <a:p>
-            <a:r>
-              <a:rPr lang="en-US" altLang="ja-JP" sz="2000" b="1" dirty="0">
-                <a:latin typeface="HG丸ｺﾞｼｯｸM-PRO" pitchFamily="50" charset="-128"/>
-                <a:ea typeface="HG丸ｺﾞｼｯｸM-PRO" pitchFamily="50" charset="-128"/>
-              </a:rPr>
-              <a:t>	</a:t>
-            </a:r>
-            <a:r>
-              <a:rPr lang="en-US" altLang="ja-JP" sz="2000" b="1" dirty="0" smtClean="0">
-                <a:latin typeface="HG丸ｺﾞｼｯｸM-PRO" pitchFamily="50" charset="-128"/>
-                <a:ea typeface="HG丸ｺﾞｼｯｸM-PRO" pitchFamily="50" charset="-128"/>
-              </a:rPr>
-              <a:t>	</a:t>
-            </a:r>
-            <a:r>
-              <a:rPr lang="ja-JP" altLang="en-US" sz="2000" b="1" dirty="0" smtClean="0">
-                <a:latin typeface="HG丸ｺﾞｼｯｸM-PRO" pitchFamily="50" charset="-128"/>
-                <a:ea typeface="HG丸ｺﾞｼｯｸM-PRO" pitchFamily="50" charset="-128"/>
-              </a:rPr>
-              <a:t>東京都</a:t>
-            </a:r>
-            <a:r>
-              <a:rPr lang="ja-JP" altLang="en-US" sz="2000" b="1" dirty="0">
-                <a:latin typeface="HG丸ｺﾞｼｯｸM-PRO" pitchFamily="50" charset="-128"/>
-                <a:ea typeface="HG丸ｺﾞｼｯｸM-PRO" pitchFamily="50" charset="-128"/>
-              </a:rPr>
-              <a:t>千代田区九段南</a:t>
-            </a:r>
-            <a:r>
-              <a:rPr lang="en-US" altLang="ja-JP" sz="2000" b="1" dirty="0">
-                <a:latin typeface="HG丸ｺﾞｼｯｸM-PRO" pitchFamily="50" charset="-128"/>
-                <a:ea typeface="HG丸ｺﾞｼｯｸM-PRO" pitchFamily="50" charset="-128"/>
-              </a:rPr>
-              <a:t>4-7-15 JPR</a:t>
-            </a:r>
-            <a:r>
-              <a:rPr lang="ja-JP" altLang="en-US" sz="2000" b="1" dirty="0">
-                <a:latin typeface="HG丸ｺﾞｼｯｸM-PRO" pitchFamily="50" charset="-128"/>
-                <a:ea typeface="HG丸ｺﾞｼｯｸM-PRO" pitchFamily="50" charset="-128"/>
-              </a:rPr>
-              <a:t>市ヶ谷ビル</a:t>
-            </a:r>
-            <a:r>
-              <a:rPr lang="en-US" altLang="ja-JP" sz="2000" b="1" dirty="0" smtClean="0">
-                <a:latin typeface="HG丸ｺﾞｼｯｸM-PRO" pitchFamily="50" charset="-128"/>
-                <a:ea typeface="HG丸ｺﾞｼｯｸM-PRO" pitchFamily="50" charset="-128"/>
-              </a:rPr>
-              <a:t>6F</a:t>
-            </a:r>
-            <a:endParaRPr lang="ja-JP" altLang="en-US" sz="2000" b="1" dirty="0">
-              <a:latin typeface="HG丸ｺﾞｼｯｸM-PRO" pitchFamily="50" charset="-128"/>
-              <a:ea typeface="HG丸ｺﾞｼｯｸM-PRO" pitchFamily="50" charset="-128"/>
-            </a:endParaRPr>
-          </a:p>
-          <a:p>
-            <a:r>
-              <a:rPr lang="en-US" altLang="ja-JP" sz="2000" b="1" dirty="0" smtClean="0">
-                <a:latin typeface="HG丸ｺﾞｼｯｸM-PRO" pitchFamily="50" charset="-128"/>
-                <a:ea typeface="HG丸ｺﾞｼｯｸM-PRO" pitchFamily="50" charset="-128"/>
-              </a:rPr>
-              <a:t>		(</a:t>
-            </a:r>
-            <a:r>
-              <a:rPr lang="ja-JP" altLang="en-US" sz="2000" b="1" dirty="0" smtClean="0">
-                <a:latin typeface="HG丸ｺﾞｼｯｸM-PRO" pitchFamily="50" charset="-128"/>
-                <a:ea typeface="HG丸ｺﾞｼｯｸM-PRO" pitchFamily="50" charset="-128"/>
-              </a:rPr>
-              <a:t>サテライトオフィス</a:t>
-            </a:r>
-            <a:r>
-              <a:rPr lang="en-US" altLang="ja-JP" sz="2000" b="1" dirty="0" smtClean="0">
-                <a:latin typeface="HG丸ｺﾞｼｯｸM-PRO" pitchFamily="50" charset="-128"/>
-                <a:ea typeface="HG丸ｺﾞｼｯｸM-PRO" pitchFamily="50" charset="-128"/>
-              </a:rPr>
-              <a:t>)</a:t>
-            </a:r>
-            <a:r>
-              <a:rPr lang="ja-JP" altLang="en-US" sz="2000" b="1" dirty="0">
-                <a:latin typeface="HG丸ｺﾞｼｯｸM-PRO" pitchFamily="50" charset="-128"/>
-                <a:ea typeface="HG丸ｺﾞｼｯｸM-PRO" pitchFamily="50" charset="-128"/>
-              </a:rPr>
-              <a:t>　徳島県　神山</a:t>
-            </a:r>
-            <a:r>
-              <a:rPr lang="ja-JP" altLang="en-US" sz="2000" b="1" dirty="0" smtClean="0">
-                <a:latin typeface="HG丸ｺﾞｼｯｸM-PRO" pitchFamily="50" charset="-128"/>
-                <a:ea typeface="HG丸ｺﾞｼｯｸM-PRO" pitchFamily="50" charset="-128"/>
-              </a:rPr>
-              <a:t>ラボ</a:t>
-            </a:r>
-            <a:endParaRPr lang="en-US" altLang="ja-JP" sz="2000" b="1" dirty="0" smtClean="0">
-              <a:latin typeface="HG丸ｺﾞｼｯｸM-PRO" pitchFamily="50" charset="-128"/>
-              <a:ea typeface="HG丸ｺﾞｼｯｸM-PRO" pitchFamily="50" charset="-128"/>
-            </a:endParaRPr>
-          </a:p>
-          <a:p>
-            <a:endParaRPr kumimoji="1" lang="en-US" altLang="ja-JP" sz="2000" b="1" dirty="0">
-              <a:latin typeface="HG丸ｺﾞｼｯｸM-PRO" pitchFamily="50" charset="-128"/>
-              <a:ea typeface="HG丸ｺﾞｼｯｸM-PRO" pitchFamily="50" charset="-128"/>
-            </a:endParaRPr>
-          </a:p>
-          <a:p>
-            <a:r>
-              <a:rPr lang="ja-JP" altLang="en-US" sz="2000" b="1" dirty="0" smtClean="0">
-                <a:latin typeface="HG丸ｺﾞｼｯｸM-PRO" pitchFamily="50" charset="-128"/>
-                <a:ea typeface="HG丸ｺﾞｼｯｸM-PRO" pitchFamily="50" charset="-128"/>
-              </a:rPr>
-              <a:t>設立</a:t>
-            </a:r>
-            <a:r>
-              <a:rPr lang="en-US" altLang="ja-JP" sz="2000" b="1" dirty="0" smtClean="0">
-                <a:latin typeface="HG丸ｺﾞｼｯｸM-PRO" pitchFamily="50" charset="-128"/>
-                <a:ea typeface="HG丸ｺﾞｼｯｸM-PRO" pitchFamily="50" charset="-128"/>
-              </a:rPr>
-              <a:t>		2007</a:t>
-            </a:r>
-            <a:r>
-              <a:rPr lang="ja-JP" altLang="en-US" sz="2000" b="1" dirty="0">
-                <a:latin typeface="HG丸ｺﾞｼｯｸM-PRO" pitchFamily="50" charset="-128"/>
-                <a:ea typeface="HG丸ｺﾞｼｯｸM-PRO" pitchFamily="50" charset="-128"/>
-              </a:rPr>
-              <a:t>年</a:t>
-            </a:r>
-            <a:r>
-              <a:rPr lang="en-US" altLang="ja-JP" sz="2000" b="1" dirty="0">
-                <a:latin typeface="HG丸ｺﾞｼｯｸM-PRO" pitchFamily="50" charset="-128"/>
-                <a:ea typeface="HG丸ｺﾞｼｯｸM-PRO" pitchFamily="50" charset="-128"/>
-              </a:rPr>
-              <a:t>6</a:t>
-            </a:r>
-            <a:r>
-              <a:rPr lang="ja-JP" altLang="en-US" sz="2000" b="1" dirty="0">
-                <a:latin typeface="HG丸ｺﾞｼｯｸM-PRO" pitchFamily="50" charset="-128"/>
-                <a:ea typeface="HG丸ｺﾞｼｯｸM-PRO" pitchFamily="50" charset="-128"/>
-              </a:rPr>
-              <a:t>月</a:t>
-            </a:r>
-            <a:r>
-              <a:rPr lang="en-US" altLang="ja-JP" sz="2000" b="1" dirty="0">
-                <a:latin typeface="HG丸ｺﾞｼｯｸM-PRO" pitchFamily="50" charset="-128"/>
-                <a:ea typeface="HG丸ｺﾞｼｯｸM-PRO" pitchFamily="50" charset="-128"/>
-              </a:rPr>
-              <a:t>11</a:t>
-            </a:r>
-            <a:r>
-              <a:rPr lang="ja-JP" altLang="en-US" sz="2000" b="1" dirty="0">
-                <a:latin typeface="HG丸ｺﾞｼｯｸM-PRO" pitchFamily="50" charset="-128"/>
-                <a:ea typeface="HG丸ｺﾞｼｯｸM-PRO" pitchFamily="50" charset="-128"/>
-              </a:rPr>
-              <a:t>日</a:t>
-            </a:r>
-          </a:p>
-          <a:p>
-            <a:endParaRPr lang="ja-JP" altLang="en-US" sz="2000" b="1" dirty="0">
-              <a:latin typeface="HG丸ｺﾞｼｯｸM-PRO" pitchFamily="50" charset="-128"/>
-              <a:ea typeface="HG丸ｺﾞｼｯｸM-PRO" pitchFamily="50" charset="-128"/>
-            </a:endParaRPr>
-          </a:p>
-          <a:p>
-            <a:r>
-              <a:rPr lang="ja-JP" altLang="en-US" sz="2000" b="1" dirty="0">
-                <a:latin typeface="HG丸ｺﾞｼｯｸM-PRO" pitchFamily="50" charset="-128"/>
-                <a:ea typeface="HG丸ｺﾞｼｯｸM-PRO" pitchFamily="50" charset="-128"/>
-              </a:rPr>
-              <a:t>資本</a:t>
-            </a:r>
-            <a:r>
-              <a:rPr lang="ja-JP" altLang="en-US" sz="2000" b="1" dirty="0" smtClean="0">
-                <a:latin typeface="HG丸ｺﾞｼｯｸM-PRO" pitchFamily="50" charset="-128"/>
-                <a:ea typeface="HG丸ｺﾞｼｯｸM-PRO" pitchFamily="50" charset="-128"/>
-              </a:rPr>
-              <a:t>金等</a:t>
-            </a:r>
-            <a:r>
-              <a:rPr lang="en-US" altLang="ja-JP" sz="2000" b="1" dirty="0" smtClean="0">
-                <a:latin typeface="HG丸ｺﾞｼｯｸM-PRO" pitchFamily="50" charset="-128"/>
-                <a:ea typeface="HG丸ｺﾞｼｯｸM-PRO" pitchFamily="50" charset="-128"/>
-              </a:rPr>
-              <a:t>	</a:t>
-            </a:r>
-            <a:r>
-              <a:rPr lang="en-US" altLang="zh-TW" sz="2000" b="1" dirty="0" smtClean="0">
-                <a:latin typeface="HG丸ｺﾞｼｯｸM-PRO" pitchFamily="50" charset="-128"/>
-                <a:ea typeface="HG丸ｺﾞｼｯｸM-PRO" pitchFamily="50" charset="-128"/>
-              </a:rPr>
-              <a:t>1</a:t>
-            </a:r>
-            <a:r>
-              <a:rPr lang="zh-TW" altLang="en-US" sz="2000" b="1" dirty="0" smtClean="0">
-                <a:latin typeface="HG丸ｺﾞｼｯｸM-PRO" pitchFamily="50" charset="-128"/>
-                <a:ea typeface="HG丸ｺﾞｼｯｸM-PRO" pitchFamily="50" charset="-128"/>
-              </a:rPr>
-              <a:t>億</a:t>
-            </a:r>
-            <a:r>
-              <a:rPr lang="en-US" altLang="zh-TW" sz="2000" b="1" dirty="0" smtClean="0">
-                <a:latin typeface="HG丸ｺﾞｼｯｸM-PRO" pitchFamily="50" charset="-128"/>
-                <a:ea typeface="HG丸ｺﾞｼｯｸM-PRO" pitchFamily="50" charset="-128"/>
-              </a:rPr>
-              <a:t>6,460</a:t>
-            </a:r>
-            <a:r>
-              <a:rPr lang="zh-TW" altLang="en-US" sz="2000" b="1" dirty="0" smtClean="0">
-                <a:latin typeface="HG丸ｺﾞｼｯｸM-PRO" pitchFamily="50" charset="-128"/>
-                <a:ea typeface="HG丸ｺﾞｼｯｸM-PRO" pitchFamily="50" charset="-128"/>
-              </a:rPr>
-              <a:t>万円</a:t>
-            </a:r>
-            <a:r>
-              <a:rPr lang="en-US" altLang="zh-TW" sz="2000" b="1" dirty="0" smtClean="0">
-                <a:latin typeface="HG丸ｺﾞｼｯｸM-PRO" pitchFamily="50" charset="-128"/>
-                <a:ea typeface="HG丸ｺﾞｼｯｸM-PRO" pitchFamily="50" charset="-128"/>
-              </a:rPr>
-              <a:t>(</a:t>
-            </a:r>
-            <a:r>
-              <a:rPr lang="zh-TW" altLang="en-US" sz="2000" b="1" dirty="0" smtClean="0">
-                <a:latin typeface="HG丸ｺﾞｼｯｸM-PRO" pitchFamily="50" charset="-128"/>
-                <a:ea typeface="HG丸ｺﾞｼｯｸM-PRO" pitchFamily="50" charset="-128"/>
-              </a:rPr>
-              <a:t>内資本準備金</a:t>
-            </a:r>
-            <a:r>
-              <a:rPr lang="en-US" altLang="zh-TW" sz="2000" b="1" dirty="0" smtClean="0">
-                <a:latin typeface="HG丸ｺﾞｼｯｸM-PRO" pitchFamily="50" charset="-128"/>
-                <a:ea typeface="HG丸ｺﾞｼｯｸM-PRO" pitchFamily="50" charset="-128"/>
-              </a:rPr>
-              <a:t>8,230</a:t>
-            </a:r>
-            <a:r>
-              <a:rPr lang="zh-TW" altLang="en-US" sz="2000" b="1" dirty="0" smtClean="0">
-                <a:latin typeface="HG丸ｺﾞｼｯｸM-PRO" pitchFamily="50" charset="-128"/>
-                <a:ea typeface="HG丸ｺﾞｼｯｸM-PRO" pitchFamily="50" charset="-128"/>
-              </a:rPr>
-              <a:t>万円</a:t>
-            </a:r>
-            <a:r>
-              <a:rPr lang="en-US" altLang="zh-TW" sz="2000" b="1" dirty="0" smtClean="0">
-                <a:latin typeface="HG丸ｺﾞｼｯｸM-PRO" pitchFamily="50" charset="-128"/>
-                <a:ea typeface="HG丸ｺﾞｼｯｸM-PRO" pitchFamily="50" charset="-128"/>
-              </a:rPr>
-              <a:t>)</a:t>
-            </a:r>
-            <a:br>
-              <a:rPr lang="en-US" altLang="zh-TW" sz="2000" b="1" dirty="0" smtClean="0">
-                <a:latin typeface="HG丸ｺﾞｼｯｸM-PRO" pitchFamily="50" charset="-128"/>
-                <a:ea typeface="HG丸ｺﾞｼｯｸM-PRO" pitchFamily="50" charset="-128"/>
-              </a:rPr>
-            </a:br>
-            <a:endParaRPr lang="ja-JP" altLang="en-US" sz="2000" b="1" dirty="0">
-              <a:latin typeface="HG丸ｺﾞｼｯｸM-PRO" pitchFamily="50" charset="-128"/>
-              <a:ea typeface="HG丸ｺﾞｼｯｸM-PRO" pitchFamily="50" charset="-128"/>
-            </a:endParaRPr>
-          </a:p>
-          <a:p>
-            <a:r>
-              <a:rPr lang="ja-JP" altLang="en-US" sz="2000" b="1" dirty="0" smtClean="0">
-                <a:latin typeface="HG丸ｺﾞｼｯｸM-PRO" pitchFamily="50" charset="-128"/>
-                <a:ea typeface="HG丸ｺﾞｼｯｸM-PRO" pitchFamily="50" charset="-128"/>
-              </a:rPr>
-              <a:t>事業内容　</a:t>
-            </a:r>
-            <a:r>
-              <a:rPr lang="en-US" altLang="ja-JP" sz="2000" b="1" dirty="0" smtClean="0">
-                <a:latin typeface="HG丸ｺﾞｼｯｸM-PRO" pitchFamily="50" charset="-128"/>
-                <a:ea typeface="HG丸ｺﾞｼｯｸM-PRO" pitchFamily="50" charset="-128"/>
-              </a:rPr>
-              <a:t>	</a:t>
-            </a:r>
-            <a:r>
-              <a:rPr lang="ja-JP" altLang="en-US" sz="2000" b="1" dirty="0" smtClean="0">
-                <a:latin typeface="HG丸ｺﾞｼｯｸM-PRO" pitchFamily="50" charset="-128"/>
-                <a:ea typeface="HG丸ｺﾞｼｯｸM-PRO" pitchFamily="50" charset="-128"/>
-              </a:rPr>
-              <a:t>名刺</a:t>
-            </a:r>
-            <a:r>
-              <a:rPr lang="ja-JP" altLang="en-US" sz="2000" b="1" dirty="0">
-                <a:latin typeface="HG丸ｺﾞｼｯｸM-PRO" pitchFamily="50" charset="-128"/>
-                <a:ea typeface="HG丸ｺﾞｼｯｸM-PRO" pitchFamily="50" charset="-128"/>
-              </a:rPr>
-              <a:t>管理クラウドサービスの企画・開発・</a:t>
-            </a:r>
-            <a:r>
-              <a:rPr lang="ja-JP" altLang="en-US" sz="2000" b="1" dirty="0" smtClean="0">
-                <a:latin typeface="HG丸ｺﾞｼｯｸM-PRO" pitchFamily="50" charset="-128"/>
-                <a:ea typeface="HG丸ｺﾞｼｯｸM-PRO" pitchFamily="50" charset="-128"/>
-              </a:rPr>
-              <a:t>販売</a:t>
-            </a:r>
-            <a:endParaRPr lang="en-US" altLang="ja-JP" sz="2000" b="1" dirty="0" smtClean="0">
-              <a:latin typeface="HG丸ｺﾞｼｯｸM-PRO" pitchFamily="50" charset="-128"/>
-              <a:ea typeface="HG丸ｺﾞｼｯｸM-PRO" pitchFamily="50" charset="-128"/>
-            </a:endParaRPr>
-          </a:p>
-          <a:p>
-            <a:endParaRPr lang="ja-JP" altLang="en-US" dirty="0"/>
-          </a:p>
-        </p:txBody>
-      </p:sp>
-      <p:sp>
-        <p:nvSpPr>
-          <p:cNvPr id="5" name="テキスト ボックス 4"/>
+        </p:txBody>
+      </p:sp>
+      <p:sp>
+        <p:nvSpPr>
+          <p:cNvPr id="8" name="テキスト ボックス 7"/>
           <p:cNvSpPr txBox="1"/>
           <p:nvPr/>
         </p:nvSpPr>
@@ -5574,7 +6668,9 @@
                     <a:lumMod val="75000"/>
                   </a:schemeClr>
                 </a:solidFill>
-                <a:latin typeface="Century" pitchFamily="18" charset="0"/>
+                <a:latin typeface="MigMix 1P" pitchFamily="50" charset="-128"/>
+                <a:ea typeface="MigMix 1P" pitchFamily="50" charset="-128"/>
+                <a:cs typeface="MigMix 1P" pitchFamily="50" charset="-128"/>
               </a:rPr>
               <a:t>Sansan.Inc</a:t>
             </a:r>
@@ -5589,213 +6685,9 @@
                   <a:srgbClr val="A388C4"/>
                 </a:solidFill>
               </a:uFill>
-              <a:latin typeface="Century" pitchFamily="18" charset="0"/>
-            </a:endParaRPr>
-          </a:p>
-        </p:txBody>
-      </p:sp>
-      <p:sp>
-        <p:nvSpPr>
-          <p:cNvPr id="6" name="テキスト ボックス 5"/>
-          <p:cNvSpPr txBox="1"/>
-          <p:nvPr/>
-        </p:nvSpPr>
-        <p:spPr>
-          <a:xfrm>
-            <a:off x="6660232" y="188640"/>
-            <a:ext cx="1944216" cy="584775"/>
-          </a:xfrm>
-          <a:prstGeom prst="rect">
-            <a:avLst/>
-          </a:prstGeom>
-          <a:noFill/>
-        </p:spPr>
-        <p:txBody>
-          <a:bodyPr wrap="square" rtlCol="0">
-            <a:spAutoFit/>
-          </a:bodyPr>
-          <a:lstStyle/>
-          <a:p>
-            <a:r>
-              <a:rPr kumimoji="1" lang="ja-JP" altLang="en-US" sz="3200" dirty="0" smtClean="0">
-                <a:latin typeface="HGS明朝E" pitchFamily="18" charset="-128"/>
-                <a:ea typeface="HGS明朝E" pitchFamily="18" charset="-128"/>
-              </a:rPr>
-              <a:t>会社概要</a:t>
-            </a:r>
-            <a:endParaRPr kumimoji="1" lang="ja-JP" altLang="en-US" sz="3200" dirty="0">
-              <a:latin typeface="HGS明朝E" pitchFamily="18" charset="-128"/>
-              <a:ea typeface="HGS明朝E" pitchFamily="18" charset="-128"/>
-            </a:endParaRPr>
-          </a:p>
-        </p:txBody>
-      </p:sp>
-    </p:spTree>
-  </p:cSld>
-  <p:clrMapOvr>
-    <a:masterClrMapping/>
-  </p:clrMapOvr>
-  <p:transition>
-    <p:fade/>
-  </p:transition>
-  <p:timing>
-    <p:tnLst>
-      <p:par>
-        <p:cTn id="1" dur="indefinite" restart="never" nodeType="tmRoot"/>
-      </p:par>
-    </p:tnLst>
-  </p:timing>
-</p:sld>
-</file>
-
-<file path=ppt/slides/slide4.xml><?xml version="1.0" encoding="utf-8"?>
-<p:sld xmlns:a="http://schemas.openxmlformats.org/drawingml/2006/main" xmlns:r="http://schemas.openxmlformats.org/officeDocument/2006/relationships" xmlns:p="http://schemas.openxmlformats.org/presentationml/2006/main">
-  <p:cSld>
-    <p:spTree>
-      <p:nvGrpSpPr>
-        <p:cNvPr id="1" name=""/>
-        <p:cNvGrpSpPr/>
-        <p:nvPr/>
-      </p:nvGrpSpPr>
-      <p:grpSpPr>
-        <a:xfrm>
-          <a:off x="0" y="0"/>
-          <a:ext cx="0" cy="0"/>
-          <a:chOff x="0" y="0"/>
-          <a:chExt cx="0" cy="0"/>
-        </a:xfrm>
-      </p:grpSpPr>
-      <p:sp>
-        <p:nvSpPr>
-          <p:cNvPr id="3" name="テキスト ボックス 2"/>
-          <p:cNvSpPr txBox="1"/>
-          <p:nvPr/>
-        </p:nvSpPr>
-        <p:spPr>
-          <a:xfrm>
-            <a:off x="395536" y="1700808"/>
-            <a:ext cx="9540552" cy="1446550"/>
-          </a:xfrm>
-          <a:prstGeom prst="rect">
-            <a:avLst/>
-          </a:prstGeom>
-          <a:noFill/>
-        </p:spPr>
-        <p:txBody>
-          <a:bodyPr wrap="square" rtlCol="0">
-            <a:spAutoFit/>
-          </a:bodyPr>
-          <a:lstStyle/>
-          <a:p>
-            <a:r>
-              <a:rPr lang="en-US" altLang="ja-JP" sz="4400" dirty="0" smtClean="0">
-                <a:latin typeface="HGS明朝E" pitchFamily="18" charset="-128"/>
-                <a:ea typeface="HGS明朝E" pitchFamily="18" charset="-128"/>
-              </a:rPr>
-              <a:t>｢</a:t>
-            </a:r>
-            <a:r>
-              <a:rPr lang="ja-JP" altLang="en-US" sz="4400" dirty="0">
-                <a:latin typeface="HGS明朝E" pitchFamily="18" charset="-128"/>
-                <a:ea typeface="HGS明朝E" pitchFamily="18" charset="-128"/>
-              </a:rPr>
-              <a:t>ビジネスの出会い</a:t>
-            </a:r>
-            <a:r>
-              <a:rPr lang="ja-JP" altLang="en-US" sz="4400" dirty="0" smtClean="0">
-                <a:latin typeface="HGS明朝E" pitchFamily="18" charset="-128"/>
-                <a:ea typeface="HGS明朝E" pitchFamily="18" charset="-128"/>
-              </a:rPr>
-              <a:t>を資産</a:t>
-            </a:r>
-            <a:r>
-              <a:rPr lang="ja-JP" altLang="en-US" sz="4400" dirty="0">
-                <a:latin typeface="HGS明朝E" pitchFamily="18" charset="-128"/>
-                <a:ea typeface="HGS明朝E" pitchFamily="18" charset="-128"/>
-              </a:rPr>
-              <a:t>に変え</a:t>
-            </a:r>
-            <a:r>
-              <a:rPr lang="ja-JP" altLang="en-US" sz="4400" dirty="0" smtClean="0">
-                <a:latin typeface="HGS明朝E" pitchFamily="18" charset="-128"/>
-                <a:ea typeface="HGS明朝E" pitchFamily="18" charset="-128"/>
-              </a:rPr>
-              <a:t>、</a:t>
-            </a:r>
-            <a:r>
-              <a:rPr lang="en-US" altLang="ja-JP" sz="4400" dirty="0" smtClean="0">
-                <a:latin typeface="HGS明朝E" pitchFamily="18" charset="-128"/>
-                <a:ea typeface="HGS明朝E" pitchFamily="18" charset="-128"/>
-              </a:rPr>
-              <a:t>			</a:t>
-            </a:r>
-            <a:r>
-              <a:rPr lang="ja-JP" altLang="en-US" sz="4400" dirty="0" smtClean="0">
-                <a:latin typeface="HGS明朝E" pitchFamily="18" charset="-128"/>
-                <a:ea typeface="HGS明朝E" pitchFamily="18" charset="-128"/>
-              </a:rPr>
-              <a:t>働き方を革新する」</a:t>
-            </a:r>
-            <a:endParaRPr kumimoji="1" lang="ja-JP" altLang="en-US" sz="4400" dirty="0">
-              <a:latin typeface="HGS明朝E" pitchFamily="18" charset="-128"/>
-              <a:ea typeface="HGS明朝E" pitchFamily="18" charset="-128"/>
-            </a:endParaRPr>
-          </a:p>
-        </p:txBody>
-      </p:sp>
-      <p:sp>
-        <p:nvSpPr>
-          <p:cNvPr id="8" name="テキスト ボックス 7"/>
-          <p:cNvSpPr txBox="1"/>
-          <p:nvPr/>
-        </p:nvSpPr>
-        <p:spPr>
-          <a:xfrm>
-            <a:off x="-468560" y="116632"/>
-            <a:ext cx="9721080" cy="707886"/>
-          </a:xfrm>
-          <a:prstGeom prst="rect">
-            <a:avLst/>
-          </a:prstGeom>
-          <a:noFill/>
-          <a:ln w="57150" cmpd="thickThin">
-            <a:solidFill>
-              <a:schemeClr val="accent1">
-                <a:lumMod val="75000"/>
-              </a:schemeClr>
-            </a:solidFill>
-          </a:ln>
-        </p:spPr>
-        <p:txBody>
-          <a:bodyPr wrap="square" rtlCol="0">
-            <a:spAutoFit/>
-          </a:bodyPr>
-          <a:lstStyle/>
-          <a:p>
-            <a:pPr algn="ctr"/>
-            <a:r>
-              <a:rPr lang="en-US" altLang="ja-JP" sz="4000" b="1" dirty="0" err="1">
-                <a:solidFill>
-                  <a:schemeClr val="accent1">
-                    <a:lumMod val="75000"/>
-                  </a:schemeClr>
-                </a:solidFill>
-                <a:latin typeface="Century" pitchFamily="18" charset="0"/>
-              </a:rPr>
-              <a:t>Sansan.Inc</a:t>
-            </a:r>
-            <a:endParaRPr lang="en-US" altLang="ja-JP" sz="4000" dirty="0" smtClean="0">
-              <a:solidFill>
-                <a:schemeClr val="accent1">
-                  <a:lumMod val="75000"/>
-                </a:schemeClr>
-              </a:solidFill>
-              <a:uFill>
-                <a:solidFill>
-                  <a:srgbClr val="A388C4"/>
-                </a:solidFill>
-              </a:uFill>
-              <a:latin typeface="Century" pitchFamily="18" charset="0"/>
+              <a:latin typeface="MigMix 1P" pitchFamily="50" charset="-128"/>
+              <a:ea typeface="MigMix 1P" pitchFamily="50" charset="-128"/>
+              <a:cs typeface="MigMix 1P" pitchFamily="50" charset="-128"/>
             </a:endParaRPr>
           </a:p>
         </p:txBody>
@@ -5816,8 +6708,8 @@
         </p:blipFill>
         <p:spPr>
           <a:xfrm>
-            <a:off x="971600" y="3645024"/>
-            <a:ext cx="6302005" cy="969540"/>
+            <a:off x="820898" y="3797948"/>
+            <a:ext cx="6271382" cy="855188"/>
           </a:xfrm>
           <a:prstGeom prst="rect">
             <a:avLst/>
@@ -5871,15 +6763,17 @@
           <a:lstStyle/>
           <a:p>
             <a:r>
-              <a:rPr kumimoji="1" lang="ja-JP" altLang="en-US" sz="3200" dirty="0" smtClean="0">
-                <a:latin typeface="HGS明朝E" pitchFamily="18" charset="-128"/>
-                <a:ea typeface="HGS明朝E" pitchFamily="18" charset="-128"/>
+              <a:rPr lang="ja-JP" altLang="en-US" sz="3200" b="1" dirty="0" smtClean="0">
+                <a:latin typeface="MigMix 1P" pitchFamily="50" charset="-128"/>
+                <a:ea typeface="MigMix 1P" pitchFamily="50" charset="-128"/>
+                <a:cs typeface="MigMix 1P" pitchFamily="50" charset="-128"/>
               </a:rPr>
               <a:t>サービス</a:t>
             </a:r>
-            <a:endParaRPr kumimoji="1" lang="ja-JP" altLang="en-US" sz="3200" dirty="0">
-              <a:latin typeface="HGS明朝E" pitchFamily="18" charset="-128"/>
-              <a:ea typeface="HGS明朝E" pitchFamily="18" charset="-128"/>
+            <a:endParaRPr lang="ja-JP" altLang="en-US" sz="3200" b="1" dirty="0">
+              <a:latin typeface="MigMix 1P" pitchFamily="50" charset="-128"/>
+              <a:ea typeface="MigMix 1P" pitchFamily="50" charset="-128"/>
+              <a:cs typeface="MigMix 1P" pitchFamily="50" charset="-128"/>
             </a:endParaRPr>
           </a:p>
         </p:txBody>
@@ -5938,7 +6832,7 @@
                                     </p:set>
                                     <p:animEffect transition="in" filter="fade">
                                       <p:cBhvr>
-                                        <p:cTn id="7" dur="2000"/>
+                                        <p:cTn id="7" dur="1000"/>
                                         <p:tgtEl>
                                           <p:spTgt spid="3"/>
                                         </p:tgtEl>
@@ -5946,7 +6840,7 @@
                                     </p:animEffect>
                                     <p:anim calcmode="lin" valueType="num">
                                       <p:cBhvr>
-                                        <p:cTn id="8" dur="2000" fill="hold"/>
+                                        <p:cTn id="8" dur="1000" fill="hold"/>
                                         <p:tgtEl>
                                           <p:spTgt spid="3"/>
                                         </p:tgtEl>
@@ -5969,7 +6863,7 @@
                                     </p:anim>
                                     <p:anim calcmode="lin" valueType="num">
                                       <p:cBhvr>
-                                        <p:cTn id="9" dur="2000" fill="hold"/>
+                                        <p:cTn id="9" dur="1000" fill="hold"/>
                                         <p:tgtEl>
                                           <p:spTgt spid="3"/>
                                         </p:tgtEl>
@@ -6115,7 +7009,7 @@
 </p:sld>
 </file>
 
-<file path=ppt/slides/slide5.xml><?xml version="1.0" encoding="utf-8"?>
+<file path=ppt/slides/slide4.xml><?xml version="1.0" encoding="utf-8"?>
 <p:sld xmlns:a="http://schemas.openxmlformats.org/drawingml/2006/main" xmlns:r="http://schemas.openxmlformats.org/officeDocument/2006/relationships" xmlns:p="http://schemas.openxmlformats.org/presentationml/2006/main">
   <p:cSld>
     <p:spTree>
@@ -6169,7 +7063,9 @@
                     <a:lumMod val="75000"/>
                   </a:schemeClr>
                 </a:solidFill>
-                <a:latin typeface="Century" pitchFamily="18" charset="0"/>
+                <a:latin typeface="MigMix 1P" pitchFamily="50" charset="-128"/>
+                <a:ea typeface="MigMix 1P" pitchFamily="50" charset="-128"/>
+                <a:cs typeface="MigMix 1P" pitchFamily="50" charset="-128"/>
               </a:rPr>
               <a:t>Sansan.Inc</a:t>
             </a:r>
@@ -6184,35 +7080,13 @@
                   <a:srgbClr val="A388C4"/>
                 </a:solidFill>
               </a:uFill>
-              <a:latin typeface="Century" pitchFamily="18" charset="0"/>
+              <a:latin typeface="MigMix 1P" pitchFamily="50" charset="-128"/>
+              <a:ea typeface="MigMix 1P" pitchFamily="50" charset="-128"/>
+              <a:cs typeface="MigMix 1P" pitchFamily="50" charset="-128"/>
             </a:endParaRPr>
           </a:p>
         </p:txBody>
       </p:sp>
-      <p:pic>
-        <p:nvPicPr>
-          <p:cNvPr id="5" name="図 4" descr="logo_lk.gif"/>
-          <p:cNvPicPr>
-            <a:picLocks noChangeAspect="1"/>
-          </p:cNvPicPr>
-          <p:nvPr/>
-        </p:nvPicPr>
-        <p:blipFill>
-          <a:blip r:embed="rId3" cstate="print"/>
-          <a:stretch>
-            <a:fillRect/>
-          </a:stretch>
-        </p:blipFill>
-        <p:spPr>
-          <a:xfrm>
-            <a:off x="612279" y="1224558"/>
-            <a:ext cx="4967833" cy="764282"/>
-          </a:xfrm>
-          <a:prstGeom prst="rect">
-            <a:avLst/>
-          </a:prstGeom>
-        </p:spPr>
-      </p:pic>
       <p:grpSp>
         <p:nvGrpSpPr>
           <p:cNvPr id="10" name="グループ化 9"/>
@@ -6236,7 +7110,7 @@
             <p:nvPr/>
           </p:nvPicPr>
           <p:blipFill>
-            <a:blip r:embed="rId4" cstate="print"/>
+            <a:blip r:embed="rId3" cstate="print"/>
             <a:stretch>
               <a:fillRect/>
             </a:stretch>
@@ -6322,8 +7196,9 @@
                   <a:solidFill>
                     <a:schemeClr val="bg1"/>
                   </a:solidFill>
-                  <a:latin typeface="HGPｺﾞｼｯｸE" pitchFamily="50" charset="-128"/>
-                  <a:ea typeface="HGPｺﾞｼｯｸE" pitchFamily="50" charset="-128"/>
+                  <a:latin typeface="MigMix 1P" pitchFamily="50" charset="-128"/>
+                  <a:ea typeface="MigMix 1P" pitchFamily="50" charset="-128"/>
+                  <a:cs typeface="MigMix 1P" pitchFamily="50" charset="-128"/>
                 </a:rPr>
                 <a:t>名刺をスキャン</a:t>
               </a:r>
@@ -6331,8 +7206,9 @@
                 <a:solidFill>
                   <a:schemeClr val="bg1"/>
                 </a:solidFill>
-                <a:latin typeface="HGPｺﾞｼｯｸE" pitchFamily="50" charset="-128"/>
-                <a:ea typeface="HGPｺﾞｼｯｸE" pitchFamily="50" charset="-128"/>
+                <a:latin typeface="MigMix 1P" pitchFamily="50" charset="-128"/>
+                <a:ea typeface="MigMix 1P" pitchFamily="50" charset="-128"/>
+                <a:cs typeface="MigMix 1P" pitchFamily="50" charset="-128"/>
               </a:endParaRPr>
             </a:p>
           </p:txBody>
@@ -6361,7 +7237,7 @@
             <p:nvPr/>
           </p:nvPicPr>
           <p:blipFill>
-            <a:blip r:embed="rId5" cstate="print"/>
+            <a:blip r:embed="rId4" cstate="print"/>
             <a:stretch>
               <a:fillRect/>
             </a:stretch>
@@ -6447,8 +7323,9 @@
                   <a:solidFill>
                     <a:schemeClr val="bg1"/>
                   </a:solidFill>
-                  <a:latin typeface="HGPｺﾞｼｯｸE" pitchFamily="50" charset="-128"/>
-                  <a:ea typeface="HGPｺﾞｼｯｸE" pitchFamily="50" charset="-128"/>
+                  <a:latin typeface="MigMix 1P" pitchFamily="50" charset="-128"/>
+                  <a:ea typeface="MigMix 1P" pitchFamily="50" charset="-128"/>
+                  <a:cs typeface="MigMix 1P" pitchFamily="50" charset="-128"/>
                 </a:rPr>
                 <a:t>名刺情報の活用</a:t>
               </a:r>
@@ -6456,8 +7333,9 @@
                 <a:solidFill>
                   <a:schemeClr val="bg1"/>
                 </a:solidFill>
-                <a:latin typeface="HGPｺﾞｼｯｸE" pitchFamily="50" charset="-128"/>
-                <a:ea typeface="HGPｺﾞｼｯｸE" pitchFamily="50" charset="-128"/>
+                <a:latin typeface="MigMix 1P" pitchFamily="50" charset="-128"/>
+                <a:ea typeface="MigMix 1P" pitchFamily="50" charset="-128"/>
+                <a:cs typeface="MigMix 1P" pitchFamily="50" charset="-128"/>
               </a:endParaRPr>
             </a:p>
           </p:txBody>
@@ -6533,8 +7411,9 @@
                 <a:solidFill>
                   <a:schemeClr val="bg1"/>
                 </a:solidFill>
-                <a:latin typeface="HGPｺﾞｼｯｸE" pitchFamily="50" charset="-128"/>
-                <a:ea typeface="HGPｺﾞｼｯｸE" pitchFamily="50" charset="-128"/>
+                <a:latin typeface="MigMix 1P" pitchFamily="50" charset="-128"/>
+                <a:ea typeface="MigMix 1P" pitchFamily="50" charset="-128"/>
+                <a:cs typeface="MigMix 1P" pitchFamily="50" charset="-128"/>
               </a:rPr>
               <a:t>データ化</a:t>
             </a:r>
@@ -6563,56 +7442,126 @@
           <a:lstStyle/>
           <a:p>
             <a:r>
-              <a:rPr lang="ja-JP" altLang="en-US" sz="3200" dirty="0" smtClean="0">
-                <a:latin typeface="HGS創英ﾌﾟﾚｾﾞﾝｽEB" pitchFamily="18" charset="-128"/>
-                <a:ea typeface="HGS創英ﾌﾟﾚｾﾞﾝｽEB" pitchFamily="18" charset="-128"/>
-              </a:rPr>
-              <a:t>名刺をクラウドで管理・活用して</a:t>
-            </a:r>
-            <a:r>
-              <a:rPr lang="ja-JP" altLang="en-US" sz="3200" dirty="0" smtClean="0">
-                <a:latin typeface="HGS創英ﾌﾟﾚｾﾞﾝｽEB" pitchFamily="18" charset="-128"/>
-                <a:ea typeface="HGS創英ﾌﾟﾚｾﾞﾝｽEB" pitchFamily="18" charset="-128"/>
-              </a:rPr>
-              <a:t>、</a:t>
-            </a:r>
-            <a:endParaRPr lang="en-US" altLang="ja-JP" sz="3200" dirty="0" smtClean="0">
-              <a:latin typeface="HGS創英ﾌﾟﾚｾﾞﾝｽEB" pitchFamily="18" charset="-128"/>
-              <a:ea typeface="HGS創英ﾌﾟﾚｾﾞﾝｽEB" pitchFamily="18" charset="-128"/>
+              <a:rPr lang="ja-JP" altLang="en-US" sz="3200" b="1" dirty="0" smtClean="0">
+                <a:latin typeface="MigMix 1P" pitchFamily="50" charset="-128"/>
+                <a:ea typeface="MigMix 1P" pitchFamily="50" charset="-128"/>
+                <a:cs typeface="MigMix 1P" pitchFamily="50" charset="-128"/>
+              </a:rPr>
+              <a:t>名刺をクラウドで管理・活用して、</a:t>
+            </a:r>
+            <a:endParaRPr lang="en-US" altLang="ja-JP" sz="3200" b="1" dirty="0" smtClean="0">
+              <a:latin typeface="MigMix 1P" pitchFamily="50" charset="-128"/>
+              <a:ea typeface="MigMix 1P" pitchFamily="50" charset="-128"/>
+              <a:cs typeface="MigMix 1P" pitchFamily="50" charset="-128"/>
             </a:endParaRPr>
           </a:p>
           <a:p>
             <a:r>
-              <a:rPr lang="en-US" altLang="ja-JP" sz="3200" dirty="0" smtClean="0">
-                <a:latin typeface="HGS創英ﾌﾟﾚｾﾞﾝｽEB" pitchFamily="18" charset="-128"/>
-                <a:ea typeface="HGS創英ﾌﾟﾚｾﾞﾝｽEB" pitchFamily="18" charset="-128"/>
+              <a:rPr lang="en-US" altLang="ja-JP" sz="3200" b="1" dirty="0" smtClean="0">
+                <a:latin typeface="MigMix 1P" pitchFamily="50" charset="-128"/>
+                <a:ea typeface="MigMix 1P" pitchFamily="50" charset="-128"/>
+                <a:cs typeface="MigMix 1P" pitchFamily="50" charset="-128"/>
               </a:rPr>
               <a:t>		</a:t>
             </a:r>
             <a:r>
-              <a:rPr lang="ja-JP" altLang="en-US" sz="3600" dirty="0" smtClean="0">
-                <a:latin typeface="HGS創英ﾌﾟﾚｾﾞﾝｽEB" pitchFamily="18" charset="-128"/>
-                <a:ea typeface="HGS創英ﾌﾟﾚｾﾞﾝｽEB" pitchFamily="18" charset="-128"/>
-              </a:rPr>
-              <a:t>収益</a:t>
-            </a:r>
-            <a:r>
-              <a:rPr lang="ja-JP" altLang="en-US" sz="3600" dirty="0" smtClean="0">
-                <a:latin typeface="HGS創英ﾌﾟﾚｾﾞﾝｽEB" pitchFamily="18" charset="-128"/>
-                <a:ea typeface="HGS創英ﾌﾟﾚｾﾞﾝｽEB" pitchFamily="18" charset="-128"/>
-              </a:rPr>
-              <a:t>最大化</a:t>
-            </a:r>
-            <a:r>
-              <a:rPr lang="ja-JP" altLang="en-US" sz="3200" dirty="0" smtClean="0">
-                <a:latin typeface="HGS創英ﾌﾟﾚｾﾞﾝｽEB" pitchFamily="18" charset="-128"/>
-                <a:ea typeface="HGS創英ﾌﾟﾚｾﾞﾝｽEB" pitchFamily="18" charset="-128"/>
+              <a:rPr lang="ja-JP" altLang="en-US" sz="3200" b="1" dirty="0" smtClean="0">
+                <a:latin typeface="MigMix 1P" pitchFamily="50" charset="-128"/>
+                <a:ea typeface="MigMix 1P" pitchFamily="50" charset="-128"/>
+                <a:cs typeface="MigMix 1P" pitchFamily="50" charset="-128"/>
+              </a:rPr>
+              <a:t>　</a:t>
+            </a:r>
+            <a:r>
+              <a:rPr lang="ja-JP" altLang="en-US" sz="3600" b="1" dirty="0" smtClean="0">
+                <a:latin typeface="MigMix 1P" pitchFamily="50" charset="-128"/>
+                <a:ea typeface="MigMix 1P" pitchFamily="50" charset="-128"/>
+                <a:cs typeface="MigMix 1P" pitchFamily="50" charset="-128"/>
+              </a:rPr>
+              <a:t>収益最大化</a:t>
+            </a:r>
+            <a:r>
+              <a:rPr lang="ja-JP" altLang="en-US" sz="3200" b="1" dirty="0" smtClean="0">
+                <a:latin typeface="MigMix 1P" pitchFamily="50" charset="-128"/>
+                <a:ea typeface="MigMix 1P" pitchFamily="50" charset="-128"/>
+                <a:cs typeface="MigMix 1P" pitchFamily="50" charset="-128"/>
               </a:rPr>
               <a:t>を支援するサービス</a:t>
             </a:r>
-            <a:endParaRPr lang="ja-JP" altLang="en-US" sz="3200" dirty="0">
-              <a:latin typeface="HGS創英ﾌﾟﾚｾﾞﾝｽEB" pitchFamily="18" charset="-128"/>
-              <a:ea typeface="HGS創英ﾌﾟﾚｾﾞﾝｽEB" pitchFamily="18" charset="-128"/>
+            <a:endParaRPr lang="ja-JP" altLang="en-US" sz="3200" b="1" dirty="0">
+              <a:latin typeface="MigMix 1P" pitchFamily="50" charset="-128"/>
+              <a:ea typeface="MigMix 1P" pitchFamily="50" charset="-128"/>
+              <a:cs typeface="MigMix 1P" pitchFamily="50" charset="-128"/>
+            </a:endParaRPr>
+          </a:p>
+        </p:txBody>
+      </p:sp>
+      <p:pic>
+        <p:nvPicPr>
+          <p:cNvPr id="13" name="図 12" descr="logo_lk.gif"/>
+          <p:cNvPicPr>
+            <a:picLocks noChangeAspect="1"/>
+          </p:cNvPicPr>
+          <p:nvPr/>
+        </p:nvPicPr>
+        <p:blipFill>
+          <a:blip r:embed="rId5" cstate="print"/>
+          <a:stretch>
+            <a:fillRect/>
+          </a:stretch>
+        </p:blipFill>
+        <p:spPr>
+          <a:xfrm>
+            <a:off x="251520" y="1340768"/>
+            <a:ext cx="5280589" cy="720080"/>
+          </a:xfrm>
+          <a:prstGeom prst="rect">
+            <a:avLst/>
+          </a:prstGeom>
+        </p:spPr>
+      </p:pic>
+      <p:sp>
+        <p:nvSpPr>
+          <p:cNvPr id="14" name="テキスト ボックス 13"/>
+          <p:cNvSpPr txBox="1"/>
+          <p:nvPr/>
+        </p:nvSpPr>
+        <p:spPr>
+          <a:xfrm>
+            <a:off x="395536" y="6453336"/>
+            <a:ext cx="4824536" cy="338554"/>
+          </a:xfrm>
+          <a:prstGeom prst="rect">
+            <a:avLst/>
+          </a:prstGeom>
+          <a:noFill/>
+        </p:spPr>
+        <p:txBody>
+          <a:bodyPr wrap="square" rtlCol="0">
+            <a:spAutoFit/>
+          </a:bodyPr>
+          <a:lstStyle/>
+          <a:p>
+            <a:r>
+              <a:rPr lang="ja-JP" altLang="en-US" sz="1600" dirty="0" smtClean="0">
+                <a:latin typeface="MigMix 1P" pitchFamily="50" charset="-128"/>
+                <a:ea typeface="MigMix 1P" pitchFamily="50" charset="-128"/>
+                <a:cs typeface="MigMix 1P" pitchFamily="50" charset="-128"/>
+              </a:rPr>
+              <a:t>画像引用元：</a:t>
+            </a:r>
+            <a:r>
+              <a:rPr lang="en-US" altLang="ja-JP" sz="1600" dirty="0" smtClean="0">
+                <a:latin typeface="MigMix 1P" pitchFamily="50" charset="-128"/>
+                <a:ea typeface="MigMix 1P" pitchFamily="50" charset="-128"/>
+                <a:cs typeface="MigMix 1P" pitchFamily="50" charset="-128"/>
+              </a:rPr>
+              <a:t> www.linkknowledge.net</a:t>
+            </a:r>
+            <a:endParaRPr kumimoji="1" lang="ja-JP" altLang="en-US" sz="1600" dirty="0">
+              <a:latin typeface="MigMix 1P" pitchFamily="50" charset="-128"/>
+              <a:ea typeface="MigMix 1P" pitchFamily="50" charset="-128"/>
+              <a:cs typeface="MigMix 1P" pitchFamily="50" charset="-128"/>
             </a:endParaRPr>
           </a:p>
         </p:txBody>
@@ -6635,7 +7584,7 @@
 </p:sld>
 </file>
 
-<file path=ppt/slides/slide6.xml><?xml version="1.0" encoding="utf-8"?>
+<file path=ppt/slides/slide5.xml><?xml version="1.0" encoding="utf-8"?>
 <p:sld xmlns:a="http://schemas.openxmlformats.org/drawingml/2006/main" xmlns:r="http://schemas.openxmlformats.org/officeDocument/2006/relationships" xmlns:p="http://schemas.openxmlformats.org/presentationml/2006/main">
   <p:cSld>
     <p:spTree>
@@ -6674,29 +7623,33 @@
           <a:lstStyle/>
           <a:p>
             <a:r>
-              <a:rPr lang="en-US" altLang="ja-JP" sz="3600" dirty="0" smtClean="0">
-                <a:latin typeface="HGS創英ﾌﾟﾚｾﾞﾝｽEB" pitchFamily="18" charset="-128"/>
-                <a:ea typeface="HGS創英ﾌﾟﾚｾﾞﾝｽEB" pitchFamily="18" charset="-128"/>
+              <a:rPr lang="en-US" altLang="ja-JP" sz="3600" b="1" dirty="0" smtClean="0">
+                <a:latin typeface="MigMix 1P" pitchFamily="50" charset="-128"/>
+                <a:ea typeface="MigMix 1P" pitchFamily="50" charset="-128"/>
+                <a:cs typeface="MigMix 1P" pitchFamily="50" charset="-128"/>
               </a:rPr>
               <a:t>｢</a:t>
             </a:r>
             <a:r>
-              <a:rPr lang="ja-JP" altLang="en-US" sz="3600" dirty="0" smtClean="0">
-                <a:latin typeface="HGS創英ﾌﾟﾚｾﾞﾝｽEB" pitchFamily="18" charset="-128"/>
-                <a:ea typeface="HGS創英ﾌﾟﾚｾﾞﾝｽEB" pitchFamily="18" charset="-128"/>
+              <a:rPr lang="ja-JP" altLang="en-US" sz="3600" b="1" dirty="0" smtClean="0">
+                <a:latin typeface="MigMix 1P" pitchFamily="50" charset="-128"/>
+                <a:ea typeface="MigMix 1P" pitchFamily="50" charset="-128"/>
+                <a:cs typeface="MigMix 1P" pitchFamily="50" charset="-128"/>
               </a:rPr>
               <a:t>つなげて育つ名刺帳</a:t>
             </a:r>
             <a:r>
-              <a:rPr lang="en-US" altLang="ja-JP" sz="3600" dirty="0" smtClean="0">
-                <a:latin typeface="HGS創英ﾌﾟﾚｾﾞﾝｽEB" pitchFamily="18" charset="-128"/>
-                <a:ea typeface="HGS創英ﾌﾟﾚｾﾞﾝｽEB" pitchFamily="18" charset="-128"/>
+              <a:rPr lang="en-US" altLang="ja-JP" sz="3600" b="1" dirty="0" smtClean="0">
+                <a:latin typeface="MigMix 1P" pitchFamily="50" charset="-128"/>
+                <a:ea typeface="MigMix 1P" pitchFamily="50" charset="-128"/>
+                <a:cs typeface="MigMix 1P" pitchFamily="50" charset="-128"/>
               </a:rPr>
               <a:t>｣</a:t>
             </a:r>
-            <a:endParaRPr lang="ja-JP" altLang="en-US" sz="3600" dirty="0">
-              <a:latin typeface="HGS創英ﾌﾟﾚｾﾞﾝｽEB" pitchFamily="18" charset="-128"/>
-              <a:ea typeface="HGS創英ﾌﾟﾚｾﾞﾝｽEB" pitchFamily="18" charset="-128"/>
+            <a:endParaRPr lang="ja-JP" altLang="en-US" sz="3600" b="1" dirty="0">
+              <a:latin typeface="MigMix 1P" pitchFamily="50" charset="-128"/>
+              <a:ea typeface="MigMix 1P" pitchFamily="50" charset="-128"/>
+              <a:cs typeface="MigMix 1P" pitchFamily="50" charset="-128"/>
             </a:endParaRPr>
           </a:p>
         </p:txBody>
@@ -6738,22 +7691,21 @@
                     <a:lumMod val="75000"/>
                   </a:schemeClr>
                 </a:solidFill>
-                <a:latin typeface="Century" pitchFamily="18" charset="0"/>
+                <a:latin typeface="MigMix 1P" pitchFamily="50" charset="-128"/>
+                <a:ea typeface="MigMix 1P" pitchFamily="50" charset="-128"/>
+                <a:cs typeface="MigMix 1P" pitchFamily="50" charset="-128"/>
               </a:rPr>
               <a:t>Sansan.Inc</a:t>
             </a:r>
-            <a:endParaRPr lang="en-US" altLang="ja-JP" sz="4000" dirty="0" smtClean="0">
+            <a:endParaRPr lang="en-US" altLang="ja-JP" sz="4000" b="1" dirty="0" smtClean="0">
               <a:solidFill>
                 <a:schemeClr val="accent1">
                   <a:lumMod val="75000"/>
                 </a:schemeClr>
               </a:solidFill>
-              <a:uFill>
-                <a:solidFill>
-                  <a:srgbClr val="A388C4"/>
-                </a:solidFill>
-              </a:uFill>
-              <a:latin typeface="Century" pitchFamily="18" charset="0"/>
+              <a:latin typeface="MigMix 1P" pitchFamily="50" charset="-128"/>
+              <a:ea typeface="MigMix 1P" pitchFamily="50" charset="-128"/>
+              <a:cs typeface="MigMix 1P" pitchFamily="50" charset="-128"/>
             </a:endParaRPr>
           </a:p>
         </p:txBody>
@@ -6846,43 +7798,28 @@
             </a:pPr>
             <a:r>
               <a:rPr lang="ja-JP" altLang="en-US" sz="2000" b="1" dirty="0" smtClean="0">
-                <a:latin typeface="HG丸ｺﾞｼｯｸM-PRO" pitchFamily="50" charset="-128"/>
-                <a:ea typeface="HG丸ｺﾞｼｯｸM-PRO" pitchFamily="50" charset="-128"/>
-              </a:rPr>
-              <a:t>ユーザー</a:t>
+                <a:latin typeface="MigMix 1P" pitchFamily="50" charset="-128"/>
+                <a:ea typeface="MigMix 1P" pitchFamily="50" charset="-128"/>
+                <a:cs typeface="MigMix 1P" pitchFamily="50" charset="-128"/>
+              </a:rPr>
+              <a:t>ユーザー数</a:t>
+            </a:r>
+            <a:r>
+              <a:rPr lang="en-US" altLang="ja-JP" sz="2000" b="1" dirty="0" smtClean="0">
+                <a:latin typeface="MigMix 1P" pitchFamily="50" charset="-128"/>
+                <a:ea typeface="MigMix 1P" pitchFamily="50" charset="-128"/>
+                <a:cs typeface="MigMix 1P" pitchFamily="50" charset="-128"/>
+              </a:rPr>
+              <a:t>10</a:t>
             </a:r>
             <a:r>
               <a:rPr lang="ja-JP" altLang="en-US" sz="2000" b="1" dirty="0" smtClean="0">
-                <a:latin typeface="HG丸ｺﾞｼｯｸM-PRO" pitchFamily="50" charset="-128"/>
-                <a:ea typeface="HG丸ｺﾞｼｯｸM-PRO" pitchFamily="50" charset="-128"/>
-              </a:rPr>
-              <a:t>数</a:t>
-            </a:r>
-            <a:r>
-              <a:rPr lang="en-US" altLang="ja-JP" sz="2000" b="1" dirty="0" smtClean="0">
-                <a:latin typeface="HG丸ｺﾞｼｯｸM-PRO" pitchFamily="50" charset="-128"/>
-                <a:ea typeface="HG丸ｺﾞｼｯｸM-PRO" pitchFamily="50" charset="-128"/>
-              </a:rPr>
-              <a:t>10</a:t>
-            </a:r>
-            <a:r>
-              <a:rPr lang="ja-JP" altLang="en-US" sz="2000" b="1" dirty="0" smtClean="0">
-                <a:latin typeface="HG丸ｺﾞｼｯｸM-PRO" pitchFamily="50" charset="-128"/>
-                <a:ea typeface="HG丸ｺﾞｼｯｸM-PRO" pitchFamily="50" charset="-128"/>
-              </a:rPr>
-              <a:t>万人</a:t>
-            </a:r>
-            <a:r>
-              <a:rPr lang="ja-JP" altLang="en-US" sz="2000" b="1" dirty="0" smtClean="0">
-                <a:latin typeface="HG丸ｺﾞｼｯｸM-PRO" pitchFamily="50" charset="-128"/>
-                <a:ea typeface="HG丸ｺﾞｼｯｸM-PRO" pitchFamily="50" charset="-128"/>
-              </a:rPr>
-              <a:t>突破</a:t>
-            </a:r>
-            <a:endParaRPr lang="ja-JP" altLang="en-US" sz="2000" b="1" dirty="0" smtClean="0">
-              <a:latin typeface="HG丸ｺﾞｼｯｸM-PRO" pitchFamily="50" charset="-128"/>
-              <a:ea typeface="HG丸ｺﾞｼｯｸM-PRO" pitchFamily="50" charset="-128"/>
-            </a:endParaRPr>
+                <a:latin typeface="MigMix 1P" pitchFamily="50" charset="-128"/>
+                <a:ea typeface="MigMix 1P" pitchFamily="50" charset="-128"/>
+                <a:cs typeface="MigMix 1P" pitchFamily="50" charset="-128"/>
+              </a:rPr>
+              <a:t>万人突破</a:t>
+            </a:r>
           </a:p>
         </p:txBody>
       </p:sp>
@@ -6926,26 +7863,68 @@
             </a:pPr>
             <a:r>
               <a:rPr lang="ja-JP" altLang="en-US" sz="2000" b="1" dirty="0" smtClean="0">
+                <a:latin typeface="MigMix 1P" pitchFamily="50" charset="-128"/>
+                <a:ea typeface="MigMix 1P" pitchFamily="50" charset="-128"/>
+                <a:cs typeface="MigMix 1P" pitchFamily="50" charset="-128"/>
+              </a:rPr>
+              <a:t>ビジネスアプリ部門</a:t>
+            </a:r>
+            <a:r>
+              <a:rPr lang="en-US" altLang="ja-JP" sz="2000" b="1" dirty="0" smtClean="0">
+                <a:latin typeface="MigMix 1P" pitchFamily="50" charset="-128"/>
+                <a:ea typeface="MigMix 1P" pitchFamily="50" charset="-128"/>
+                <a:cs typeface="MigMix 1P" pitchFamily="50" charset="-128"/>
+              </a:rPr>
+              <a:t>1</a:t>
+            </a:r>
+            <a:r>
+              <a:rPr lang="ja-JP" altLang="en-US" sz="2000" b="1" dirty="0" smtClean="0">
+                <a:latin typeface="MigMix 1P" pitchFamily="50" charset="-128"/>
+                <a:ea typeface="MigMix 1P" pitchFamily="50" charset="-128"/>
+                <a:cs typeface="MigMix 1P" pitchFamily="50" charset="-128"/>
+              </a:rPr>
+              <a:t>位</a:t>
+            </a:r>
+          </a:p>
+        </p:txBody>
+      </p:sp>
+      <p:sp>
+        <p:nvSpPr>
+          <p:cNvPr id="9" name="テキスト ボックス 8"/>
+          <p:cNvSpPr txBox="1"/>
+          <p:nvPr/>
+        </p:nvSpPr>
+        <p:spPr>
+          <a:xfrm>
+            <a:off x="395536" y="6453336"/>
+            <a:ext cx="4032448" cy="338554"/>
+          </a:xfrm>
+          <a:prstGeom prst="rect">
+            <a:avLst/>
+          </a:prstGeom>
+          <a:noFill/>
+        </p:spPr>
+        <p:txBody>
+          <a:bodyPr wrap="square" rtlCol="0">
+            <a:spAutoFit/>
+          </a:bodyPr>
+          <a:lstStyle/>
+          <a:p>
+            <a:r>
+              <a:rPr lang="ja-JP" altLang="en-US" sz="1600" dirty="0" smtClean="0">
                 <a:latin typeface="HG丸ｺﾞｼｯｸM-PRO" pitchFamily="50" charset="-128"/>
                 <a:ea typeface="HG丸ｺﾞｼｯｸM-PRO" pitchFamily="50" charset="-128"/>
               </a:rPr>
-              <a:t>ビジネスアプリ部門</a:t>
-            </a:r>
-            <a:r>
-              <a:rPr lang="en-US" altLang="ja-JP" sz="2000" b="1" dirty="0" smtClean="0">
+              <a:t>画像引用元：</a:t>
+            </a:r>
+            <a:r>
+              <a:rPr lang="en-US" altLang="ja-JP" sz="1600" dirty="0" smtClean="0">
                 <a:latin typeface="HG丸ｺﾞｼｯｸM-PRO" pitchFamily="50" charset="-128"/>
                 <a:ea typeface="HG丸ｺﾞｼｯｸM-PRO" pitchFamily="50" charset="-128"/>
               </a:rPr>
-              <a:t>1</a:t>
-            </a:r>
-            <a:r>
-              <a:rPr lang="ja-JP" altLang="en-US" sz="2000" b="1" dirty="0" smtClean="0">
-                <a:latin typeface="HG丸ｺﾞｼｯｸM-PRO" pitchFamily="50" charset="-128"/>
-                <a:ea typeface="HG丸ｺﾞｼｯｸM-PRO" pitchFamily="50" charset="-128"/>
-              </a:rPr>
-              <a:t>位</a:t>
-            </a:r>
-            <a:endParaRPr lang="ja-JP" altLang="en-US" sz="2000" b="1" dirty="0" smtClean="0">
+              <a:t>8card.net</a:t>
+            </a:r>
+            <a:endParaRPr kumimoji="1" lang="ja-JP" altLang="en-US" sz="1600" dirty="0">
               <a:latin typeface="HG丸ｺﾞｼｯｸM-PRO" pitchFamily="50" charset="-128"/>
               <a:ea typeface="HG丸ｺﾞｼｯｸM-PRO" pitchFamily="50" charset="-128"/>
             </a:endParaRPr>
@@ -6970,7 +7949,7 @@
 </p:sld>
 </file>
 
-<file path=ppt/slides/slide7.xml><?xml version="1.0" encoding="utf-8"?>
+<file path=ppt/slides/slide6.xml><?xml version="1.0" encoding="utf-8"?>
 <p:sld xmlns:a="http://schemas.openxmlformats.org/drawingml/2006/main" xmlns:r="http://schemas.openxmlformats.org/officeDocument/2006/relationships" xmlns:p="http://schemas.openxmlformats.org/presentationml/2006/main">
   <p:cSld>
     <p:spTree>
@@ -6995,7 +7974,7 @@
         </p:nvSpPr>
         <p:spPr>
           <a:xfrm>
-            <a:off x="108520" y="2492896"/>
+            <a:off x="108520" y="3362216"/>
             <a:ext cx="8999984" cy="1938992"/>
           </a:xfrm>
           <a:prstGeom prst="rect">
@@ -7011,57 +7990,65 @@
           <a:p>
             <a:pPr algn="ctr"/>
             <a:r>
-              <a:rPr lang="ja-JP" altLang="en-US" sz="6000" dirty="0" smtClean="0">
-                <a:latin typeface="HGS創英ﾌﾟﾚｾﾞﾝｽEB" pitchFamily="18" charset="-128"/>
-                <a:ea typeface="HGS創英ﾌﾟﾚｾﾞﾝｽEB" pitchFamily="18" charset="-128"/>
+              <a:rPr lang="ja-JP" altLang="en-US" sz="6000" b="1" dirty="0" smtClean="0">
+                <a:latin typeface="MigMix 1P" pitchFamily="50" charset="-128"/>
+                <a:ea typeface="MigMix 1P" pitchFamily="50" charset="-128"/>
+                <a:cs typeface="MigMix 1P" pitchFamily="50" charset="-128"/>
               </a:rPr>
               <a:t>世界</a:t>
             </a:r>
             <a:r>
-              <a:rPr lang="ja-JP" altLang="en-US" sz="6000" dirty="0">
-                <a:latin typeface="HGS創英ﾌﾟﾚｾﾞﾝｽEB" pitchFamily="18" charset="-128"/>
-                <a:ea typeface="HGS創英ﾌﾟﾚｾﾞﾝｽEB" pitchFamily="18" charset="-128"/>
+              <a:rPr lang="ja-JP" altLang="en-US" sz="6000" b="1" dirty="0">
+                <a:latin typeface="MigMix 1P" pitchFamily="50" charset="-128"/>
+                <a:ea typeface="MigMix 1P" pitchFamily="50" charset="-128"/>
+                <a:cs typeface="MigMix 1P" pitchFamily="50" charset="-128"/>
               </a:rPr>
               <a:t>を</a:t>
             </a:r>
             <a:r>
-              <a:rPr lang="ja-JP" altLang="en-US" sz="6000" dirty="0" smtClean="0">
-                <a:latin typeface="HGS創英ﾌﾟﾚｾﾞﾝｽEB" pitchFamily="18" charset="-128"/>
-                <a:ea typeface="HGS創英ﾌﾟﾚｾﾞﾝｽEB" pitchFamily="18" charset="-128"/>
+              <a:rPr lang="ja-JP" altLang="en-US" sz="6000" b="1" dirty="0" smtClean="0">
+                <a:latin typeface="MigMix 1P" pitchFamily="50" charset="-128"/>
+                <a:ea typeface="MigMix 1P" pitchFamily="50" charset="-128"/>
+                <a:cs typeface="MigMix 1P" pitchFamily="50" charset="-128"/>
               </a:rPr>
               <a:t>変える</a:t>
             </a:r>
-            <a:endParaRPr lang="en-US" altLang="ja-JP" sz="6000" dirty="0" smtClean="0">
-              <a:latin typeface="HGS創英ﾌﾟﾚｾﾞﾝｽEB" pitchFamily="18" charset="-128"/>
-              <a:ea typeface="HGS創英ﾌﾟﾚｾﾞﾝｽEB" pitchFamily="18" charset="-128"/>
+            <a:endParaRPr lang="en-US" altLang="ja-JP" sz="6000" b="1" dirty="0" smtClean="0">
+              <a:latin typeface="MigMix 1P" pitchFamily="50" charset="-128"/>
+              <a:ea typeface="MigMix 1P" pitchFamily="50" charset="-128"/>
+              <a:cs typeface="MigMix 1P" pitchFamily="50" charset="-128"/>
             </a:endParaRPr>
           </a:p>
           <a:p>
             <a:pPr algn="ctr"/>
             <a:r>
-              <a:rPr lang="ja-JP" altLang="en-US" sz="6000" dirty="0" smtClean="0">
-                <a:latin typeface="HGS創英ﾌﾟﾚｾﾞﾝｽEB" pitchFamily="18" charset="-128"/>
-                <a:ea typeface="HGS創英ﾌﾟﾚｾﾞﾝｽEB" pitchFamily="18" charset="-128"/>
+              <a:rPr lang="ja-JP" altLang="en-US" sz="6000" b="1" dirty="0" smtClean="0">
+                <a:latin typeface="MigMix 1P" pitchFamily="50" charset="-128"/>
+                <a:ea typeface="MigMix 1P" pitchFamily="50" charset="-128"/>
+                <a:cs typeface="MigMix 1P" pitchFamily="50" charset="-128"/>
               </a:rPr>
               <a:t>新た</a:t>
             </a:r>
             <a:r>
-              <a:rPr lang="ja-JP" altLang="en-US" sz="6000" dirty="0">
-                <a:latin typeface="HGS創英ﾌﾟﾚｾﾞﾝｽEB" pitchFamily="18" charset="-128"/>
-                <a:ea typeface="HGS創英ﾌﾟﾚｾﾞﾝｽEB" pitchFamily="18" charset="-128"/>
+              <a:rPr lang="ja-JP" altLang="en-US" sz="6000" b="1" dirty="0">
+                <a:latin typeface="MigMix 1P" pitchFamily="50" charset="-128"/>
+                <a:ea typeface="MigMix 1P" pitchFamily="50" charset="-128"/>
+                <a:cs typeface="MigMix 1P" pitchFamily="50" charset="-128"/>
               </a:rPr>
               <a:t>な価値を</a:t>
             </a:r>
             <a:r>
-              <a:rPr lang="ja-JP" altLang="en-US" sz="6000" dirty="0" smtClean="0">
-                <a:latin typeface="HGS創英ﾌﾟﾚｾﾞﾝｽEB" pitchFamily="18" charset="-128"/>
-                <a:ea typeface="HGS創英ﾌﾟﾚｾﾞﾝｽEB" pitchFamily="18" charset="-128"/>
+              <a:rPr lang="ja-JP" altLang="en-US" sz="6000" b="1" dirty="0" smtClean="0">
+                <a:latin typeface="MigMix 1P" pitchFamily="50" charset="-128"/>
+                <a:ea typeface="MigMix 1P" pitchFamily="50" charset="-128"/>
+                <a:cs typeface="MigMix 1P" pitchFamily="50" charset="-128"/>
               </a:rPr>
               <a:t>生み出す</a:t>
             </a:r>
-            <a:endParaRPr lang="ja-JP" altLang="en-US" sz="6000" dirty="0">
-              <a:latin typeface="HGS創英ﾌﾟﾚｾﾞﾝｽEB" pitchFamily="18" charset="-128"/>
-              <a:ea typeface="HGS創英ﾌﾟﾚｾﾞﾝｽEB" pitchFamily="18" charset="-128"/>
+            <a:endParaRPr lang="ja-JP" altLang="en-US" sz="6000" b="1" dirty="0">
+              <a:latin typeface="MigMix 1P" pitchFamily="50" charset="-128"/>
+              <a:ea typeface="MigMix 1P" pitchFamily="50" charset="-128"/>
+              <a:cs typeface="MigMix 1P" pitchFamily="50" charset="-128"/>
             </a:endParaRPr>
           </a:p>
         </p:txBody>
@@ -7103,22 +8090,97 @@
                     <a:lumMod val="75000"/>
                   </a:schemeClr>
                 </a:solidFill>
-                <a:latin typeface="Century" pitchFamily="18" charset="0"/>
+                <a:latin typeface="MigMix 1P" pitchFamily="50" charset="-128"/>
+                <a:ea typeface="MigMix 1P" pitchFamily="50" charset="-128"/>
+                <a:cs typeface="MigMix 1P" pitchFamily="50" charset="-128"/>
               </a:rPr>
               <a:t>Sansan.Inc</a:t>
             </a:r>
-            <a:endParaRPr lang="en-US" altLang="ja-JP" sz="4000" dirty="0" smtClean="0">
+            <a:endParaRPr lang="en-US" altLang="ja-JP" sz="4000" b="1" dirty="0" smtClean="0">
               <a:solidFill>
                 <a:schemeClr val="accent1">
                   <a:lumMod val="75000"/>
                 </a:schemeClr>
               </a:solidFill>
-              <a:uFill>
-                <a:solidFill>
-                  <a:srgbClr val="A388C4"/>
-                </a:solidFill>
-              </a:uFill>
-              <a:latin typeface="Century" pitchFamily="18" charset="0"/>
+              <a:latin typeface="MigMix 1P" pitchFamily="50" charset="-128"/>
+              <a:ea typeface="MigMix 1P" pitchFamily="50" charset="-128"/>
+              <a:cs typeface="MigMix 1P" pitchFamily="50" charset="-128"/>
+            </a:endParaRPr>
+          </a:p>
+        </p:txBody>
+      </p:sp>
+      <p:cxnSp>
+        <p:nvCxnSpPr>
+          <p:cNvPr id="5" name="直線矢印コネクタ 4"/>
+          <p:cNvCxnSpPr/>
+          <p:nvPr/>
+        </p:nvCxnSpPr>
+        <p:spPr>
+          <a:xfrm>
+            <a:off x="3779912" y="1268760"/>
+            <a:ext cx="0" cy="1800200"/>
+          </a:xfrm>
+          <a:prstGeom prst="straightConnector1">
+            <a:avLst/>
+          </a:prstGeom>
+          <a:ln w="250825" cap="sq" cmpd="sng">
+            <a:solidFill>
+              <a:srgbClr val="002060"/>
+            </a:solidFill>
+            <a:miter lim="800000"/>
+            <a:headEnd w="sm" len="sm"/>
+            <a:tailEnd type="triangle" w="lg" len="med"/>
+          </a:ln>
+        </p:spPr>
+        <p:style>
+          <a:lnRef idx="1">
+            <a:schemeClr val="accent1"/>
+          </a:lnRef>
+          <a:fillRef idx="0">
+            <a:schemeClr val="accent1"/>
+          </a:fillRef>
+          <a:effectRef idx="0">
+            <a:schemeClr val="accent1"/>
+          </a:effectRef>
+          <a:fontRef idx="minor">
+            <a:schemeClr val="tx1"/>
+          </a:fontRef>
+        </p:style>
+      </p:cxnSp>
+      <p:sp>
+        <p:nvSpPr>
+          <p:cNvPr id="6" name="テキスト ボックス 5"/>
+          <p:cNvSpPr txBox="1"/>
+          <p:nvPr/>
+        </p:nvSpPr>
+        <p:spPr>
+          <a:xfrm>
+            <a:off x="4355976" y="1497558"/>
+            <a:ext cx="2232248" cy="923330"/>
+          </a:xfrm>
+          <a:prstGeom prst="rect">
+            <a:avLst/>
+          </a:prstGeom>
+          <a:noFill/>
+        </p:spPr>
+        <p:txBody>
+          <a:bodyPr wrap="square" rtlCol="0">
+            <a:spAutoFit/>
+          </a:bodyPr>
+          <a:lstStyle/>
+          <a:p>
+            <a:r>
+              <a:rPr kumimoji="1" lang="en-US" altLang="ja-JP" sz="5400" dirty="0" smtClean="0">
+                <a:latin typeface="MigMix 1P" pitchFamily="50" charset="-128"/>
+                <a:ea typeface="MigMix 1P" pitchFamily="50" charset="-128"/>
+                <a:cs typeface="MigMix 1P" pitchFamily="50" charset="-128"/>
+              </a:rPr>
+              <a:t>GOAL</a:t>
+            </a:r>
+            <a:endParaRPr kumimoji="1" lang="ja-JP" altLang="en-US" sz="5400" dirty="0">
+              <a:latin typeface="MigMix 1P" pitchFamily="50" charset="-128"/>
+              <a:ea typeface="MigMix 1P" pitchFamily="50" charset="-128"/>
+              <a:cs typeface="MigMix 1P" pitchFamily="50" charset="-128"/>
             </a:endParaRPr>
           </a:p>
         </p:txBody>
@@ -7177,7 +8239,7 @@
                                     </p:set>
                                     <p:animEffect transition="in" filter="fade">
                                       <p:cBhvr>
-                                        <p:cTn id="7" dur="2000"/>
+                                        <p:cTn id="7" dur="1000"/>
                                         <p:tgtEl>
                                           <p:spTgt spid="7"/>
                                         </p:tgtEl>
@@ -7216,6 +8278,359 @@
     <p:bldLst>
       <p:bldP spid="7" grpId="0"/>
     </p:bldLst>
+  </p:timing>
+</p:sld>
+</file>
+
+<file path=ppt/slides/slide7.xml><?xml version="1.0" encoding="utf-8"?>
+<p:sld xmlns:a="http://schemas.openxmlformats.org/drawingml/2006/main" xmlns:r="http://schemas.openxmlformats.org/officeDocument/2006/relationships" xmlns:p="http://schemas.openxmlformats.org/presentationml/2006/main">
+  <p:cSld>
+    <p:spTree>
+      <p:nvGrpSpPr>
+        <p:cNvPr id="1" name=""/>
+        <p:cNvGrpSpPr/>
+        <p:nvPr/>
+      </p:nvGrpSpPr>
+      <p:grpSpPr>
+        <a:xfrm>
+          <a:off x="0" y="0"/>
+          <a:ext cx="0" cy="0"/>
+          <a:chOff x="0" y="0"/>
+          <a:chExt cx="0" cy="0"/>
+        </a:xfrm>
+      </p:grpSpPr>
+      <p:sp>
+        <p:nvSpPr>
+          <p:cNvPr id="2" name="テキスト ボックス 1"/>
+          <p:cNvSpPr txBox="1"/>
+          <p:nvPr/>
+        </p:nvSpPr>
+        <p:spPr>
+          <a:xfrm>
+            <a:off x="1979712" y="2276872"/>
+            <a:ext cx="5112568" cy="1446550"/>
+          </a:xfrm>
+          <a:prstGeom prst="rect">
+            <a:avLst/>
+          </a:prstGeom>
+          <a:noFill/>
+        </p:spPr>
+        <p:txBody>
+          <a:bodyPr wrap="square" rtlCol="0">
+            <a:spAutoFit/>
+          </a:bodyPr>
+          <a:lstStyle/>
+          <a:p>
+            <a:pPr algn="ctr"/>
+            <a:r>
+              <a:rPr lang="ja-JP" altLang="en-US" sz="8800" dirty="0" smtClean="0">
+                <a:latin typeface="MigMix 1P" pitchFamily="50" charset="-128"/>
+                <a:ea typeface="MigMix 1P" pitchFamily="50" charset="-128"/>
+                <a:cs typeface="MigMix 1P" pitchFamily="50" charset="-128"/>
+              </a:rPr>
+              <a:t>企画紹介</a:t>
+            </a:r>
+            <a:endParaRPr kumimoji="1" lang="ja-JP" altLang="en-US" sz="8800" dirty="0">
+              <a:latin typeface="MigMix 1P" pitchFamily="50" charset="-128"/>
+              <a:ea typeface="MigMix 1P" pitchFamily="50" charset="-128"/>
+              <a:cs typeface="MigMix 1P" pitchFamily="50" charset="-128"/>
+            </a:endParaRPr>
+          </a:p>
+        </p:txBody>
+      </p:sp>
+    </p:spTree>
+  </p:cSld>
+  <p:clrMapOvr>
+    <a:masterClrMapping/>
+  </p:clrMapOvr>
+  <p:transition>
+    <p:fade/>
+  </p:transition>
+  <p:timing>
+    <p:tnLst>
+      <p:par>
+        <p:cTn id="1" dur="indefinite" restart="never" nodeType="tmRoot"/>
+      </p:par>
+    </p:tnLst>
+  </p:timing>
+</p:sld>
+</file>
+
+<file path=ppt/slides/slide8.xml><?xml version="1.0" encoding="utf-8"?>
+<p:sld xmlns:a="http://schemas.openxmlformats.org/drawingml/2006/main" xmlns:r="http://schemas.openxmlformats.org/officeDocument/2006/relationships" xmlns:p="http://schemas.openxmlformats.org/presentationml/2006/main">
+  <p:cSld>
+    <p:spTree>
+      <p:nvGrpSpPr>
+        <p:cNvPr id="1" name=""/>
+        <p:cNvGrpSpPr/>
+        <p:nvPr/>
+      </p:nvGrpSpPr>
+      <p:grpSpPr>
+        <a:xfrm>
+          <a:off x="0" y="0"/>
+          <a:ext cx="0" cy="0"/>
+          <a:chOff x="0" y="0"/>
+          <a:chExt cx="0" cy="0"/>
+        </a:xfrm>
+      </p:grpSpPr>
+      <p:sp>
+        <p:nvSpPr>
+          <p:cNvPr id="2" name="テキスト ボックス 1"/>
+          <p:cNvSpPr txBox="1"/>
+          <p:nvPr/>
+        </p:nvSpPr>
+        <p:spPr>
+          <a:xfrm>
+            <a:off x="1691680" y="1916832"/>
+            <a:ext cx="184731" cy="369332"/>
+          </a:xfrm>
+          <a:prstGeom prst="rect">
+            <a:avLst/>
+          </a:prstGeom>
+          <a:noFill/>
+        </p:spPr>
+        <p:txBody>
+          <a:bodyPr wrap="none" rtlCol="0">
+            <a:spAutoFit/>
+          </a:bodyPr>
+          <a:lstStyle/>
+          <a:p>
+            <a:endParaRPr kumimoji="1" lang="ja-JP" altLang="en-US"/>
+          </a:p>
+        </p:txBody>
+      </p:sp>
+      <p:sp>
+        <p:nvSpPr>
+          <p:cNvPr id="3" name="テキスト ボックス 2"/>
+          <p:cNvSpPr txBox="1"/>
+          <p:nvPr/>
+        </p:nvSpPr>
+        <p:spPr>
+          <a:xfrm>
+            <a:off x="1475656" y="476672"/>
+            <a:ext cx="6120680" cy="769441"/>
+          </a:xfrm>
+          <a:prstGeom prst="rect">
+            <a:avLst/>
+          </a:prstGeom>
+          <a:noFill/>
+        </p:spPr>
+        <p:txBody>
+          <a:bodyPr wrap="square" rtlCol="0">
+            <a:spAutoFit/>
+          </a:bodyPr>
+          <a:lstStyle/>
+          <a:p>
+            <a:pPr algn="ctr"/>
+            <a:r>
+              <a:rPr kumimoji="1" lang="ja-JP" altLang="en-US" sz="4400" dirty="0" smtClean="0">
+                <a:latin typeface="MigMix 1P" pitchFamily="50" charset="-128"/>
+                <a:ea typeface="MigMix 1P" pitchFamily="50" charset="-128"/>
+                <a:cs typeface="MigMix 1P" pitchFamily="50" charset="-128"/>
+              </a:rPr>
+              <a:t>名刺交換</a:t>
+            </a:r>
+            <a:endParaRPr kumimoji="1" lang="ja-JP" altLang="en-US" sz="4400" dirty="0">
+              <a:latin typeface="MigMix 1P" pitchFamily="50" charset="-128"/>
+              <a:ea typeface="MigMix 1P" pitchFamily="50" charset="-128"/>
+              <a:cs typeface="MigMix 1P" pitchFamily="50" charset="-128"/>
+            </a:endParaRPr>
+          </a:p>
+        </p:txBody>
+      </p:sp>
+      <p:pic>
+        <p:nvPicPr>
+          <p:cNvPr id="1026" name="Picture 2" descr="C:\Users\i101318n\Desktop\MKJ_ryoutedemeishiwowatasu500-thumb-350.jpg350%-1190.jpg"/>
+          <p:cNvPicPr>
+            <a:picLocks noChangeAspect="1" noChangeArrowheads="1"/>
+          </p:cNvPicPr>
+          <p:nvPr/>
+        </p:nvPicPr>
+        <p:blipFill>
+          <a:blip r:embed="rId3" cstate="print"/>
+          <a:srcRect/>
+          <a:stretch>
+            <a:fillRect/>
+          </a:stretch>
+        </p:blipFill>
+        <p:spPr bwMode="auto">
+          <a:xfrm>
+            <a:off x="1403648" y="1412776"/>
+            <a:ext cx="6381826" cy="4248472"/>
+          </a:xfrm>
+          <a:prstGeom prst="rect">
+            <a:avLst/>
+          </a:prstGeom>
+          <a:noFill/>
+        </p:spPr>
+      </p:pic>
+    </p:spTree>
+  </p:cSld>
+  <p:clrMapOvr>
+    <a:masterClrMapping/>
+  </p:clrMapOvr>
+  <p:transition>
+    <p:fade/>
+  </p:transition>
+  <p:timing>
+    <p:tnLst>
+      <p:par>
+        <p:cTn id="1" dur="indefinite" restart="never" nodeType="tmRoot"/>
+      </p:par>
+    </p:tnLst>
+  </p:timing>
+</p:sld>
+</file>
+
+<file path=ppt/slides/slide9.xml><?xml version="1.0" encoding="utf-8"?>
+<p:sld xmlns:a="http://schemas.openxmlformats.org/drawingml/2006/main" xmlns:r="http://schemas.openxmlformats.org/officeDocument/2006/relationships" xmlns:p="http://schemas.openxmlformats.org/presentationml/2006/main">
+  <p:cSld>
+    <p:spTree>
+      <p:nvGrpSpPr>
+        <p:cNvPr id="1" name=""/>
+        <p:cNvGrpSpPr/>
+        <p:nvPr/>
+      </p:nvGrpSpPr>
+      <p:grpSpPr>
+        <a:xfrm>
+          <a:off x="0" y="0"/>
+          <a:ext cx="0" cy="0"/>
+          <a:chOff x="0" y="0"/>
+          <a:chExt cx="0" cy="0"/>
+        </a:xfrm>
+      </p:grpSpPr>
+      <p:sp>
+        <p:nvSpPr>
+          <p:cNvPr id="2" name="テキスト ボックス 1"/>
+          <p:cNvSpPr txBox="1"/>
+          <p:nvPr/>
+        </p:nvSpPr>
+        <p:spPr>
+          <a:xfrm>
+            <a:off x="611560" y="188640"/>
+            <a:ext cx="8064896" cy="1015663"/>
+          </a:xfrm>
+          <a:prstGeom prst="rect">
+            <a:avLst/>
+          </a:prstGeom>
+          <a:noFill/>
+        </p:spPr>
+        <p:txBody>
+          <a:bodyPr wrap="square" rtlCol="0">
+            <a:spAutoFit/>
+          </a:bodyPr>
+          <a:lstStyle/>
+          <a:p>
+            <a:pPr algn="ctr"/>
+            <a:r>
+              <a:rPr lang="ja-JP" altLang="en-US" sz="4400" dirty="0" smtClean="0">
+                <a:latin typeface="MigMix 1P" pitchFamily="50" charset="-128"/>
+                <a:ea typeface="MigMix 1P" pitchFamily="50" charset="-128"/>
+                <a:cs typeface="MigMix 1P" pitchFamily="50" charset="-128"/>
+              </a:rPr>
+              <a:t>話題検索アプリ「</a:t>
+            </a:r>
+            <a:r>
+              <a:rPr kumimoji="1" lang="en-US" altLang="ja-JP" sz="6000" dirty="0" err="1" smtClean="0">
+                <a:latin typeface="MigMix 1P" pitchFamily="50" charset="-128"/>
+                <a:ea typeface="MigMix 1P" pitchFamily="50" charset="-128"/>
+                <a:cs typeface="MigMix 1P" pitchFamily="50" charset="-128"/>
+              </a:rPr>
+              <a:t>Topick</a:t>
+            </a:r>
+            <a:r>
+              <a:rPr kumimoji="1" lang="ja-JP" altLang="en-US" sz="4400" dirty="0" smtClean="0">
+                <a:latin typeface="MigMix 1P" pitchFamily="50" charset="-128"/>
+                <a:ea typeface="MigMix 1P" pitchFamily="50" charset="-128"/>
+                <a:cs typeface="MigMix 1P" pitchFamily="50" charset="-128"/>
+              </a:rPr>
+              <a:t>」</a:t>
+            </a:r>
+            <a:endParaRPr kumimoji="1" lang="ja-JP" altLang="en-US" sz="4400" dirty="0">
+              <a:latin typeface="MigMix 1P" pitchFamily="50" charset="-128"/>
+              <a:ea typeface="MigMix 1P" pitchFamily="50" charset="-128"/>
+              <a:cs typeface="MigMix 1P" pitchFamily="50" charset="-128"/>
+            </a:endParaRPr>
+          </a:p>
+        </p:txBody>
+      </p:sp>
+      <p:grpSp>
+        <p:nvGrpSpPr>
+          <p:cNvPr id="5" name="グループ化 4"/>
+          <p:cNvGrpSpPr/>
+          <p:nvPr/>
+        </p:nvGrpSpPr>
+        <p:grpSpPr>
+          <a:xfrm>
+            <a:off x="3131840" y="1484784"/>
+            <a:ext cx="2808312" cy="5976664"/>
+            <a:chOff x="3203848" y="709364"/>
+            <a:chExt cx="2736304" cy="6148636"/>
+          </a:xfrm>
+        </p:grpSpPr>
+        <p:pic>
+          <p:nvPicPr>
+            <p:cNvPr id="4" name="図 3" descr="top_ipimg_01-ad854decd2068e6efd39c10b2411859b.png"/>
+            <p:cNvPicPr>
+              <a:picLocks noChangeAspect="1"/>
+            </p:cNvPicPr>
+            <p:nvPr/>
+          </p:nvPicPr>
+          <p:blipFill>
+            <a:blip r:embed="rId3" cstate="print"/>
+            <a:stretch>
+              <a:fillRect/>
+            </a:stretch>
+          </p:blipFill>
+          <p:spPr>
+            <a:xfrm>
+              <a:off x="3203848" y="709364"/>
+              <a:ext cx="2736304" cy="6148636"/>
+            </a:xfrm>
+            <a:prstGeom prst="rect">
+              <a:avLst/>
+            </a:prstGeom>
+          </p:spPr>
+        </p:pic>
+        <p:pic>
+          <p:nvPicPr>
+            <p:cNvPr id="3" name="図 2" descr="キャプチャ.PNG"/>
+            <p:cNvPicPr>
+              <a:picLocks noChangeAspect="1"/>
+            </p:cNvPicPr>
+            <p:nvPr/>
+          </p:nvPicPr>
+          <p:blipFill>
+            <a:blip r:embed="rId4" cstate="print"/>
+            <a:stretch>
+              <a:fillRect/>
+            </a:stretch>
+          </p:blipFill>
+          <p:spPr>
+            <a:xfrm>
+              <a:off x="3419872" y="1556792"/>
+              <a:ext cx="2353285" cy="3600400"/>
+            </a:xfrm>
+            <a:prstGeom prst="rect">
+              <a:avLst/>
+            </a:prstGeom>
+          </p:spPr>
+        </p:pic>
+      </p:grpSp>
+    </p:spTree>
+  </p:cSld>
+  <p:clrMapOvr>
+    <a:masterClrMapping/>
+  </p:clrMapOvr>
+  <p:transition>
+    <p:fade/>
+  </p:transition>
+  <p:timing>
+    <p:tnLst>
+      <p:par>
+        <p:cTn id="1" dur="indefinite" restart="never" nodeType="tmRoot"/>
+      </p:par>
+    </p:tnLst>
   </p:timing>
 </p:sld>
 </file>
